--- a/19.lecke/AdatbázisTervezés19.pptx
+++ b/19.lecke/AdatbázisTervezés19.pptx
@@ -5,23 +5,17 @@
     <p:sldMasterId id="2147483648" r:id="rId1"/>
   </p:sldMasterIdLst>
   <p:notesMasterIdLst>
-    <p:notesMasterId r:id="rId16"/>
+    <p:notesMasterId r:id="rId10"/>
   </p:notesMasterIdLst>
   <p:sldIdLst>
     <p:sldId id="256" r:id="rId2"/>
     <p:sldId id="317" r:id="rId3"/>
     <p:sldId id="265" r:id="rId4"/>
     <p:sldId id="318" r:id="rId5"/>
-    <p:sldId id="264" r:id="rId6"/>
-    <p:sldId id="263" r:id="rId7"/>
-    <p:sldId id="260" r:id="rId8"/>
-    <p:sldId id="259" r:id="rId9"/>
-    <p:sldId id="262" r:id="rId10"/>
-    <p:sldId id="266" r:id="rId11"/>
-    <p:sldId id="267" r:id="rId12"/>
-    <p:sldId id="268" r:id="rId13"/>
-    <p:sldId id="261" r:id="rId14"/>
-    <p:sldId id="316" r:id="rId15"/>
+    <p:sldId id="319" r:id="rId6"/>
+    <p:sldId id="321" r:id="rId7"/>
+    <p:sldId id="320" r:id="rId8"/>
+    <p:sldId id="316" r:id="rId9"/>
   </p:sldIdLst>
   <p:sldSz cx="12192000" cy="6858000"/>
   <p:notesSz cx="6858000" cy="9144000"/>
@@ -129,15 +123,9 @@
             <p14:sldId id="317"/>
             <p14:sldId id="265"/>
             <p14:sldId id="318"/>
-            <p14:sldId id="264"/>
-            <p14:sldId id="263"/>
-            <p14:sldId id="260"/>
-            <p14:sldId id="259"/>
-            <p14:sldId id="262"/>
-            <p14:sldId id="266"/>
-            <p14:sldId id="267"/>
-            <p14:sldId id="268"/>
-            <p14:sldId id="261"/>
+            <p14:sldId id="319"/>
+            <p14:sldId id="321"/>
+            <p14:sldId id="320"/>
             <p14:sldId id="316"/>
           </p14:sldIdLst>
         </p14:section>
@@ -167,7 +155,7 @@
 <file path=ppt/revisionInfo.xml><?xml version="1.0" encoding="utf-8"?>
 <p1510:revInfo xmlns:a="http://schemas.openxmlformats.org/drawingml/2006/main" xmlns:r="http://schemas.openxmlformats.org/officeDocument/2006/relationships" xmlns:p1510="http://schemas.microsoft.com/office/powerpoint/2015/10/main">
   <p1510:revLst>
-    <p1510:client id="{9028E362-5FC4-4C4E-A994-5881B6F8AA8F}" v="11" dt="2021-05-02T09:04:46.474"/>
+    <p1510:client id="{9028E362-5FC4-4C4E-A994-5881B6F8AA8F}" v="91" dt="2021-05-02T17:16:06.038"/>
   </p1510:revLst>
 </p1510:revInfo>
 </file>
@@ -978,8 +966,8 @@
   </pc:docChgLst>
   <pc:docChgLst>
     <pc:chgData name="Péter Papp" userId="c551c21ec8665072" providerId="LiveId" clId="{9028E362-5FC4-4C4E-A994-5881B6F8AA8F}"/>
-    <pc:docChg chg="undo redo custSel addSld modSld sldOrd modSection">
-      <pc:chgData name="Péter Papp" userId="c551c21ec8665072" providerId="LiveId" clId="{9028E362-5FC4-4C4E-A994-5881B6F8AA8F}" dt="2021-05-02T09:08:06.473" v="833" actId="20577"/>
+    <pc:docChg chg="undo redo custSel addSld delSld modSld sldOrd modSection">
+      <pc:chgData name="Péter Papp" userId="c551c21ec8665072" providerId="LiveId" clId="{9028E362-5FC4-4C4E-A994-5881B6F8AA8F}" dt="2021-05-02T17:35:27.644" v="1943" actId="108"/>
       <pc:docMkLst>
         <pc:docMk/>
       </pc:docMkLst>
@@ -998,15 +986,50 @@
           </ac:spMkLst>
         </pc:spChg>
       </pc:sldChg>
-      <pc:sldChg chg="modNotesTx">
-        <pc:chgData name="Péter Papp" userId="c551c21ec8665072" providerId="LiveId" clId="{9028E362-5FC4-4C4E-A994-5881B6F8AA8F}" dt="2021-05-02T08:04:36.173" v="49"/>
+      <pc:sldChg chg="del">
+        <pc:chgData name="Péter Papp" userId="c551c21ec8665072" providerId="LiveId" clId="{9028E362-5FC4-4C4E-A994-5881B6F8AA8F}" dt="2021-05-02T16:47:27.618" v="1489" actId="47"/>
+        <pc:sldMkLst>
+          <pc:docMk/>
+          <pc:sldMk cId="743291452" sldId="259"/>
+        </pc:sldMkLst>
+      </pc:sldChg>
+      <pc:sldChg chg="del modNotesTx">
+        <pc:chgData name="Péter Papp" userId="c551c21ec8665072" providerId="LiveId" clId="{9028E362-5FC4-4C4E-A994-5881B6F8AA8F}" dt="2021-05-02T16:47:27.618" v="1489" actId="47"/>
         <pc:sldMkLst>
           <pc:docMk/>
           <pc:sldMk cId="3099117453" sldId="260"/>
         </pc:sldMkLst>
       </pc:sldChg>
-      <pc:sldChg chg="modSp mod modNotesTx">
-        <pc:chgData name="Péter Papp" userId="c551c21ec8665072" providerId="LiveId" clId="{9028E362-5FC4-4C4E-A994-5881B6F8AA8F}" dt="2021-05-02T09:05:54.178" v="769" actId="108"/>
+      <pc:sldChg chg="del">
+        <pc:chgData name="Péter Papp" userId="c551c21ec8665072" providerId="LiveId" clId="{9028E362-5FC4-4C4E-A994-5881B6F8AA8F}" dt="2021-05-02T16:47:27.618" v="1489" actId="47"/>
+        <pc:sldMkLst>
+          <pc:docMk/>
+          <pc:sldMk cId="76982428" sldId="261"/>
+        </pc:sldMkLst>
+      </pc:sldChg>
+      <pc:sldChg chg="del">
+        <pc:chgData name="Péter Papp" userId="c551c21ec8665072" providerId="LiveId" clId="{9028E362-5FC4-4C4E-A994-5881B6F8AA8F}" dt="2021-05-02T16:47:27.618" v="1489" actId="47"/>
+        <pc:sldMkLst>
+          <pc:docMk/>
+          <pc:sldMk cId="2002249716" sldId="262"/>
+        </pc:sldMkLst>
+      </pc:sldChg>
+      <pc:sldChg chg="del">
+        <pc:chgData name="Péter Papp" userId="c551c21ec8665072" providerId="LiveId" clId="{9028E362-5FC4-4C4E-A994-5881B6F8AA8F}" dt="2021-05-02T16:47:27.618" v="1489" actId="47"/>
+        <pc:sldMkLst>
+          <pc:docMk/>
+          <pc:sldMk cId="396090501" sldId="263"/>
+        </pc:sldMkLst>
+      </pc:sldChg>
+      <pc:sldChg chg="del">
+        <pc:chgData name="Péter Papp" userId="c551c21ec8665072" providerId="LiveId" clId="{9028E362-5FC4-4C4E-A994-5881B6F8AA8F}" dt="2021-05-02T16:47:27.618" v="1489" actId="47"/>
+        <pc:sldMkLst>
+          <pc:docMk/>
+          <pc:sldMk cId="3586627818" sldId="264"/>
+        </pc:sldMkLst>
+      </pc:sldChg>
+      <pc:sldChg chg="modSp mod modAnim modNotesTx">
+        <pc:chgData name="Péter Papp" userId="c551c21ec8665072" providerId="LiveId" clId="{9028E362-5FC4-4C4E-A994-5881B6F8AA8F}" dt="2021-05-02T16:51:08.272" v="1499"/>
         <pc:sldMkLst>
           <pc:docMk/>
           <pc:sldMk cId="184470344" sldId="265"/>
@@ -1028,15 +1051,29 @@
           </ac:spMkLst>
         </pc:spChg>
       </pc:sldChg>
-      <pc:sldChg chg="modNotesTx">
-        <pc:chgData name="Péter Papp" userId="c551c21ec8665072" providerId="LiveId" clId="{9028E362-5FC4-4C4E-A994-5881B6F8AA8F}" dt="2021-05-02T08:05:01.442" v="51" actId="6549"/>
+      <pc:sldChg chg="del modNotesTx">
+        <pc:chgData name="Péter Papp" userId="c551c21ec8665072" providerId="LiveId" clId="{9028E362-5FC4-4C4E-A994-5881B6F8AA8F}" dt="2021-05-02T16:47:27.618" v="1489" actId="47"/>
         <pc:sldMkLst>
           <pc:docMk/>
           <pc:sldMk cId="1926032990" sldId="266"/>
         </pc:sldMkLst>
       </pc:sldChg>
-      <pc:sldChg chg="addSp delSp modSp add mod ord setBg setClrOvrMap modNotesTx">
-        <pc:chgData name="Péter Papp" userId="c551c21ec8665072" providerId="LiveId" clId="{9028E362-5FC4-4C4E-A994-5881B6F8AA8F}" dt="2021-05-02T09:04:46.470" v="751" actId="14861"/>
+      <pc:sldChg chg="del">
+        <pc:chgData name="Péter Papp" userId="c551c21ec8665072" providerId="LiveId" clId="{9028E362-5FC4-4C4E-A994-5881B6F8AA8F}" dt="2021-05-02T16:47:27.618" v="1489" actId="47"/>
+        <pc:sldMkLst>
+          <pc:docMk/>
+          <pc:sldMk cId="3239744484" sldId="267"/>
+        </pc:sldMkLst>
+      </pc:sldChg>
+      <pc:sldChg chg="del">
+        <pc:chgData name="Péter Papp" userId="c551c21ec8665072" providerId="LiveId" clId="{9028E362-5FC4-4C4E-A994-5881B6F8AA8F}" dt="2021-05-02T16:47:27.618" v="1489" actId="47"/>
+        <pc:sldMkLst>
+          <pc:docMk/>
+          <pc:sldMk cId="2619109996" sldId="268"/>
+        </pc:sldMkLst>
+      </pc:sldChg>
+      <pc:sldChg chg="addSp delSp modSp add mod ord setBg modAnim setClrOvrMap modNotesTx">
+        <pc:chgData name="Péter Papp" userId="c551c21ec8665072" providerId="LiveId" clId="{9028E362-5FC4-4C4E-A994-5881B6F8AA8F}" dt="2021-05-02T16:50:19.273" v="1495"/>
         <pc:sldMkLst>
           <pc:docMk/>
           <pc:sldMk cId="1215253997" sldId="317"/>
@@ -1106,17 +1143,70 @@
           </ac:picMkLst>
         </pc:picChg>
       </pc:sldChg>
-      <pc:sldChg chg="modSp add mod modNotesTx">
-        <pc:chgData name="Péter Papp" userId="c551c21ec8665072" providerId="LiveId" clId="{9028E362-5FC4-4C4E-A994-5881B6F8AA8F}" dt="2021-05-02T09:08:06.473" v="833" actId="20577"/>
+      <pc:sldChg chg="modSp add mod modAnim modNotesTx">
+        <pc:chgData name="Péter Papp" userId="c551c21ec8665072" providerId="LiveId" clId="{9028E362-5FC4-4C4E-A994-5881B6F8AA8F}" dt="2021-05-02T16:53:04.848" v="1518"/>
         <pc:sldMkLst>
           <pc:docMk/>
           <pc:sldMk cId="1721241018" sldId="318"/>
         </pc:sldMkLst>
         <pc:spChg chg="mod">
-          <ac:chgData name="Péter Papp" userId="c551c21ec8665072" providerId="LiveId" clId="{9028E362-5FC4-4C4E-A994-5881B6F8AA8F}" dt="2021-05-02T09:08:06.473" v="833" actId="20577"/>
+          <ac:chgData name="Péter Papp" userId="c551c21ec8665072" providerId="LiveId" clId="{9028E362-5FC4-4C4E-A994-5881B6F8AA8F}" dt="2021-05-02T16:52:41.382" v="1515" actId="20577"/>
           <ac:spMkLst>
             <pc:docMk/>
             <pc:sldMk cId="1721241018" sldId="318"/>
+            <ac:spMk id="4" creationId="{00000000-0000-0000-0000-000000000000}"/>
+          </ac:spMkLst>
+        </pc:spChg>
+      </pc:sldChg>
+      <pc:sldChg chg="modSp add mod modNotesTx">
+        <pc:chgData name="Péter Papp" userId="c551c21ec8665072" providerId="LiveId" clId="{9028E362-5FC4-4C4E-A994-5881B6F8AA8F}" dt="2021-05-02T17:16:06.038" v="1693" actId="20577"/>
+        <pc:sldMkLst>
+          <pc:docMk/>
+          <pc:sldMk cId="2835646587" sldId="319"/>
+        </pc:sldMkLst>
+        <pc:spChg chg="mod">
+          <ac:chgData name="Péter Papp" userId="c551c21ec8665072" providerId="LiveId" clId="{9028E362-5FC4-4C4E-A994-5881B6F8AA8F}" dt="2021-05-02T14:22:36.666" v="1143" actId="20577"/>
+          <ac:spMkLst>
+            <pc:docMk/>
+            <pc:sldMk cId="2835646587" sldId="319"/>
+            <ac:spMk id="2" creationId="{00000000-0000-0000-0000-000000000000}"/>
+          </ac:spMkLst>
+        </pc:spChg>
+        <pc:spChg chg="mod">
+          <ac:chgData name="Péter Papp" userId="c551c21ec8665072" providerId="LiveId" clId="{9028E362-5FC4-4C4E-A994-5881B6F8AA8F}" dt="2021-05-02T17:16:06.038" v="1693" actId="20577"/>
+          <ac:spMkLst>
+            <pc:docMk/>
+            <pc:sldMk cId="2835646587" sldId="319"/>
+            <ac:spMk id="4" creationId="{00000000-0000-0000-0000-000000000000}"/>
+          </ac:spMkLst>
+        </pc:spChg>
+      </pc:sldChg>
+      <pc:sldChg chg="modSp add mod">
+        <pc:chgData name="Péter Papp" userId="c551c21ec8665072" providerId="LiveId" clId="{9028E362-5FC4-4C4E-A994-5881B6F8AA8F}" dt="2021-05-02T17:35:27.644" v="1943" actId="108"/>
+        <pc:sldMkLst>
+          <pc:docMk/>
+          <pc:sldMk cId="2987635827" sldId="320"/>
+        </pc:sldMkLst>
+        <pc:spChg chg="mod">
+          <ac:chgData name="Péter Papp" userId="c551c21ec8665072" providerId="LiveId" clId="{9028E362-5FC4-4C4E-A994-5881B6F8AA8F}" dt="2021-05-02T17:35:27.644" v="1943" actId="108"/>
+          <ac:spMkLst>
+            <pc:docMk/>
+            <pc:sldMk cId="2987635827" sldId="320"/>
+            <ac:spMk id="4" creationId="{00000000-0000-0000-0000-000000000000}"/>
+          </ac:spMkLst>
+        </pc:spChg>
+      </pc:sldChg>
+      <pc:sldChg chg="modSp add mod">
+        <pc:chgData name="Péter Papp" userId="c551c21ec8665072" providerId="LiveId" clId="{9028E362-5FC4-4C4E-A994-5881B6F8AA8F}" dt="2021-05-02T17:21:15.718" v="1808" actId="6549"/>
+        <pc:sldMkLst>
+          <pc:docMk/>
+          <pc:sldMk cId="2539486945" sldId="321"/>
+        </pc:sldMkLst>
+        <pc:spChg chg="mod">
+          <ac:chgData name="Péter Papp" userId="c551c21ec8665072" providerId="LiveId" clId="{9028E362-5FC4-4C4E-A994-5881B6F8AA8F}" dt="2021-05-02T17:21:15.718" v="1808" actId="6549"/>
+          <ac:spMkLst>
+            <pc:docMk/>
+            <pc:sldMk cId="2539486945" sldId="321"/>
             <ac:spMk id="4" creationId="{00000000-0000-0000-0000-000000000000}"/>
           </ac:spMkLst>
         </pc:spChg>
@@ -1834,10 +1924,7 @@
           <a:bodyPr/>
           <a:lstStyle/>
           <a:p>
-            <a:r>
-              <a:rPr lang="hu-HU" dirty="0"/>
-              <a:t>Forrás: https://www.w3resource.com/sql/subqueries/understanding-sql-subqueries.php</a:t>
-            </a:r>
+            <a:endParaRPr lang="hu-HU" dirty="0"/>
           </a:p>
         </p:txBody>
       </p:sp>
@@ -1858,7 +1945,7 @@
           <a:p>
             <a:fld id="{552DCED9-A3A7-4A16-99F9-BC03E1B2A67B}" type="slidenum">
               <a:rPr lang="hu-HU" smtClean="0"/>
-              <a:t>7</a:t>
+              <a:t>5</a:t>
             </a:fld>
             <a:endParaRPr lang="hu-HU"/>
           </a:p>
@@ -1867,7 +1954,7 @@
     </p:spTree>
     <p:extLst>
       <p:ext uri="{BB962C8B-B14F-4D97-AF65-F5344CB8AC3E}">
-        <p14:creationId xmlns:p14="http://schemas.microsoft.com/office/powerpoint/2010/main" val="3046364485"/>
+        <p14:creationId xmlns:p14="http://schemas.microsoft.com/office/powerpoint/2010/main" val="2002143"/>
       </p:ext>
     </p:extLst>
   </p:cSld>
@@ -1942,7 +2029,7 @@
           <a:p>
             <a:fld id="{552DCED9-A3A7-4A16-99F9-BC03E1B2A67B}" type="slidenum">
               <a:rPr lang="hu-HU" smtClean="0"/>
-              <a:t>10</a:t>
+              <a:t>6</a:t>
             </a:fld>
             <a:endParaRPr lang="hu-HU"/>
           </a:p>
@@ -1951,7 +2038,7 @@
     </p:spTree>
     <p:extLst>
       <p:ext uri="{BB962C8B-B14F-4D97-AF65-F5344CB8AC3E}">
-        <p14:creationId xmlns:p14="http://schemas.microsoft.com/office/powerpoint/2010/main" val="2092665569"/>
+        <p14:creationId xmlns:p14="http://schemas.microsoft.com/office/powerpoint/2010/main" val="2463148121"/>
       </p:ext>
     </p:extLst>
   </p:cSld>
@@ -2005,10 +2092,7 @@
           <a:bodyPr/>
           <a:lstStyle/>
           <a:p>
-            <a:r>
-              <a:rPr lang="hu-HU" dirty="0"/>
-              <a:t>Például a születési dátum mellett az életkor is tárolva van, pedig azt ki lehet számolni.</a:t>
-            </a:r>
+            <a:endParaRPr lang="hu-HU" dirty="0"/>
           </a:p>
         </p:txBody>
       </p:sp>
@@ -2029,7 +2113,7 @@
           <a:p>
             <a:fld id="{552DCED9-A3A7-4A16-99F9-BC03E1B2A67B}" type="slidenum">
               <a:rPr lang="hu-HU" smtClean="0"/>
-              <a:t>13</a:t>
+              <a:t>7</a:t>
             </a:fld>
             <a:endParaRPr lang="hu-HU"/>
           </a:p>
@@ -2038,7 +2122,7 @@
     </p:spTree>
     <p:extLst>
       <p:ext uri="{BB962C8B-B14F-4D97-AF65-F5344CB8AC3E}">
-        <p14:creationId xmlns:p14="http://schemas.microsoft.com/office/powerpoint/2010/main" val="4181278169"/>
+        <p14:creationId xmlns:p14="http://schemas.microsoft.com/office/powerpoint/2010/main" val="3199432087"/>
       </p:ext>
     </p:extLst>
   </p:cSld>
@@ -2143,7 +2227,7 @@
           <a:effectLst/>
           <a:extLst>
             <a:ext uri="{91240B29-F687-4f45-9708-019B960494DF}">
-              <a14:hiddenLine xmlns:a14="http://schemas.microsoft.com/office/drawing/2010/main" xmlns="" w="9525">
+              <a14:hiddenLine xmlns="" xmlns:a14="http://schemas.microsoft.com/office/drawing/2010/main" w="9525">
                 <a:solidFill>
                   <a:srgbClr val="000000"/>
                 </a:solidFill>
@@ -3653,7 +3737,7 @@
           <a:ln/>
           <a:extLst>
             <a:ext uri="{91240B29-F687-4f45-9708-019B960494DF}">
-              <a14:hiddenLine xmlns:a14="http://schemas.microsoft.com/office/drawing/2010/main" xmlns="" w="9525">
+              <a14:hiddenLine xmlns="" xmlns:a14="http://schemas.microsoft.com/office/drawing/2010/main" w="9525">
                 <a:solidFill>
                   <a:srgbClr val="000000"/>
                 </a:solidFill>
@@ -3925,7 +4009,7 @@
           <a:ln/>
           <a:extLst>
             <a:ext uri="{91240B29-F687-4f45-9708-019B960494DF}">
-              <a14:hiddenLine xmlns:a14="http://schemas.microsoft.com/office/drawing/2010/main" xmlns="" w="9525">
+              <a14:hiddenLine xmlns="" xmlns:a14="http://schemas.microsoft.com/office/drawing/2010/main" w="9525">
                 <a:solidFill>
                   <a:srgbClr val="000000"/>
                 </a:solidFill>
@@ -4205,7 +4289,7 @@
           <a:ln/>
           <a:extLst>
             <a:ext uri="{91240B29-F687-4f45-9708-019B960494DF}">
-              <a14:hiddenLine xmlns:a14="http://schemas.microsoft.com/office/drawing/2010/main" xmlns="" w="9525">
+              <a14:hiddenLine xmlns="" xmlns:a14="http://schemas.microsoft.com/office/drawing/2010/main" w="9525">
                 <a:solidFill>
                   <a:srgbClr val="000000"/>
                 </a:solidFill>
@@ -4841,7 +4925,7 @@
           <a:ln/>
           <a:extLst>
             <a:ext uri="{91240B29-F687-4f45-9708-019B960494DF}">
-              <a14:hiddenLine xmlns:a14="http://schemas.microsoft.com/office/drawing/2010/main" xmlns="" w="9525">
+              <a14:hiddenLine xmlns="" xmlns:a14="http://schemas.microsoft.com/office/drawing/2010/main" w="9525">
                 <a:solidFill>
                   <a:srgbClr val="000000"/>
                 </a:solidFill>
@@ -5177,7 +5261,7 @@
           <a:ln/>
           <a:extLst>
             <a:ext uri="{91240B29-F687-4f45-9708-019B960494DF}">
-              <a14:hiddenLine xmlns:a14="http://schemas.microsoft.com/office/drawing/2010/main" xmlns="" w="9525">
+              <a14:hiddenLine xmlns="" xmlns:a14="http://schemas.microsoft.com/office/drawing/2010/main" w="9525">
                 <a:solidFill>
                   <a:srgbClr val="000000"/>
                 </a:solidFill>
@@ -5651,7 +5735,7 @@
           <a:ln/>
           <a:extLst>
             <a:ext uri="{91240B29-F687-4f45-9708-019B960494DF}">
-              <a14:hiddenLine xmlns:a14="http://schemas.microsoft.com/office/drawing/2010/main" xmlns="" w="9525">
+              <a14:hiddenLine xmlns="" xmlns:a14="http://schemas.microsoft.com/office/drawing/2010/main" w="9525">
                 <a:solidFill>
                   <a:srgbClr val="000000"/>
                 </a:solidFill>
@@ -6074,7 +6158,7 @@
           <a:ln/>
           <a:extLst>
             <a:ext uri="{91240B29-F687-4f45-9708-019B960494DF}">
-              <a14:hiddenLine xmlns:a14="http://schemas.microsoft.com/office/drawing/2010/main" xmlns="" w="9525">
+              <a14:hiddenLine xmlns="" xmlns:a14="http://schemas.microsoft.com/office/drawing/2010/main" w="9525">
                 <a:solidFill>
                   <a:srgbClr val="000000"/>
                 </a:solidFill>
@@ -7359,2335 +7443,6 @@
 </p:sld>
 </file>
 
-<file path=ppt/slides/slide10.xml><?xml version="1.0" encoding="utf-8"?>
-<p:sld xmlns:a="http://schemas.openxmlformats.org/drawingml/2006/main" xmlns:r="http://schemas.openxmlformats.org/officeDocument/2006/relationships" xmlns:p="http://schemas.openxmlformats.org/presentationml/2006/main">
-  <p:cSld>
-    <p:spTree>
-      <p:nvGrpSpPr>
-        <p:cNvPr id="1" name=""/>
-        <p:cNvGrpSpPr/>
-        <p:nvPr/>
-      </p:nvGrpSpPr>
-      <p:grpSpPr>
-        <a:xfrm>
-          <a:off x="0" y="0"/>
-          <a:ext cx="0" cy="0"/>
-          <a:chOff x="0" y="0"/>
-          <a:chExt cx="0" cy="0"/>
-        </a:xfrm>
-      </p:grpSpPr>
-      <p:sp>
-        <p:nvSpPr>
-          <p:cNvPr id="2" name="Cím 1"/>
-          <p:cNvSpPr>
-            <a:spLocks noGrp="1"/>
-          </p:cNvSpPr>
-          <p:nvPr>
-            <p:ph type="title"/>
-          </p:nvPr>
-        </p:nvSpPr>
-        <p:spPr/>
-        <p:txBody>
-          <a:bodyPr/>
-          <a:lstStyle/>
-          <a:p>
-            <a:r>
-              <a:rPr lang="hu-HU" dirty="0"/>
-              <a:t>Fogalmak: Elsődleges kulcs</a:t>
-            </a:r>
-          </a:p>
-        </p:txBody>
-      </p:sp>
-      <p:sp>
-        <p:nvSpPr>
-          <p:cNvPr id="4" name="Tartalom helye 3"/>
-          <p:cNvSpPr>
-            <a:spLocks noGrp="1"/>
-          </p:cNvSpPr>
-          <p:nvPr>
-            <p:ph idx="1"/>
-          </p:nvPr>
-        </p:nvSpPr>
-        <p:spPr>
-          <a:xfrm>
-            <a:off x="818712" y="2222288"/>
-            <a:ext cx="10554574" cy="2087762"/>
-          </a:xfrm>
-        </p:spPr>
-        <p:txBody>
-          <a:bodyPr/>
-          <a:lstStyle/>
-          <a:p>
-            <a:pPr marL="0" indent="0">
-              <a:buNone/>
-            </a:pPr>
-            <a:r>
-              <a:rPr lang="hu-HU" dirty="0"/>
-              <a:t>Az </a:t>
-            </a:r>
-            <a:r>
-              <a:rPr lang="hu-HU" b="1" i="1" dirty="0">
-                <a:solidFill>
-                  <a:schemeClr val="accent1"/>
-                </a:solidFill>
-              </a:rPr>
-              <a:t>elsődleges kulcs </a:t>
-            </a:r>
-            <a:r>
-              <a:rPr lang="hu-HU" dirty="0"/>
-              <a:t>egy olyan </a:t>
-            </a:r>
-            <a:r>
-              <a:rPr lang="hu-HU" b="1" i="1" dirty="0">
-                <a:solidFill>
-                  <a:schemeClr val="accent1"/>
-                </a:solidFill>
-              </a:rPr>
-              <a:t>kulcs</a:t>
-            </a:r>
-            <a:r>
-              <a:rPr lang="hu-HU" dirty="0"/>
-              <a:t>, ami egyértelműen azonosítja az adott </a:t>
-            </a:r>
-            <a:r>
-              <a:rPr lang="hu-HU" b="1" i="1" dirty="0">
-                <a:solidFill>
-                  <a:schemeClr val="accent1"/>
-                </a:solidFill>
-              </a:rPr>
-              <a:t>rekordot</a:t>
-            </a:r>
-            <a:r>
-              <a:rPr lang="hu-HU" dirty="0"/>
-              <a:t>. Nem fordulhat elő többször a táblában. </a:t>
-            </a:r>
-          </a:p>
-          <a:p>
-            <a:pPr marL="0" indent="0">
-              <a:buNone/>
-            </a:pPr>
-            <a:r>
-              <a:rPr lang="hu-HU" sz="1800" dirty="0"/>
-              <a:t>A gyakorlatban számokat, számlálót (ami pótkulcs) használunk erre a célra, mert könnyebb vele a munka, kevesebb helyet foglal, mint az </a:t>
-            </a:r>
-            <a:r>
-              <a:rPr lang="hu-HU" sz="1800" b="1" i="1" dirty="0">
-                <a:solidFill>
-                  <a:schemeClr val="accent1"/>
-                </a:solidFill>
-              </a:rPr>
-              <a:t>összetett kulcs</a:t>
-            </a:r>
-            <a:r>
-              <a:rPr lang="hu-HU" sz="1800" dirty="0"/>
-              <a:t>.</a:t>
-            </a:r>
-          </a:p>
-        </p:txBody>
-      </p:sp>
-      <p:graphicFrame>
-        <p:nvGraphicFramePr>
-          <p:cNvPr id="5" name="Táblázat 4"/>
-          <p:cNvGraphicFramePr>
-            <a:graphicFrameLocks noGrp="1"/>
-          </p:cNvGraphicFramePr>
-          <p:nvPr>
-            <p:extLst>
-              <p:ext uri="{D42A27DB-BD31-4B8C-83A1-F6EECF244321}">
-                <p14:modId xmlns:p14="http://schemas.microsoft.com/office/powerpoint/2010/main" val="1060336083"/>
-              </p:ext>
-            </p:extLst>
-          </p:nvPr>
-        </p:nvGraphicFramePr>
-        <p:xfrm>
-          <a:off x="910330" y="4705562"/>
-          <a:ext cx="2780030" cy="1483360"/>
-        </p:xfrm>
-        <a:graphic>
-          <a:graphicData uri="http://schemas.openxmlformats.org/drawingml/2006/table">
-            <a:tbl>
-              <a:tblPr firstRow="1" bandRow="1">
-                <a:tableStyleId>{5C22544A-7EE6-4342-B048-85BDC9FD1C3A}</a:tableStyleId>
-              </a:tblPr>
-              <a:tblGrid>
-                <a:gridCol w="447930">
-                  <a:extLst>
-                    <a:ext uri="{9D8B030D-6E8A-4147-A177-3AD203B41FA5}">
-                      <a16:colId xmlns:a16="http://schemas.microsoft.com/office/drawing/2014/main" val="1373194223"/>
-                    </a:ext>
-                  </a:extLst>
-                </a:gridCol>
-                <a:gridCol w="914780">
-                  <a:extLst>
-                    <a:ext uri="{9D8B030D-6E8A-4147-A177-3AD203B41FA5}">
-                      <a16:colId xmlns:a16="http://schemas.microsoft.com/office/drawing/2014/main" val="2417919438"/>
-                    </a:ext>
-                  </a:extLst>
-                </a:gridCol>
-                <a:gridCol w="1417320">
-                  <a:extLst>
-                    <a:ext uri="{9D8B030D-6E8A-4147-A177-3AD203B41FA5}">
-                      <a16:colId xmlns:a16="http://schemas.microsoft.com/office/drawing/2014/main" val="2052402733"/>
-                    </a:ext>
-                  </a:extLst>
-                </a:gridCol>
-              </a:tblGrid>
-              <a:tr h="370840">
-                <a:tc>
-                  <a:txBody>
-                    <a:bodyPr/>
-                    <a:lstStyle/>
-                    <a:p>
-                      <a:r>
-                        <a:rPr lang="hu-HU" dirty="0" err="1"/>
-                        <a:t>id</a:t>
-                      </a:r>
-                      <a:endParaRPr lang="hu-HU" dirty="0"/>
-                    </a:p>
-                  </a:txBody>
-                  <a:tcPr/>
-                </a:tc>
-                <a:tc>
-                  <a:txBody>
-                    <a:bodyPr/>
-                    <a:lstStyle/>
-                    <a:p>
-                      <a:r>
-                        <a:rPr lang="hu-HU" dirty="0" err="1"/>
-                        <a:t>nev</a:t>
-                      </a:r>
-                      <a:endParaRPr lang="hu-HU" dirty="0"/>
-                    </a:p>
-                  </a:txBody>
-                  <a:tcPr/>
-                </a:tc>
-                <a:tc>
-                  <a:txBody>
-                    <a:bodyPr/>
-                    <a:lstStyle/>
-                    <a:p>
-                      <a:r>
-                        <a:rPr lang="hu-HU" dirty="0" err="1"/>
-                        <a:t>magassag</a:t>
-                      </a:r>
-                      <a:endParaRPr lang="hu-HU" dirty="0"/>
-                    </a:p>
-                  </a:txBody>
-                  <a:tcPr/>
-                </a:tc>
-                <a:extLst>
-                  <a:ext uri="{0D108BD9-81ED-4DB2-BD59-A6C34878D82A}">
-                    <a16:rowId xmlns:a16="http://schemas.microsoft.com/office/drawing/2014/main" val="3996322335"/>
-                  </a:ext>
-                </a:extLst>
-              </a:tr>
-              <a:tr h="370840">
-                <a:tc>
-                  <a:txBody>
-                    <a:bodyPr/>
-                    <a:lstStyle/>
-                    <a:p>
-                      <a:r>
-                        <a:rPr lang="hu-HU" dirty="0"/>
-                        <a:t>1</a:t>
-                      </a:r>
-                    </a:p>
-                  </a:txBody>
-                  <a:tcPr/>
-                </a:tc>
-                <a:tc>
-                  <a:txBody>
-                    <a:bodyPr/>
-                    <a:lstStyle/>
-                    <a:p>
-                      <a:r>
-                        <a:rPr lang="hu-HU" dirty="0"/>
-                        <a:t>Jóska</a:t>
-                      </a:r>
-                    </a:p>
-                  </a:txBody>
-                  <a:tcPr/>
-                </a:tc>
-                <a:tc>
-                  <a:txBody>
-                    <a:bodyPr/>
-                    <a:lstStyle/>
-                    <a:p>
-                      <a:r>
-                        <a:rPr lang="hu-HU" dirty="0"/>
-                        <a:t>156</a:t>
-                      </a:r>
-                    </a:p>
-                  </a:txBody>
-                  <a:tcPr/>
-                </a:tc>
-                <a:extLst>
-                  <a:ext uri="{0D108BD9-81ED-4DB2-BD59-A6C34878D82A}">
-                    <a16:rowId xmlns:a16="http://schemas.microsoft.com/office/drawing/2014/main" val="760060688"/>
-                  </a:ext>
-                </a:extLst>
-              </a:tr>
-              <a:tr h="370840">
-                <a:tc>
-                  <a:txBody>
-                    <a:bodyPr/>
-                    <a:lstStyle/>
-                    <a:p>
-                      <a:r>
-                        <a:rPr lang="hu-HU" dirty="0"/>
-                        <a:t>2</a:t>
-                      </a:r>
-                    </a:p>
-                  </a:txBody>
-                  <a:tcPr/>
-                </a:tc>
-                <a:tc>
-                  <a:txBody>
-                    <a:bodyPr/>
-                    <a:lstStyle/>
-                    <a:p>
-                      <a:r>
-                        <a:rPr lang="hu-HU" dirty="0"/>
-                        <a:t>Pista</a:t>
-                      </a:r>
-                    </a:p>
-                  </a:txBody>
-                  <a:tcPr/>
-                </a:tc>
-                <a:tc>
-                  <a:txBody>
-                    <a:bodyPr/>
-                    <a:lstStyle/>
-                    <a:p>
-                      <a:r>
-                        <a:rPr lang="hu-HU" dirty="0"/>
-                        <a:t>176</a:t>
-                      </a:r>
-                    </a:p>
-                  </a:txBody>
-                  <a:tcPr/>
-                </a:tc>
-                <a:extLst>
-                  <a:ext uri="{0D108BD9-81ED-4DB2-BD59-A6C34878D82A}">
-                    <a16:rowId xmlns:a16="http://schemas.microsoft.com/office/drawing/2014/main" val="658701503"/>
-                  </a:ext>
-                </a:extLst>
-              </a:tr>
-              <a:tr h="370840">
-                <a:tc>
-                  <a:txBody>
-                    <a:bodyPr/>
-                    <a:lstStyle/>
-                    <a:p>
-                      <a:r>
-                        <a:rPr lang="hu-HU" dirty="0"/>
-                        <a:t>3</a:t>
-                      </a:r>
-                    </a:p>
-                  </a:txBody>
-                  <a:tcPr/>
-                </a:tc>
-                <a:tc>
-                  <a:txBody>
-                    <a:bodyPr/>
-                    <a:lstStyle/>
-                    <a:p>
-                      <a:r>
-                        <a:rPr lang="hu-HU" dirty="0"/>
-                        <a:t>Marcsi</a:t>
-                      </a:r>
-                    </a:p>
-                  </a:txBody>
-                  <a:tcPr/>
-                </a:tc>
-                <a:tc>
-                  <a:txBody>
-                    <a:bodyPr/>
-                    <a:lstStyle/>
-                    <a:p>
-                      <a:r>
-                        <a:rPr lang="hu-HU" dirty="0"/>
-                        <a:t>196</a:t>
-                      </a:r>
-                    </a:p>
-                  </a:txBody>
-                  <a:tcPr/>
-                </a:tc>
-                <a:extLst>
-                  <a:ext uri="{0D108BD9-81ED-4DB2-BD59-A6C34878D82A}">
-                    <a16:rowId xmlns:a16="http://schemas.microsoft.com/office/drawing/2014/main" val="1435729292"/>
-                  </a:ext>
-                </a:extLst>
-              </a:tr>
-            </a:tbl>
-          </a:graphicData>
-        </a:graphic>
-      </p:graphicFrame>
-      <p:graphicFrame>
-        <p:nvGraphicFramePr>
-          <p:cNvPr id="6" name="Táblázat 5"/>
-          <p:cNvGraphicFramePr>
-            <a:graphicFrameLocks noGrp="1"/>
-          </p:cNvGraphicFramePr>
-          <p:nvPr>
-            <p:extLst>
-              <p:ext uri="{D42A27DB-BD31-4B8C-83A1-F6EECF244321}">
-                <p14:modId xmlns:p14="http://schemas.microsoft.com/office/powerpoint/2010/main" val="2169240085"/>
-              </p:ext>
-            </p:extLst>
-          </p:nvPr>
-        </p:nvGraphicFramePr>
-        <p:xfrm>
-          <a:off x="6981967" y="4710642"/>
-          <a:ext cx="3568699" cy="1478280"/>
-        </p:xfrm>
-        <a:graphic>
-          <a:graphicData uri="http://schemas.openxmlformats.org/drawingml/2006/table">
-            <a:tbl>
-              <a:tblPr firstRow="1" bandRow="1">
-                <a:tableStyleId>{5C22544A-7EE6-4342-B048-85BDC9FD1C3A}</a:tableStyleId>
-              </a:tblPr>
-              <a:tblGrid>
-                <a:gridCol w="436901">
-                  <a:extLst>
-                    <a:ext uri="{9D8B030D-6E8A-4147-A177-3AD203B41FA5}">
-                      <a16:colId xmlns:a16="http://schemas.microsoft.com/office/drawing/2014/main" val="3130221981"/>
-                    </a:ext>
-                  </a:extLst>
-                </a:gridCol>
-                <a:gridCol w="847722">
-                  <a:extLst>
-                    <a:ext uri="{9D8B030D-6E8A-4147-A177-3AD203B41FA5}">
-                      <a16:colId xmlns:a16="http://schemas.microsoft.com/office/drawing/2014/main" val="509116263"/>
-                    </a:ext>
-                  </a:extLst>
-                </a:gridCol>
-                <a:gridCol w="1189455">
-                  <a:extLst>
-                    <a:ext uri="{9D8B030D-6E8A-4147-A177-3AD203B41FA5}">
-                      <a16:colId xmlns:a16="http://schemas.microsoft.com/office/drawing/2014/main" val="1027714813"/>
-                    </a:ext>
-                  </a:extLst>
-                </a:gridCol>
-                <a:gridCol w="1094621">
-                  <a:extLst>
-                    <a:ext uri="{9D8B030D-6E8A-4147-A177-3AD203B41FA5}">
-                      <a16:colId xmlns:a16="http://schemas.microsoft.com/office/drawing/2014/main" val="773983924"/>
-                    </a:ext>
-                  </a:extLst>
-                </a:gridCol>
-              </a:tblGrid>
-              <a:tr h="370840">
-                <a:tc>
-                  <a:txBody>
-                    <a:bodyPr/>
-                    <a:lstStyle/>
-                    <a:p>
-                      <a:r>
-                        <a:rPr lang="hu-HU" dirty="0" err="1"/>
-                        <a:t>id</a:t>
-                      </a:r>
-                      <a:endParaRPr lang="hu-HU" dirty="0"/>
-                    </a:p>
-                  </a:txBody>
-                  <a:tcPr/>
-                </a:tc>
-                <a:tc>
-                  <a:txBody>
-                    <a:bodyPr/>
-                    <a:lstStyle/>
-                    <a:p>
-                      <a:r>
-                        <a:rPr lang="hu-HU" dirty="0" err="1"/>
-                        <a:t>nev</a:t>
-                      </a:r>
-                      <a:endParaRPr lang="hu-HU" dirty="0"/>
-                    </a:p>
-                  </a:txBody>
-                  <a:tcPr/>
-                </a:tc>
-                <a:tc>
-                  <a:txBody>
-                    <a:bodyPr/>
-                    <a:lstStyle/>
-                    <a:p>
-                      <a:r>
-                        <a:rPr lang="hu-HU" dirty="0" err="1"/>
-                        <a:t>felelosid</a:t>
-                      </a:r>
-                      <a:endParaRPr lang="hu-HU" dirty="0"/>
-                    </a:p>
-                  </a:txBody>
-                  <a:tcPr/>
-                </a:tc>
-                <a:tc>
-                  <a:txBody>
-                    <a:bodyPr/>
-                    <a:lstStyle/>
-                    <a:p>
-                      <a:r>
-                        <a:rPr lang="hu-HU" dirty="0" err="1"/>
-                        <a:t>ferohely</a:t>
-                      </a:r>
-                      <a:endParaRPr lang="hu-HU" dirty="0"/>
-                    </a:p>
-                  </a:txBody>
-                  <a:tcPr/>
-                </a:tc>
-                <a:extLst>
-                  <a:ext uri="{0D108BD9-81ED-4DB2-BD59-A6C34878D82A}">
-                    <a16:rowId xmlns:a16="http://schemas.microsoft.com/office/drawing/2014/main" val="2075536770"/>
-                  </a:ext>
-                </a:extLst>
-              </a:tr>
-              <a:tr h="359837">
-                <a:tc>
-                  <a:txBody>
-                    <a:bodyPr/>
-                    <a:lstStyle/>
-                    <a:p>
-                      <a:r>
-                        <a:rPr lang="hu-HU" dirty="0"/>
-                        <a:t>1</a:t>
-                      </a:r>
-                    </a:p>
-                  </a:txBody>
-                  <a:tcPr/>
-                </a:tc>
-                <a:tc>
-                  <a:txBody>
-                    <a:bodyPr/>
-                    <a:lstStyle/>
-                    <a:p>
-                      <a:r>
-                        <a:rPr lang="hu-HU" dirty="0"/>
-                        <a:t>B1</a:t>
-                      </a:r>
-                    </a:p>
-                  </a:txBody>
-                  <a:tcPr/>
-                </a:tc>
-                <a:tc>
-                  <a:txBody>
-                    <a:bodyPr/>
-                    <a:lstStyle/>
-                    <a:p>
-                      <a:r>
-                        <a:rPr lang="hu-HU" dirty="0"/>
-                        <a:t>2</a:t>
-                      </a:r>
-                    </a:p>
-                  </a:txBody>
-                  <a:tcPr/>
-                </a:tc>
-                <a:tc>
-                  <a:txBody>
-                    <a:bodyPr/>
-                    <a:lstStyle/>
-                    <a:p>
-                      <a:r>
-                        <a:rPr lang="hu-HU" dirty="0"/>
-                        <a:t>16</a:t>
-                      </a:r>
-                    </a:p>
-                  </a:txBody>
-                  <a:tcPr/>
-                </a:tc>
-                <a:extLst>
-                  <a:ext uri="{0D108BD9-81ED-4DB2-BD59-A6C34878D82A}">
-                    <a16:rowId xmlns:a16="http://schemas.microsoft.com/office/drawing/2014/main" val="3531612525"/>
-                  </a:ext>
-                </a:extLst>
-              </a:tr>
-              <a:tr h="370840">
-                <a:tc>
-                  <a:txBody>
-                    <a:bodyPr/>
-                    <a:lstStyle/>
-                    <a:p>
-                      <a:r>
-                        <a:rPr lang="hu-HU" dirty="0"/>
-                        <a:t>2</a:t>
-                      </a:r>
-                    </a:p>
-                  </a:txBody>
-                  <a:tcPr/>
-                </a:tc>
-                <a:tc>
-                  <a:txBody>
-                    <a:bodyPr/>
-                    <a:lstStyle/>
-                    <a:p>
-                      <a:r>
-                        <a:rPr lang="hu-HU" dirty="0"/>
-                        <a:t>A112</a:t>
-                      </a:r>
-                    </a:p>
-                  </a:txBody>
-                  <a:tcPr/>
-                </a:tc>
-                <a:tc>
-                  <a:txBody>
-                    <a:bodyPr/>
-                    <a:lstStyle/>
-                    <a:p>
-                      <a:r>
-                        <a:rPr lang="hu-HU" dirty="0"/>
-                        <a:t>3</a:t>
-                      </a:r>
-                    </a:p>
-                  </a:txBody>
-                  <a:tcPr/>
-                </a:tc>
-                <a:tc>
-                  <a:txBody>
-                    <a:bodyPr/>
-                    <a:lstStyle/>
-                    <a:p>
-                      <a:r>
-                        <a:rPr lang="hu-HU" dirty="0"/>
-                        <a:t>400</a:t>
-                      </a:r>
-                    </a:p>
-                  </a:txBody>
-                  <a:tcPr/>
-                </a:tc>
-                <a:extLst>
-                  <a:ext uri="{0D108BD9-81ED-4DB2-BD59-A6C34878D82A}">
-                    <a16:rowId xmlns:a16="http://schemas.microsoft.com/office/drawing/2014/main" val="2596275152"/>
-                  </a:ext>
-                </a:extLst>
-              </a:tr>
-              <a:tr h="370840">
-                <a:tc>
-                  <a:txBody>
-                    <a:bodyPr/>
-                    <a:lstStyle/>
-                    <a:p>
-                      <a:r>
-                        <a:rPr lang="hu-HU" dirty="0"/>
-                        <a:t>3</a:t>
-                      </a:r>
-                    </a:p>
-                  </a:txBody>
-                  <a:tcPr/>
-                </a:tc>
-                <a:tc>
-                  <a:txBody>
-                    <a:bodyPr/>
-                    <a:lstStyle/>
-                    <a:p>
-                      <a:r>
-                        <a:rPr lang="hu-HU" dirty="0"/>
-                        <a:t>34</a:t>
-                      </a:r>
-                    </a:p>
-                  </a:txBody>
-                  <a:tcPr/>
-                </a:tc>
-                <a:tc>
-                  <a:txBody>
-                    <a:bodyPr/>
-                    <a:lstStyle/>
-                    <a:p>
-                      <a:r>
-                        <a:rPr lang="hu-HU" dirty="0"/>
-                        <a:t>3</a:t>
-                      </a:r>
-                    </a:p>
-                  </a:txBody>
-                  <a:tcPr/>
-                </a:tc>
-                <a:tc>
-                  <a:txBody>
-                    <a:bodyPr/>
-                    <a:lstStyle/>
-                    <a:p>
-                      <a:r>
-                        <a:rPr lang="hu-HU" dirty="0"/>
-                        <a:t>35</a:t>
-                      </a:r>
-                    </a:p>
-                  </a:txBody>
-                  <a:tcPr/>
-                </a:tc>
-                <a:extLst>
-                  <a:ext uri="{0D108BD9-81ED-4DB2-BD59-A6C34878D82A}">
-                    <a16:rowId xmlns:a16="http://schemas.microsoft.com/office/drawing/2014/main" val="2573183061"/>
-                  </a:ext>
-                </a:extLst>
-              </a:tr>
-            </a:tbl>
-          </a:graphicData>
-        </a:graphic>
-      </p:graphicFrame>
-      <p:sp>
-        <p:nvSpPr>
-          <p:cNvPr id="7" name="Szövegdoboz 6"/>
-          <p:cNvSpPr txBox="1"/>
-          <p:nvPr/>
-        </p:nvSpPr>
-        <p:spPr>
-          <a:xfrm>
-            <a:off x="810000" y="4336230"/>
-            <a:ext cx="1093569" cy="369332"/>
-          </a:xfrm>
-          <a:prstGeom prst="rect">
-            <a:avLst/>
-          </a:prstGeom>
-          <a:noFill/>
-        </p:spPr>
-        <p:txBody>
-          <a:bodyPr wrap="none" rtlCol="0">
-            <a:spAutoFit/>
-          </a:bodyPr>
-          <a:lstStyle/>
-          <a:p>
-            <a:r>
-              <a:rPr lang="hu-HU" b="1" dirty="0" err="1"/>
-              <a:t>szemely</a:t>
-            </a:r>
-            <a:endParaRPr lang="hu-HU" b="1" dirty="0"/>
-          </a:p>
-        </p:txBody>
-      </p:sp>
-      <p:sp>
-        <p:nvSpPr>
-          <p:cNvPr id="8" name="Szövegdoboz 7"/>
-          <p:cNvSpPr txBox="1"/>
-          <p:nvPr/>
-        </p:nvSpPr>
-        <p:spPr>
-          <a:xfrm>
-            <a:off x="6851157" y="4341310"/>
-            <a:ext cx="838691" cy="369332"/>
-          </a:xfrm>
-          <a:prstGeom prst="rect">
-            <a:avLst/>
-          </a:prstGeom>
-          <a:noFill/>
-        </p:spPr>
-        <p:txBody>
-          <a:bodyPr wrap="none" rtlCol="0">
-            <a:spAutoFit/>
-          </a:bodyPr>
-          <a:lstStyle/>
-          <a:p>
-            <a:r>
-              <a:rPr lang="hu-HU" b="1" dirty="0"/>
-              <a:t>terem</a:t>
-            </a:r>
-          </a:p>
-        </p:txBody>
-      </p:sp>
-      <p:sp>
-        <p:nvSpPr>
-          <p:cNvPr id="9" name="Téglalap 8"/>
-          <p:cNvSpPr/>
-          <p:nvPr/>
-        </p:nvSpPr>
-        <p:spPr>
-          <a:xfrm>
-            <a:off x="818712" y="4648860"/>
-            <a:ext cx="686531" cy="1596764"/>
-          </a:xfrm>
-          <a:prstGeom prst="rect">
-            <a:avLst/>
-          </a:prstGeom>
-          <a:noFill/>
-          <a:ln w="38100">
-            <a:solidFill>
-              <a:schemeClr val="accent4">
-                <a:lumMod val="75000"/>
-              </a:schemeClr>
-            </a:solidFill>
-          </a:ln>
-        </p:spPr>
-        <p:style>
-          <a:lnRef idx="2">
-            <a:schemeClr val="accent1">
-              <a:shade val="50000"/>
-            </a:schemeClr>
-          </a:lnRef>
-          <a:fillRef idx="1">
-            <a:schemeClr val="accent1"/>
-          </a:fillRef>
-          <a:effectRef idx="0">
-            <a:schemeClr val="accent1"/>
-          </a:effectRef>
-          <a:fontRef idx="minor">
-            <a:schemeClr val="lt1"/>
-          </a:fontRef>
-        </p:style>
-        <p:txBody>
-          <a:bodyPr rtlCol="0" anchor="ctr"/>
-          <a:lstStyle/>
-          <a:p>
-            <a:pPr algn="ctr"/>
-            <a:endParaRPr lang="hu-HU"/>
-          </a:p>
-        </p:txBody>
-      </p:sp>
-      <p:sp>
-        <p:nvSpPr>
-          <p:cNvPr id="10" name="Téglalap 9"/>
-          <p:cNvSpPr/>
-          <p:nvPr/>
-        </p:nvSpPr>
-        <p:spPr>
-          <a:xfrm>
-            <a:off x="6851157" y="4623419"/>
-            <a:ext cx="686531" cy="1596764"/>
-          </a:xfrm>
-          <a:prstGeom prst="rect">
-            <a:avLst/>
-          </a:prstGeom>
-          <a:noFill/>
-          <a:ln w="38100">
-            <a:solidFill>
-              <a:schemeClr val="accent4">
-                <a:lumMod val="75000"/>
-              </a:schemeClr>
-            </a:solidFill>
-          </a:ln>
-        </p:spPr>
-        <p:style>
-          <a:lnRef idx="2">
-            <a:schemeClr val="accent1">
-              <a:shade val="50000"/>
-            </a:schemeClr>
-          </a:lnRef>
-          <a:fillRef idx="1">
-            <a:schemeClr val="accent1"/>
-          </a:fillRef>
-          <a:effectRef idx="0">
-            <a:schemeClr val="accent1"/>
-          </a:effectRef>
-          <a:fontRef idx="minor">
-            <a:schemeClr val="lt1"/>
-          </a:fontRef>
-        </p:style>
-        <p:txBody>
-          <a:bodyPr rtlCol="0" anchor="ctr"/>
-          <a:lstStyle/>
-          <a:p>
-            <a:pPr algn="ctr"/>
-            <a:endParaRPr lang="hu-HU"/>
-          </a:p>
-        </p:txBody>
-      </p:sp>
-    </p:spTree>
-    <p:extLst>
-      <p:ext uri="{BB962C8B-B14F-4D97-AF65-F5344CB8AC3E}">
-        <p14:creationId xmlns:p14="http://schemas.microsoft.com/office/powerpoint/2010/main" val="1926032990"/>
-      </p:ext>
-    </p:extLst>
-  </p:cSld>
-  <p:clrMapOvr>
-    <a:masterClrMapping/>
-  </p:clrMapOvr>
-  <p:transition spd="slow">
-    <p:push dir="u"/>
-  </p:transition>
-</p:sld>
-</file>
-
-<file path=ppt/slides/slide11.xml><?xml version="1.0" encoding="utf-8"?>
-<p:sld xmlns:a="http://schemas.openxmlformats.org/drawingml/2006/main" xmlns:r="http://schemas.openxmlformats.org/officeDocument/2006/relationships" xmlns:p="http://schemas.openxmlformats.org/presentationml/2006/main">
-  <p:cSld>
-    <p:spTree>
-      <p:nvGrpSpPr>
-        <p:cNvPr id="1" name=""/>
-        <p:cNvGrpSpPr/>
-        <p:nvPr/>
-      </p:nvGrpSpPr>
-      <p:grpSpPr>
-        <a:xfrm>
-          <a:off x="0" y="0"/>
-          <a:ext cx="0" cy="0"/>
-          <a:chOff x="0" y="0"/>
-          <a:chExt cx="0" cy="0"/>
-        </a:xfrm>
-      </p:grpSpPr>
-      <p:sp>
-        <p:nvSpPr>
-          <p:cNvPr id="2" name="Cím 1"/>
-          <p:cNvSpPr>
-            <a:spLocks noGrp="1"/>
-          </p:cNvSpPr>
-          <p:nvPr>
-            <p:ph type="title"/>
-          </p:nvPr>
-        </p:nvSpPr>
-        <p:spPr/>
-        <p:txBody>
-          <a:bodyPr/>
-          <a:lstStyle/>
-          <a:p>
-            <a:r>
-              <a:rPr lang="hu-HU" dirty="0"/>
-              <a:t>Fogalmak: Idegen kulcs</a:t>
-            </a:r>
-          </a:p>
-        </p:txBody>
-      </p:sp>
-      <p:sp>
-        <p:nvSpPr>
-          <p:cNvPr id="4" name="Tartalom helye 3"/>
-          <p:cNvSpPr>
-            <a:spLocks noGrp="1"/>
-          </p:cNvSpPr>
-          <p:nvPr>
-            <p:ph idx="1"/>
-          </p:nvPr>
-        </p:nvSpPr>
-        <p:spPr>
-          <a:xfrm>
-            <a:off x="818712" y="2222288"/>
-            <a:ext cx="10554574" cy="2113942"/>
-          </a:xfrm>
-        </p:spPr>
-        <p:txBody>
-          <a:bodyPr/>
-          <a:lstStyle/>
-          <a:p>
-            <a:pPr marL="0" indent="0">
-              <a:buNone/>
-            </a:pPr>
-            <a:r>
-              <a:rPr lang="hu-HU" dirty="0"/>
-              <a:t>Az </a:t>
-            </a:r>
-            <a:r>
-              <a:rPr lang="hu-HU" b="1" i="1" dirty="0">
-                <a:solidFill>
-                  <a:schemeClr val="accent1"/>
-                </a:solidFill>
-              </a:rPr>
-              <a:t>idegen kulcsok </a:t>
-            </a:r>
-            <a:r>
-              <a:rPr lang="hu-HU" dirty="0"/>
-              <a:t>biztosítják a kapcsolatot a </a:t>
-            </a:r>
-            <a:r>
-              <a:rPr lang="hu-HU" b="1" i="1" dirty="0">
-                <a:solidFill>
-                  <a:schemeClr val="accent1"/>
-                </a:solidFill>
-              </a:rPr>
-              <a:t>táblák</a:t>
-            </a:r>
-            <a:r>
-              <a:rPr lang="hu-HU" dirty="0"/>
-              <a:t> között. Tehát az egyik tábla </a:t>
-            </a:r>
-            <a:r>
-              <a:rPr lang="hu-HU" b="1" i="1" dirty="0">
-                <a:solidFill>
-                  <a:schemeClr val="accent1"/>
-                </a:solidFill>
-              </a:rPr>
-              <a:t>idegen</a:t>
-            </a:r>
-            <a:r>
-              <a:rPr lang="hu-HU" dirty="0"/>
-              <a:t> </a:t>
-            </a:r>
-            <a:r>
-              <a:rPr lang="hu-HU" b="1" i="1" dirty="0">
-                <a:solidFill>
-                  <a:schemeClr val="accent1"/>
-                </a:solidFill>
-              </a:rPr>
-              <a:t>kulcsa</a:t>
-            </a:r>
-            <a:r>
-              <a:rPr lang="hu-HU" dirty="0"/>
-              <a:t> egy másik tábla </a:t>
-            </a:r>
-            <a:r>
-              <a:rPr lang="hu-HU" b="1" i="1" dirty="0">
-                <a:solidFill>
-                  <a:schemeClr val="accent1"/>
-                </a:solidFill>
-              </a:rPr>
-              <a:t>elsődleges kulcsa</a:t>
-            </a:r>
-            <a:r>
-              <a:rPr lang="hu-HU" dirty="0"/>
-              <a:t>.</a:t>
-            </a:r>
-          </a:p>
-        </p:txBody>
-      </p:sp>
-      <p:graphicFrame>
-        <p:nvGraphicFramePr>
-          <p:cNvPr id="5" name="Táblázat 4"/>
-          <p:cNvGraphicFramePr>
-            <a:graphicFrameLocks noGrp="1"/>
-          </p:cNvGraphicFramePr>
-          <p:nvPr>
-            <p:extLst>
-              <p:ext uri="{D42A27DB-BD31-4B8C-83A1-F6EECF244321}">
-                <p14:modId xmlns:p14="http://schemas.microsoft.com/office/powerpoint/2010/main" val="1060336083"/>
-              </p:ext>
-            </p:extLst>
-          </p:nvPr>
-        </p:nvGraphicFramePr>
-        <p:xfrm>
-          <a:off x="910330" y="4705562"/>
-          <a:ext cx="2780030" cy="1483360"/>
-        </p:xfrm>
-        <a:graphic>
-          <a:graphicData uri="http://schemas.openxmlformats.org/drawingml/2006/table">
-            <a:tbl>
-              <a:tblPr firstRow="1" bandRow="1">
-                <a:tableStyleId>{5C22544A-7EE6-4342-B048-85BDC9FD1C3A}</a:tableStyleId>
-              </a:tblPr>
-              <a:tblGrid>
-                <a:gridCol w="447930">
-                  <a:extLst>
-                    <a:ext uri="{9D8B030D-6E8A-4147-A177-3AD203B41FA5}">
-                      <a16:colId xmlns:a16="http://schemas.microsoft.com/office/drawing/2014/main" val="1373194223"/>
-                    </a:ext>
-                  </a:extLst>
-                </a:gridCol>
-                <a:gridCol w="914780">
-                  <a:extLst>
-                    <a:ext uri="{9D8B030D-6E8A-4147-A177-3AD203B41FA5}">
-                      <a16:colId xmlns:a16="http://schemas.microsoft.com/office/drawing/2014/main" val="2417919438"/>
-                    </a:ext>
-                  </a:extLst>
-                </a:gridCol>
-                <a:gridCol w="1417320">
-                  <a:extLst>
-                    <a:ext uri="{9D8B030D-6E8A-4147-A177-3AD203B41FA5}">
-                      <a16:colId xmlns:a16="http://schemas.microsoft.com/office/drawing/2014/main" val="2052402733"/>
-                    </a:ext>
-                  </a:extLst>
-                </a:gridCol>
-              </a:tblGrid>
-              <a:tr h="370840">
-                <a:tc>
-                  <a:txBody>
-                    <a:bodyPr/>
-                    <a:lstStyle/>
-                    <a:p>
-                      <a:r>
-                        <a:rPr lang="hu-HU" dirty="0" err="1"/>
-                        <a:t>id</a:t>
-                      </a:r>
-                      <a:endParaRPr lang="hu-HU" dirty="0"/>
-                    </a:p>
-                  </a:txBody>
-                  <a:tcPr/>
-                </a:tc>
-                <a:tc>
-                  <a:txBody>
-                    <a:bodyPr/>
-                    <a:lstStyle/>
-                    <a:p>
-                      <a:r>
-                        <a:rPr lang="hu-HU" dirty="0" err="1"/>
-                        <a:t>nev</a:t>
-                      </a:r>
-                      <a:endParaRPr lang="hu-HU" dirty="0"/>
-                    </a:p>
-                  </a:txBody>
-                  <a:tcPr/>
-                </a:tc>
-                <a:tc>
-                  <a:txBody>
-                    <a:bodyPr/>
-                    <a:lstStyle/>
-                    <a:p>
-                      <a:r>
-                        <a:rPr lang="hu-HU" dirty="0" err="1"/>
-                        <a:t>magassag</a:t>
-                      </a:r>
-                      <a:endParaRPr lang="hu-HU" dirty="0"/>
-                    </a:p>
-                  </a:txBody>
-                  <a:tcPr/>
-                </a:tc>
-                <a:extLst>
-                  <a:ext uri="{0D108BD9-81ED-4DB2-BD59-A6C34878D82A}">
-                    <a16:rowId xmlns:a16="http://schemas.microsoft.com/office/drawing/2014/main" val="3996322335"/>
-                  </a:ext>
-                </a:extLst>
-              </a:tr>
-              <a:tr h="370840">
-                <a:tc>
-                  <a:txBody>
-                    <a:bodyPr/>
-                    <a:lstStyle/>
-                    <a:p>
-                      <a:r>
-                        <a:rPr lang="hu-HU" dirty="0"/>
-                        <a:t>1</a:t>
-                      </a:r>
-                    </a:p>
-                  </a:txBody>
-                  <a:tcPr/>
-                </a:tc>
-                <a:tc>
-                  <a:txBody>
-                    <a:bodyPr/>
-                    <a:lstStyle/>
-                    <a:p>
-                      <a:r>
-                        <a:rPr lang="hu-HU" dirty="0"/>
-                        <a:t>Jóska</a:t>
-                      </a:r>
-                    </a:p>
-                  </a:txBody>
-                  <a:tcPr/>
-                </a:tc>
-                <a:tc>
-                  <a:txBody>
-                    <a:bodyPr/>
-                    <a:lstStyle/>
-                    <a:p>
-                      <a:r>
-                        <a:rPr lang="hu-HU" dirty="0"/>
-                        <a:t>156</a:t>
-                      </a:r>
-                    </a:p>
-                  </a:txBody>
-                  <a:tcPr/>
-                </a:tc>
-                <a:extLst>
-                  <a:ext uri="{0D108BD9-81ED-4DB2-BD59-A6C34878D82A}">
-                    <a16:rowId xmlns:a16="http://schemas.microsoft.com/office/drawing/2014/main" val="760060688"/>
-                  </a:ext>
-                </a:extLst>
-              </a:tr>
-              <a:tr h="370840">
-                <a:tc>
-                  <a:txBody>
-                    <a:bodyPr/>
-                    <a:lstStyle/>
-                    <a:p>
-                      <a:r>
-                        <a:rPr lang="hu-HU" dirty="0"/>
-                        <a:t>2</a:t>
-                      </a:r>
-                    </a:p>
-                  </a:txBody>
-                  <a:tcPr/>
-                </a:tc>
-                <a:tc>
-                  <a:txBody>
-                    <a:bodyPr/>
-                    <a:lstStyle/>
-                    <a:p>
-                      <a:r>
-                        <a:rPr lang="hu-HU" dirty="0"/>
-                        <a:t>Pista</a:t>
-                      </a:r>
-                    </a:p>
-                  </a:txBody>
-                  <a:tcPr/>
-                </a:tc>
-                <a:tc>
-                  <a:txBody>
-                    <a:bodyPr/>
-                    <a:lstStyle/>
-                    <a:p>
-                      <a:r>
-                        <a:rPr lang="hu-HU" dirty="0"/>
-                        <a:t>176</a:t>
-                      </a:r>
-                    </a:p>
-                  </a:txBody>
-                  <a:tcPr/>
-                </a:tc>
-                <a:extLst>
-                  <a:ext uri="{0D108BD9-81ED-4DB2-BD59-A6C34878D82A}">
-                    <a16:rowId xmlns:a16="http://schemas.microsoft.com/office/drawing/2014/main" val="658701503"/>
-                  </a:ext>
-                </a:extLst>
-              </a:tr>
-              <a:tr h="370840">
-                <a:tc>
-                  <a:txBody>
-                    <a:bodyPr/>
-                    <a:lstStyle/>
-                    <a:p>
-                      <a:r>
-                        <a:rPr lang="hu-HU" dirty="0"/>
-                        <a:t>3</a:t>
-                      </a:r>
-                    </a:p>
-                  </a:txBody>
-                  <a:tcPr/>
-                </a:tc>
-                <a:tc>
-                  <a:txBody>
-                    <a:bodyPr/>
-                    <a:lstStyle/>
-                    <a:p>
-                      <a:r>
-                        <a:rPr lang="hu-HU" dirty="0"/>
-                        <a:t>Marcsi</a:t>
-                      </a:r>
-                    </a:p>
-                  </a:txBody>
-                  <a:tcPr/>
-                </a:tc>
-                <a:tc>
-                  <a:txBody>
-                    <a:bodyPr/>
-                    <a:lstStyle/>
-                    <a:p>
-                      <a:r>
-                        <a:rPr lang="hu-HU" dirty="0"/>
-                        <a:t>196</a:t>
-                      </a:r>
-                    </a:p>
-                  </a:txBody>
-                  <a:tcPr/>
-                </a:tc>
-                <a:extLst>
-                  <a:ext uri="{0D108BD9-81ED-4DB2-BD59-A6C34878D82A}">
-                    <a16:rowId xmlns:a16="http://schemas.microsoft.com/office/drawing/2014/main" val="1435729292"/>
-                  </a:ext>
-                </a:extLst>
-              </a:tr>
-            </a:tbl>
-          </a:graphicData>
-        </a:graphic>
-      </p:graphicFrame>
-      <p:graphicFrame>
-        <p:nvGraphicFramePr>
-          <p:cNvPr id="6" name="Táblázat 5"/>
-          <p:cNvGraphicFramePr>
-            <a:graphicFrameLocks noGrp="1"/>
-          </p:cNvGraphicFramePr>
-          <p:nvPr>
-            <p:extLst>
-              <p:ext uri="{D42A27DB-BD31-4B8C-83A1-F6EECF244321}">
-                <p14:modId xmlns:p14="http://schemas.microsoft.com/office/powerpoint/2010/main" val="2169240085"/>
-              </p:ext>
-            </p:extLst>
-          </p:nvPr>
-        </p:nvGraphicFramePr>
-        <p:xfrm>
-          <a:off x="6981967" y="4710642"/>
-          <a:ext cx="3568699" cy="1478280"/>
-        </p:xfrm>
-        <a:graphic>
-          <a:graphicData uri="http://schemas.openxmlformats.org/drawingml/2006/table">
-            <a:tbl>
-              <a:tblPr firstRow="1" bandRow="1">
-                <a:tableStyleId>{5C22544A-7EE6-4342-B048-85BDC9FD1C3A}</a:tableStyleId>
-              </a:tblPr>
-              <a:tblGrid>
-                <a:gridCol w="436901">
-                  <a:extLst>
-                    <a:ext uri="{9D8B030D-6E8A-4147-A177-3AD203B41FA5}">
-                      <a16:colId xmlns:a16="http://schemas.microsoft.com/office/drawing/2014/main" val="3130221981"/>
-                    </a:ext>
-                  </a:extLst>
-                </a:gridCol>
-                <a:gridCol w="847722">
-                  <a:extLst>
-                    <a:ext uri="{9D8B030D-6E8A-4147-A177-3AD203B41FA5}">
-                      <a16:colId xmlns:a16="http://schemas.microsoft.com/office/drawing/2014/main" val="509116263"/>
-                    </a:ext>
-                  </a:extLst>
-                </a:gridCol>
-                <a:gridCol w="1189455">
-                  <a:extLst>
-                    <a:ext uri="{9D8B030D-6E8A-4147-A177-3AD203B41FA5}">
-                      <a16:colId xmlns:a16="http://schemas.microsoft.com/office/drawing/2014/main" val="1027714813"/>
-                    </a:ext>
-                  </a:extLst>
-                </a:gridCol>
-                <a:gridCol w="1094621">
-                  <a:extLst>
-                    <a:ext uri="{9D8B030D-6E8A-4147-A177-3AD203B41FA5}">
-                      <a16:colId xmlns:a16="http://schemas.microsoft.com/office/drawing/2014/main" val="773983924"/>
-                    </a:ext>
-                  </a:extLst>
-                </a:gridCol>
-              </a:tblGrid>
-              <a:tr h="370840">
-                <a:tc>
-                  <a:txBody>
-                    <a:bodyPr/>
-                    <a:lstStyle/>
-                    <a:p>
-                      <a:r>
-                        <a:rPr lang="hu-HU" dirty="0" err="1"/>
-                        <a:t>id</a:t>
-                      </a:r>
-                      <a:endParaRPr lang="hu-HU" dirty="0"/>
-                    </a:p>
-                  </a:txBody>
-                  <a:tcPr/>
-                </a:tc>
-                <a:tc>
-                  <a:txBody>
-                    <a:bodyPr/>
-                    <a:lstStyle/>
-                    <a:p>
-                      <a:r>
-                        <a:rPr lang="hu-HU" dirty="0" err="1"/>
-                        <a:t>nev</a:t>
-                      </a:r>
-                      <a:endParaRPr lang="hu-HU" dirty="0"/>
-                    </a:p>
-                  </a:txBody>
-                  <a:tcPr/>
-                </a:tc>
-                <a:tc>
-                  <a:txBody>
-                    <a:bodyPr/>
-                    <a:lstStyle/>
-                    <a:p>
-                      <a:r>
-                        <a:rPr lang="hu-HU" dirty="0" err="1"/>
-                        <a:t>felelosid</a:t>
-                      </a:r>
-                      <a:endParaRPr lang="hu-HU" dirty="0"/>
-                    </a:p>
-                  </a:txBody>
-                  <a:tcPr/>
-                </a:tc>
-                <a:tc>
-                  <a:txBody>
-                    <a:bodyPr/>
-                    <a:lstStyle/>
-                    <a:p>
-                      <a:r>
-                        <a:rPr lang="hu-HU" dirty="0" err="1"/>
-                        <a:t>ferohely</a:t>
-                      </a:r>
-                      <a:endParaRPr lang="hu-HU" dirty="0"/>
-                    </a:p>
-                  </a:txBody>
-                  <a:tcPr/>
-                </a:tc>
-                <a:extLst>
-                  <a:ext uri="{0D108BD9-81ED-4DB2-BD59-A6C34878D82A}">
-                    <a16:rowId xmlns:a16="http://schemas.microsoft.com/office/drawing/2014/main" val="2075536770"/>
-                  </a:ext>
-                </a:extLst>
-              </a:tr>
-              <a:tr h="359837">
-                <a:tc>
-                  <a:txBody>
-                    <a:bodyPr/>
-                    <a:lstStyle/>
-                    <a:p>
-                      <a:r>
-                        <a:rPr lang="hu-HU" dirty="0"/>
-                        <a:t>1</a:t>
-                      </a:r>
-                    </a:p>
-                  </a:txBody>
-                  <a:tcPr/>
-                </a:tc>
-                <a:tc>
-                  <a:txBody>
-                    <a:bodyPr/>
-                    <a:lstStyle/>
-                    <a:p>
-                      <a:r>
-                        <a:rPr lang="hu-HU" dirty="0"/>
-                        <a:t>B1</a:t>
-                      </a:r>
-                    </a:p>
-                  </a:txBody>
-                  <a:tcPr/>
-                </a:tc>
-                <a:tc>
-                  <a:txBody>
-                    <a:bodyPr/>
-                    <a:lstStyle/>
-                    <a:p>
-                      <a:r>
-                        <a:rPr lang="hu-HU" dirty="0"/>
-                        <a:t>2</a:t>
-                      </a:r>
-                    </a:p>
-                  </a:txBody>
-                  <a:tcPr/>
-                </a:tc>
-                <a:tc>
-                  <a:txBody>
-                    <a:bodyPr/>
-                    <a:lstStyle/>
-                    <a:p>
-                      <a:r>
-                        <a:rPr lang="hu-HU" dirty="0"/>
-                        <a:t>16</a:t>
-                      </a:r>
-                    </a:p>
-                  </a:txBody>
-                  <a:tcPr/>
-                </a:tc>
-                <a:extLst>
-                  <a:ext uri="{0D108BD9-81ED-4DB2-BD59-A6C34878D82A}">
-                    <a16:rowId xmlns:a16="http://schemas.microsoft.com/office/drawing/2014/main" val="3531612525"/>
-                  </a:ext>
-                </a:extLst>
-              </a:tr>
-              <a:tr h="370840">
-                <a:tc>
-                  <a:txBody>
-                    <a:bodyPr/>
-                    <a:lstStyle/>
-                    <a:p>
-                      <a:r>
-                        <a:rPr lang="hu-HU" dirty="0"/>
-                        <a:t>2</a:t>
-                      </a:r>
-                    </a:p>
-                  </a:txBody>
-                  <a:tcPr/>
-                </a:tc>
-                <a:tc>
-                  <a:txBody>
-                    <a:bodyPr/>
-                    <a:lstStyle/>
-                    <a:p>
-                      <a:r>
-                        <a:rPr lang="hu-HU" dirty="0"/>
-                        <a:t>A112</a:t>
-                      </a:r>
-                    </a:p>
-                  </a:txBody>
-                  <a:tcPr/>
-                </a:tc>
-                <a:tc>
-                  <a:txBody>
-                    <a:bodyPr/>
-                    <a:lstStyle/>
-                    <a:p>
-                      <a:r>
-                        <a:rPr lang="hu-HU" dirty="0"/>
-                        <a:t>3</a:t>
-                      </a:r>
-                    </a:p>
-                  </a:txBody>
-                  <a:tcPr/>
-                </a:tc>
-                <a:tc>
-                  <a:txBody>
-                    <a:bodyPr/>
-                    <a:lstStyle/>
-                    <a:p>
-                      <a:r>
-                        <a:rPr lang="hu-HU" dirty="0"/>
-                        <a:t>400</a:t>
-                      </a:r>
-                    </a:p>
-                  </a:txBody>
-                  <a:tcPr/>
-                </a:tc>
-                <a:extLst>
-                  <a:ext uri="{0D108BD9-81ED-4DB2-BD59-A6C34878D82A}">
-                    <a16:rowId xmlns:a16="http://schemas.microsoft.com/office/drawing/2014/main" val="2596275152"/>
-                  </a:ext>
-                </a:extLst>
-              </a:tr>
-              <a:tr h="370840">
-                <a:tc>
-                  <a:txBody>
-                    <a:bodyPr/>
-                    <a:lstStyle/>
-                    <a:p>
-                      <a:r>
-                        <a:rPr lang="hu-HU" dirty="0"/>
-                        <a:t>3</a:t>
-                      </a:r>
-                    </a:p>
-                  </a:txBody>
-                  <a:tcPr/>
-                </a:tc>
-                <a:tc>
-                  <a:txBody>
-                    <a:bodyPr/>
-                    <a:lstStyle/>
-                    <a:p>
-                      <a:r>
-                        <a:rPr lang="hu-HU" dirty="0"/>
-                        <a:t>34</a:t>
-                      </a:r>
-                    </a:p>
-                  </a:txBody>
-                  <a:tcPr/>
-                </a:tc>
-                <a:tc>
-                  <a:txBody>
-                    <a:bodyPr/>
-                    <a:lstStyle/>
-                    <a:p>
-                      <a:r>
-                        <a:rPr lang="hu-HU" dirty="0"/>
-                        <a:t>3</a:t>
-                      </a:r>
-                    </a:p>
-                  </a:txBody>
-                  <a:tcPr/>
-                </a:tc>
-                <a:tc>
-                  <a:txBody>
-                    <a:bodyPr/>
-                    <a:lstStyle/>
-                    <a:p>
-                      <a:r>
-                        <a:rPr lang="hu-HU" dirty="0"/>
-                        <a:t>35</a:t>
-                      </a:r>
-                    </a:p>
-                  </a:txBody>
-                  <a:tcPr/>
-                </a:tc>
-                <a:extLst>
-                  <a:ext uri="{0D108BD9-81ED-4DB2-BD59-A6C34878D82A}">
-                    <a16:rowId xmlns:a16="http://schemas.microsoft.com/office/drawing/2014/main" val="2573183061"/>
-                  </a:ext>
-                </a:extLst>
-              </a:tr>
-            </a:tbl>
-          </a:graphicData>
-        </a:graphic>
-      </p:graphicFrame>
-      <p:sp>
-        <p:nvSpPr>
-          <p:cNvPr id="7" name="Szövegdoboz 6"/>
-          <p:cNvSpPr txBox="1"/>
-          <p:nvPr/>
-        </p:nvSpPr>
-        <p:spPr>
-          <a:xfrm>
-            <a:off x="810000" y="4336230"/>
-            <a:ext cx="1093569" cy="369332"/>
-          </a:xfrm>
-          <a:prstGeom prst="rect">
-            <a:avLst/>
-          </a:prstGeom>
-          <a:noFill/>
-        </p:spPr>
-        <p:txBody>
-          <a:bodyPr wrap="none" rtlCol="0">
-            <a:spAutoFit/>
-          </a:bodyPr>
-          <a:lstStyle/>
-          <a:p>
-            <a:r>
-              <a:rPr lang="hu-HU" b="1" dirty="0" err="1"/>
-              <a:t>szemely</a:t>
-            </a:r>
-            <a:endParaRPr lang="hu-HU" b="1" dirty="0"/>
-          </a:p>
-        </p:txBody>
-      </p:sp>
-      <p:sp>
-        <p:nvSpPr>
-          <p:cNvPr id="8" name="Szövegdoboz 7"/>
-          <p:cNvSpPr txBox="1"/>
-          <p:nvPr/>
-        </p:nvSpPr>
-        <p:spPr>
-          <a:xfrm>
-            <a:off x="6851157" y="4341310"/>
-            <a:ext cx="838691" cy="369332"/>
-          </a:xfrm>
-          <a:prstGeom prst="rect">
-            <a:avLst/>
-          </a:prstGeom>
-          <a:noFill/>
-        </p:spPr>
-        <p:txBody>
-          <a:bodyPr wrap="none" rtlCol="0">
-            <a:spAutoFit/>
-          </a:bodyPr>
-          <a:lstStyle/>
-          <a:p>
-            <a:r>
-              <a:rPr lang="hu-HU" b="1" dirty="0"/>
-              <a:t>terem</a:t>
-            </a:r>
-          </a:p>
-        </p:txBody>
-      </p:sp>
-      <p:sp>
-        <p:nvSpPr>
-          <p:cNvPr id="10" name="Téglalap 9"/>
-          <p:cNvSpPr/>
-          <p:nvPr/>
-        </p:nvSpPr>
-        <p:spPr>
-          <a:xfrm>
-            <a:off x="8294682" y="4592158"/>
-            <a:ext cx="1201010" cy="1653466"/>
-          </a:xfrm>
-          <a:prstGeom prst="rect">
-            <a:avLst/>
-          </a:prstGeom>
-          <a:noFill/>
-          <a:ln w="38100">
-            <a:solidFill>
-              <a:schemeClr val="accent4">
-                <a:lumMod val="75000"/>
-              </a:schemeClr>
-            </a:solidFill>
-          </a:ln>
-        </p:spPr>
-        <p:style>
-          <a:lnRef idx="2">
-            <a:schemeClr val="accent1">
-              <a:shade val="50000"/>
-            </a:schemeClr>
-          </a:lnRef>
-          <a:fillRef idx="1">
-            <a:schemeClr val="accent1"/>
-          </a:fillRef>
-          <a:effectRef idx="0">
-            <a:schemeClr val="accent1"/>
-          </a:effectRef>
-          <a:fontRef idx="minor">
-            <a:schemeClr val="lt1"/>
-          </a:fontRef>
-        </p:style>
-        <p:txBody>
-          <a:bodyPr rtlCol="0" anchor="ctr"/>
-          <a:lstStyle/>
-          <a:p>
-            <a:pPr algn="ctr"/>
-            <a:endParaRPr lang="hu-HU"/>
-          </a:p>
-        </p:txBody>
-      </p:sp>
-      <p:grpSp>
-        <p:nvGrpSpPr>
-          <p:cNvPr id="21" name="Csoportba foglalás 20"/>
-          <p:cNvGrpSpPr/>
-          <p:nvPr/>
-        </p:nvGrpSpPr>
-        <p:grpSpPr>
-          <a:xfrm>
-            <a:off x="1235450" y="4122233"/>
-            <a:ext cx="7659737" cy="630349"/>
-            <a:chOff x="1235450" y="4122233"/>
-            <a:chExt cx="7659737" cy="630349"/>
-          </a:xfrm>
-        </p:grpSpPr>
-        <p:cxnSp>
-          <p:nvCxnSpPr>
-            <p:cNvPr id="11" name="Egyenes összekötő nyíllal 10"/>
-            <p:cNvCxnSpPr/>
-            <p:nvPr/>
-          </p:nvCxnSpPr>
-          <p:spPr>
-            <a:xfrm flipH="1">
-              <a:off x="1235450" y="4175807"/>
-              <a:ext cx="1561514" cy="576775"/>
-            </a:xfrm>
-            <a:prstGeom prst="straightConnector1">
-              <a:avLst/>
-            </a:prstGeom>
-            <a:ln w="57150">
-              <a:tailEnd type="triangle"/>
-            </a:ln>
-          </p:spPr>
-          <p:style>
-            <a:lnRef idx="1">
-              <a:schemeClr val="accent4"/>
-            </a:lnRef>
-            <a:fillRef idx="0">
-              <a:schemeClr val="accent4"/>
-            </a:fillRef>
-            <a:effectRef idx="0">
-              <a:schemeClr val="accent4"/>
-            </a:effectRef>
-            <a:fontRef idx="minor">
-              <a:schemeClr val="tx1"/>
-            </a:fontRef>
-          </p:style>
-        </p:cxnSp>
-        <p:cxnSp>
-          <p:nvCxnSpPr>
-            <p:cNvPr id="12" name="Egyenes összekötő nyíllal 11"/>
-            <p:cNvCxnSpPr/>
-            <p:nvPr/>
-          </p:nvCxnSpPr>
-          <p:spPr>
-            <a:xfrm flipH="1">
-              <a:off x="2805676" y="4122233"/>
-              <a:ext cx="6089511" cy="53036"/>
-            </a:xfrm>
-            <a:prstGeom prst="straightConnector1">
-              <a:avLst/>
-            </a:prstGeom>
-            <a:ln w="57150">
-              <a:headEnd type="none" w="med" len="med"/>
-              <a:tailEnd type="none" w="med" len="med"/>
-            </a:ln>
-          </p:spPr>
-          <p:style>
-            <a:lnRef idx="1">
-              <a:schemeClr val="accent4"/>
-            </a:lnRef>
-            <a:fillRef idx="0">
-              <a:schemeClr val="accent4"/>
-            </a:fillRef>
-            <a:effectRef idx="0">
-              <a:schemeClr val="accent4"/>
-            </a:effectRef>
-            <a:fontRef idx="minor">
-              <a:schemeClr val="tx1"/>
-            </a:fontRef>
-          </p:style>
-        </p:cxnSp>
-        <p:cxnSp>
-          <p:nvCxnSpPr>
-            <p:cNvPr id="15" name="Egyenes összekötő nyíllal 14"/>
-            <p:cNvCxnSpPr/>
-            <p:nvPr/>
-          </p:nvCxnSpPr>
-          <p:spPr>
-            <a:xfrm>
-              <a:off x="8895187" y="4132467"/>
-              <a:ext cx="0" cy="450167"/>
-            </a:xfrm>
-            <a:prstGeom prst="straightConnector1">
-              <a:avLst/>
-            </a:prstGeom>
-            <a:ln w="57150">
-              <a:headEnd type="none" w="med" len="med"/>
-              <a:tailEnd type="none" w="med" len="med"/>
-            </a:ln>
-          </p:spPr>
-          <p:style>
-            <a:lnRef idx="1">
-              <a:schemeClr val="accent4"/>
-            </a:lnRef>
-            <a:fillRef idx="0">
-              <a:schemeClr val="accent4"/>
-            </a:fillRef>
-            <a:effectRef idx="0">
-              <a:schemeClr val="accent4"/>
-            </a:effectRef>
-            <a:fontRef idx="minor">
-              <a:schemeClr val="tx1"/>
-            </a:fontRef>
-          </p:style>
-        </p:cxnSp>
-      </p:grpSp>
-    </p:spTree>
-    <p:extLst>
-      <p:ext uri="{BB962C8B-B14F-4D97-AF65-F5344CB8AC3E}">
-        <p14:creationId xmlns:p14="http://schemas.microsoft.com/office/powerpoint/2010/main" val="3239744484"/>
-      </p:ext>
-    </p:extLst>
-  </p:cSld>
-  <p:clrMapOvr>
-    <a:masterClrMapping/>
-  </p:clrMapOvr>
-  <p:transition spd="slow">
-    <p:push dir="u"/>
-  </p:transition>
-</p:sld>
-</file>
-
-<file path=ppt/slides/slide12.xml><?xml version="1.0" encoding="utf-8"?>
-<p:sld xmlns:a="http://schemas.openxmlformats.org/drawingml/2006/main" xmlns:r="http://schemas.openxmlformats.org/officeDocument/2006/relationships" xmlns:p="http://schemas.openxmlformats.org/presentationml/2006/main">
-  <p:cSld>
-    <p:spTree>
-      <p:nvGrpSpPr>
-        <p:cNvPr id="1" name=""/>
-        <p:cNvGrpSpPr/>
-        <p:nvPr/>
-      </p:nvGrpSpPr>
-      <p:grpSpPr>
-        <a:xfrm>
-          <a:off x="0" y="0"/>
-          <a:ext cx="0" cy="0"/>
-          <a:chOff x="0" y="0"/>
-          <a:chExt cx="0" cy="0"/>
-        </a:xfrm>
-      </p:grpSpPr>
-      <p:sp>
-        <p:nvSpPr>
-          <p:cNvPr id="2" name="Cím 1"/>
-          <p:cNvSpPr>
-            <a:spLocks noGrp="1"/>
-          </p:cNvSpPr>
-          <p:nvPr>
-            <p:ph type="title"/>
-          </p:nvPr>
-        </p:nvSpPr>
-        <p:spPr/>
-        <p:txBody>
-          <a:bodyPr/>
-          <a:lstStyle/>
-          <a:p>
-            <a:r>
-              <a:rPr lang="hu-HU" dirty="0"/>
-              <a:t>Fogalmak: Index</a:t>
-            </a:r>
-          </a:p>
-        </p:txBody>
-      </p:sp>
-      <p:sp>
-        <p:nvSpPr>
-          <p:cNvPr id="4" name="Tartalom helye 3"/>
-          <p:cNvSpPr>
-            <a:spLocks noGrp="1"/>
-          </p:cNvSpPr>
-          <p:nvPr>
-            <p:ph idx="1"/>
-          </p:nvPr>
-        </p:nvSpPr>
-        <p:spPr/>
-        <p:txBody>
-          <a:bodyPr>
-            <a:normAutofit lnSpcReduction="10000"/>
-          </a:bodyPr>
-          <a:lstStyle/>
-          <a:p>
-            <a:pPr marL="0" indent="0">
-              <a:buNone/>
-            </a:pPr>
-            <a:r>
-              <a:rPr lang="hu-HU" dirty="0"/>
-              <a:t>Amikor adatokkal dolgozunk, akkor általában ki kell nyernünk (lekérdeznünk) valamilyen feltételeknek megfelelőeket. Ezeket a feltételeket sokszor csak rendezett adatokon tudjuk értelmezni (megfelelő hatásfokkal). Mivel a </a:t>
-            </a:r>
-            <a:r>
-              <a:rPr lang="hu-HU" b="1" i="1" dirty="0">
-                <a:solidFill>
-                  <a:schemeClr val="accent1"/>
-                </a:solidFill>
-              </a:rPr>
-              <a:t>táblák</a:t>
-            </a:r>
-            <a:r>
-              <a:rPr lang="hu-HU" dirty="0"/>
-              <a:t> nagy mennyiségű (nem ritkán milliós) adatokat tartalmaznak, ezért az adatok folyamatos átrendezése lehetetlen. Erre a problémára alkották meg az </a:t>
-            </a:r>
-            <a:r>
-              <a:rPr lang="hu-HU" b="1" i="1" dirty="0">
-                <a:solidFill>
-                  <a:schemeClr val="accent1"/>
-                </a:solidFill>
-              </a:rPr>
-              <a:t>indexet</a:t>
-            </a:r>
-            <a:r>
-              <a:rPr lang="hu-HU" dirty="0"/>
-              <a:t> (mutatót).</a:t>
-            </a:r>
-          </a:p>
-          <a:p>
-            <a:pPr marL="0" indent="0">
-              <a:buNone/>
-            </a:pPr>
-            <a:r>
-              <a:rPr lang="hu-HU" dirty="0"/>
-              <a:t>Az </a:t>
-            </a:r>
-            <a:r>
-              <a:rPr lang="hu-HU" b="1" i="1" dirty="0">
-                <a:solidFill>
-                  <a:schemeClr val="accent1"/>
-                </a:solidFill>
-              </a:rPr>
-              <a:t>index</a:t>
-            </a:r>
-            <a:r>
-              <a:rPr lang="hu-HU" dirty="0"/>
-              <a:t> a rendezni kívánt </a:t>
-            </a:r>
-            <a:r>
-              <a:rPr lang="hu-HU" b="1" i="1" dirty="0">
-                <a:solidFill>
-                  <a:schemeClr val="accent1"/>
-                </a:solidFill>
-              </a:rPr>
-              <a:t>oszlop másolatát</a:t>
-            </a:r>
-            <a:r>
-              <a:rPr lang="hu-HU" dirty="0"/>
-              <a:t>, és az </a:t>
-            </a:r>
-            <a:r>
-              <a:rPr lang="hu-HU" b="1" i="1" dirty="0">
-                <a:solidFill>
-                  <a:schemeClr val="accent1"/>
-                </a:solidFill>
-              </a:rPr>
-              <a:t>elemek</a:t>
-            </a:r>
-            <a:r>
-              <a:rPr lang="hu-HU" dirty="0"/>
-              <a:t> </a:t>
-            </a:r>
-            <a:r>
-              <a:rPr lang="hu-HU" b="1" i="1" dirty="0">
-                <a:solidFill>
-                  <a:schemeClr val="accent1"/>
-                </a:solidFill>
-              </a:rPr>
-              <a:t>sorrendjét</a:t>
-            </a:r>
-            <a:r>
-              <a:rPr lang="hu-HU" dirty="0"/>
-              <a:t> tartalmazza. Minden olyan mezőt, ami szerint rendezni szeretnénk, indexeljük! Az </a:t>
-            </a:r>
-            <a:r>
-              <a:rPr lang="hu-HU" b="1" i="1" dirty="0">
-                <a:solidFill>
-                  <a:schemeClr val="accent1"/>
-                </a:solidFill>
-              </a:rPr>
-              <a:t>idegen kulcsoknál </a:t>
-            </a:r>
-            <a:r>
-              <a:rPr lang="hu-HU" dirty="0"/>
-              <a:t>is fontos.</a:t>
-            </a:r>
-          </a:p>
-        </p:txBody>
-      </p:sp>
-    </p:spTree>
-    <p:extLst>
-      <p:ext uri="{BB962C8B-B14F-4D97-AF65-F5344CB8AC3E}">
-        <p14:creationId xmlns:p14="http://schemas.microsoft.com/office/powerpoint/2010/main" val="2619109996"/>
-      </p:ext>
-    </p:extLst>
-  </p:cSld>
-  <p:clrMapOvr>
-    <a:masterClrMapping/>
-  </p:clrMapOvr>
-  <p:transition spd="slow">
-    <p:push dir="u"/>
-  </p:transition>
-</p:sld>
-</file>
-
-<file path=ppt/slides/slide13.xml><?xml version="1.0" encoding="utf-8"?>
-<p:sld xmlns:a="http://schemas.openxmlformats.org/drawingml/2006/main" xmlns:r="http://schemas.openxmlformats.org/officeDocument/2006/relationships" xmlns:p="http://schemas.openxmlformats.org/presentationml/2006/main">
-  <p:cSld>
-    <p:spTree>
-      <p:nvGrpSpPr>
-        <p:cNvPr id="1" name=""/>
-        <p:cNvGrpSpPr/>
-        <p:nvPr/>
-      </p:nvGrpSpPr>
-      <p:grpSpPr>
-        <a:xfrm>
-          <a:off x="0" y="0"/>
-          <a:ext cx="0" cy="0"/>
-          <a:chOff x="0" y="0"/>
-          <a:chExt cx="0" cy="0"/>
-        </a:xfrm>
-      </p:grpSpPr>
-      <p:sp>
-        <p:nvSpPr>
-          <p:cNvPr id="2" name="Cím 1"/>
-          <p:cNvSpPr>
-            <a:spLocks noGrp="1"/>
-          </p:cNvSpPr>
-          <p:nvPr>
-            <p:ph type="title"/>
-          </p:nvPr>
-        </p:nvSpPr>
-        <p:spPr/>
-        <p:txBody>
-          <a:bodyPr/>
-          <a:lstStyle/>
-          <a:p>
-            <a:r>
-              <a:rPr lang="hu-HU" dirty="0"/>
-              <a:t>Fogalmak: Redundancia</a:t>
-            </a:r>
-          </a:p>
-        </p:txBody>
-      </p:sp>
-      <p:grpSp>
-        <p:nvGrpSpPr>
-          <p:cNvPr id="3" name="Csoportba foglalás 2"/>
-          <p:cNvGrpSpPr/>
-          <p:nvPr/>
-        </p:nvGrpSpPr>
-        <p:grpSpPr>
-          <a:xfrm>
-            <a:off x="11381998" y="6015087"/>
-            <a:ext cx="651429" cy="651429"/>
-            <a:chOff x="11381998" y="6015087"/>
-            <a:chExt cx="651429" cy="651429"/>
-          </a:xfrm>
-        </p:grpSpPr>
-        <p:sp>
-          <p:nvSpPr>
-            <p:cNvPr id="5" name="Ellipszis 4">
-              <a:hlinkClick r:id="rId3" action="ppaction://hlinksldjump" tooltip="Vissza"/>
-            </p:cNvPr>
-            <p:cNvSpPr/>
-            <p:nvPr/>
-          </p:nvSpPr>
-          <p:spPr>
-            <a:xfrm>
-              <a:off x="11381998" y="6015087"/>
-              <a:ext cx="651429" cy="651429"/>
-            </a:xfrm>
-            <a:prstGeom prst="ellipse">
-              <a:avLst/>
-            </a:prstGeom>
-            <a:solidFill>
-              <a:srgbClr val="26CABF"/>
-            </a:solidFill>
-            <a:ln>
-              <a:noFill/>
-            </a:ln>
-          </p:spPr>
-          <p:style>
-            <a:lnRef idx="2">
-              <a:schemeClr val="accent1">
-                <a:shade val="50000"/>
-              </a:schemeClr>
-            </a:lnRef>
-            <a:fillRef idx="1">
-              <a:schemeClr val="accent1"/>
-            </a:fillRef>
-            <a:effectRef idx="0">
-              <a:schemeClr val="accent1"/>
-            </a:effectRef>
-            <a:fontRef idx="minor">
-              <a:schemeClr val="lt1"/>
-            </a:fontRef>
-          </p:style>
-          <p:txBody>
-            <a:bodyPr rtlCol="0" anchor="ctr"/>
-            <a:lstStyle/>
-            <a:p>
-              <a:pPr algn="ctr"/>
-              <a:endParaRPr lang="hu-HU"/>
-            </a:p>
-          </p:txBody>
-        </p:sp>
-        <p:sp>
-          <p:nvSpPr>
-            <p:cNvPr id="10" name="Balra nyíl 9">
-              <a:hlinkClick r:id="rId3" action="ppaction://hlinksldjump"/>
-            </p:cNvPr>
-            <p:cNvSpPr/>
-            <p:nvPr/>
-          </p:nvSpPr>
-          <p:spPr>
-            <a:xfrm>
-              <a:off x="11457477" y="6166395"/>
-              <a:ext cx="500470" cy="348812"/>
-            </a:xfrm>
-            <a:prstGeom prst="leftArrow">
-              <a:avLst/>
-            </a:prstGeom>
-            <a:solidFill>
-              <a:schemeClr val="tx1"/>
-            </a:solidFill>
-            <a:ln>
-              <a:noFill/>
-            </a:ln>
-          </p:spPr>
-          <p:style>
-            <a:lnRef idx="2">
-              <a:schemeClr val="accent1">
-                <a:shade val="50000"/>
-              </a:schemeClr>
-            </a:lnRef>
-            <a:fillRef idx="1">
-              <a:schemeClr val="accent1"/>
-            </a:fillRef>
-            <a:effectRef idx="0">
-              <a:schemeClr val="accent1"/>
-            </a:effectRef>
-            <a:fontRef idx="minor">
-              <a:schemeClr val="lt1"/>
-            </a:fontRef>
-          </p:style>
-          <p:txBody>
-            <a:bodyPr rtlCol="0" anchor="ctr"/>
-            <a:lstStyle/>
-            <a:p>
-              <a:pPr algn="ctr"/>
-              <a:endParaRPr lang="hu-HU"/>
-            </a:p>
-          </p:txBody>
-        </p:sp>
-      </p:grpSp>
-      <p:sp>
-        <p:nvSpPr>
-          <p:cNvPr id="11" name="Tartalom helye 10"/>
-          <p:cNvSpPr>
-            <a:spLocks noGrp="1"/>
-          </p:cNvSpPr>
-          <p:nvPr>
-            <p:ph idx="1"/>
-          </p:nvPr>
-        </p:nvSpPr>
-        <p:spPr>
-          <a:xfrm>
-            <a:off x="818712" y="2222287"/>
-            <a:ext cx="10554574" cy="4188525"/>
-          </a:xfrm>
-        </p:spPr>
-        <p:txBody>
-          <a:bodyPr>
-            <a:normAutofit fontScale="85000" lnSpcReduction="20000"/>
-          </a:bodyPr>
-          <a:lstStyle/>
-          <a:p>
-            <a:pPr marL="0" indent="0">
-              <a:buNone/>
-            </a:pPr>
-            <a:r>
-              <a:rPr lang="hu-HU" b="1" i="1" dirty="0">
-                <a:solidFill>
-                  <a:schemeClr val="accent1"/>
-                </a:solidFill>
-              </a:rPr>
-              <a:t>Redundanciáról</a:t>
-            </a:r>
-            <a:r>
-              <a:rPr lang="hu-HU" dirty="0"/>
-              <a:t> akkor beszélünk, ha valamilyen adatot, előállítható értéket többszörösen tárolunk az adatbázisban. Ez – amellett hogy több helyet foglal – az adatbázis frissítését, kezelését megnehezíti. </a:t>
-            </a:r>
-          </a:p>
-          <a:p>
-            <a:pPr marL="0" indent="0">
-              <a:buNone/>
-            </a:pPr>
-            <a:r>
-              <a:rPr lang="hu-HU" dirty="0"/>
-              <a:t>A tervezés során törekedni kell a </a:t>
-            </a:r>
-            <a:r>
-              <a:rPr lang="hu-HU" b="1" i="1" dirty="0">
-                <a:solidFill>
-                  <a:schemeClr val="accent1"/>
-                </a:solidFill>
-              </a:rPr>
-              <a:t>redundancia</a:t>
-            </a:r>
-            <a:r>
-              <a:rPr lang="hu-HU" dirty="0"/>
-              <a:t> megszüntetésére, az un. </a:t>
-            </a:r>
-            <a:r>
-              <a:rPr lang="hu-HU" b="1" i="1" dirty="0">
-                <a:solidFill>
-                  <a:schemeClr val="accent1"/>
-                </a:solidFill>
-              </a:rPr>
-              <a:t>normálformák</a:t>
-            </a:r>
-            <a:r>
-              <a:rPr lang="hu-HU" dirty="0"/>
-              <a:t> segítségével.</a:t>
-            </a:r>
-          </a:p>
-          <a:p>
-            <a:pPr marL="0" indent="0">
-              <a:buNone/>
-            </a:pPr>
-            <a:r>
-              <a:rPr lang="hu-HU" dirty="0"/>
-              <a:t>Ilyen </a:t>
-            </a:r>
-            <a:r>
-              <a:rPr lang="hu-HU" b="1" i="1" dirty="0">
-                <a:solidFill>
-                  <a:schemeClr val="accent1"/>
-                </a:solidFill>
-              </a:rPr>
-              <a:t>normálforma</a:t>
-            </a:r>
-            <a:r>
-              <a:rPr lang="hu-HU" dirty="0"/>
-              <a:t>:</a:t>
-            </a:r>
-          </a:p>
-          <a:p>
-            <a:r>
-              <a:rPr lang="hu-HU" b="1" i="1" dirty="0">
-                <a:solidFill>
-                  <a:schemeClr val="accent1"/>
-                </a:solidFill>
-              </a:rPr>
-              <a:t>Első normálforma (1NF)</a:t>
-            </a:r>
-          </a:p>
-          <a:p>
-            <a:r>
-              <a:rPr lang="hu-HU" b="1" i="1" dirty="0">
-                <a:solidFill>
-                  <a:schemeClr val="accent1"/>
-                </a:solidFill>
-              </a:rPr>
-              <a:t>Második normálforma (2NF)</a:t>
-            </a:r>
-          </a:p>
-          <a:p>
-            <a:r>
-              <a:rPr lang="hu-HU" b="1" i="1" dirty="0">
-                <a:solidFill>
-                  <a:schemeClr val="accent1"/>
-                </a:solidFill>
-              </a:rPr>
-              <a:t>Harmadik normálforma (3NF)</a:t>
-            </a:r>
-          </a:p>
-          <a:p>
-            <a:r>
-              <a:rPr lang="hu-HU" dirty="0"/>
-              <a:t>Van még pár, de a gyakorlatban elég a </a:t>
-            </a:r>
-            <a:r>
-              <a:rPr lang="hu-HU" b="1" i="1" dirty="0">
-                <a:solidFill>
-                  <a:schemeClr val="accent1"/>
-                </a:solidFill>
-              </a:rPr>
-              <a:t>3NF</a:t>
-            </a:r>
-            <a:r>
-              <a:rPr lang="hu-HU" dirty="0"/>
-              <a:t>.</a:t>
-            </a:r>
-          </a:p>
-          <a:p>
-            <a:pPr marL="0" indent="0">
-              <a:buNone/>
-            </a:pPr>
-            <a:r>
-              <a:rPr lang="hu-HU" sz="1900" dirty="0"/>
-              <a:t>Néhány esetben tervezetten alkalmazunk </a:t>
-            </a:r>
-            <a:r>
-              <a:rPr lang="hu-HU" sz="1900" b="1" i="1" dirty="0">
-                <a:solidFill>
-                  <a:schemeClr val="accent1"/>
-                </a:solidFill>
-              </a:rPr>
-              <a:t>redundanciát</a:t>
-            </a:r>
-            <a:r>
-              <a:rPr lang="hu-HU" sz="1900" dirty="0"/>
-              <a:t>, amikor pl. egy számítás eltárolása jelentősen meggyorsítja a működést. </a:t>
-            </a:r>
-          </a:p>
-        </p:txBody>
-      </p:sp>
-    </p:spTree>
-    <p:extLst>
-      <p:ext uri="{BB962C8B-B14F-4D97-AF65-F5344CB8AC3E}">
-        <p14:creationId xmlns:p14="http://schemas.microsoft.com/office/powerpoint/2010/main" val="76982428"/>
-      </p:ext>
-    </p:extLst>
-  </p:cSld>
-  <p:clrMapOvr>
-    <a:masterClrMapping/>
-  </p:clrMapOvr>
-  <p:transition spd="slow" advClick="0">
-    <p:push dir="u"/>
-  </p:transition>
-</p:sld>
-</file>
-
-<file path=ppt/slides/slide14.xml><?xml version="1.0" encoding="utf-8"?>
-<p:sld xmlns:a="http://schemas.openxmlformats.org/drawingml/2006/main" xmlns:r="http://schemas.openxmlformats.org/officeDocument/2006/relationships" xmlns:p="http://schemas.openxmlformats.org/presentationml/2006/main">
-  <p:cSld>
-    <p:spTree>
-      <p:nvGrpSpPr>
-        <p:cNvPr id="1" name=""/>
-        <p:cNvGrpSpPr/>
-        <p:nvPr/>
-      </p:nvGrpSpPr>
-      <p:grpSpPr>
-        <a:xfrm>
-          <a:off x="0" y="0"/>
-          <a:ext cx="0" cy="0"/>
-          <a:chOff x="0" y="0"/>
-          <a:chExt cx="0" cy="0"/>
-        </a:xfrm>
-      </p:grpSpPr>
-      <p:sp>
-        <p:nvSpPr>
-          <p:cNvPr id="2" name="Cím 1">
-            <a:extLst>
-              <a:ext uri="{FF2B5EF4-FFF2-40B4-BE49-F238E27FC236}">
-                <a16:creationId xmlns:a16="http://schemas.microsoft.com/office/drawing/2014/main" id="{DC86E5F2-99BC-4654-ADE2-BBF0AE2C934B}"/>
-              </a:ext>
-            </a:extLst>
-          </p:cNvPr>
-          <p:cNvSpPr>
-            <a:spLocks noGrp="1"/>
-          </p:cNvSpPr>
-          <p:nvPr>
-            <p:ph type="title"/>
-          </p:nvPr>
-        </p:nvSpPr>
-        <p:spPr/>
-        <p:txBody>
-          <a:bodyPr/>
-          <a:lstStyle/>
-          <a:p>
-            <a:endParaRPr lang="hu-HU" dirty="0"/>
-          </a:p>
-        </p:txBody>
-      </p:sp>
-      <p:sp>
-        <p:nvSpPr>
-          <p:cNvPr id="3" name="Tartalom helye 2">
-            <a:extLst>
-              <a:ext uri="{FF2B5EF4-FFF2-40B4-BE49-F238E27FC236}">
-                <a16:creationId xmlns:a16="http://schemas.microsoft.com/office/drawing/2014/main" id="{5583E85D-3871-4030-9202-495FD50A42BA}"/>
-              </a:ext>
-            </a:extLst>
-          </p:cNvPr>
-          <p:cNvSpPr>
-            <a:spLocks noGrp="1"/>
-          </p:cNvSpPr>
-          <p:nvPr>
-            <p:ph idx="1"/>
-          </p:nvPr>
-        </p:nvSpPr>
-        <p:spPr/>
-        <p:txBody>
-          <a:bodyPr>
-            <a:normAutofit/>
-          </a:bodyPr>
-          <a:lstStyle/>
-          <a:p>
-            <a:pPr marL="0" indent="0" algn="ctr">
-              <a:buNone/>
-            </a:pPr>
-            <a:r>
-              <a:rPr lang="hu-HU" sz="7200" dirty="0"/>
-              <a:t>Köszönöm a figyelmet!</a:t>
-            </a:r>
-          </a:p>
-        </p:txBody>
-      </p:sp>
-    </p:spTree>
-    <p:extLst>
-      <p:ext uri="{BB962C8B-B14F-4D97-AF65-F5344CB8AC3E}">
-        <p14:creationId xmlns:p14="http://schemas.microsoft.com/office/powerpoint/2010/main" val="2720775216"/>
-      </p:ext>
-    </p:extLst>
-  </p:cSld>
-  <p:clrMapOvr>
-    <a:masterClrMapping/>
-  </p:clrMapOvr>
-</p:sld>
-</file>
-
 <file path=ppt/slides/slide2.xml><?xml version="1.0" encoding="utf-8"?>
 <p:sld xmlns:a="http://schemas.openxmlformats.org/drawingml/2006/main" xmlns:r="http://schemas.openxmlformats.org/officeDocument/2006/relationships" xmlns:p="http://schemas.openxmlformats.org/presentationml/2006/main">
   <p:cSld>
@@ -9754,11 +7509,11 @@
               <a:buNone/>
             </a:pPr>
             <a:r>
-              <a:rPr lang="hu-HU"/>
+              <a:rPr lang="hu-HU" dirty="0"/>
               <a:t>Az </a:t>
             </a:r>
             <a:r>
-              <a:rPr lang="hu-HU" b="1" i="1">
+              <a:rPr lang="hu-HU" b="1" i="1" dirty="0" err="1">
                 <a:solidFill>
                   <a:schemeClr val="accent1"/>
                 </a:solidFill>
@@ -9766,11 +7521,11 @@
               <a:t>allekérdezés</a:t>
             </a:r>
             <a:r>
-              <a:rPr lang="hu-HU"/>
+              <a:rPr lang="hu-HU" dirty="0"/>
               <a:t> (belső </a:t>
             </a:r>
             <a:r>
-              <a:rPr lang="hu-HU" b="1" i="1">
+              <a:rPr lang="hu-HU" b="1" i="1" dirty="0">
                 <a:solidFill>
                   <a:schemeClr val="accent1"/>
                 </a:solidFill>
@@ -9778,11 +7533,11 @@
               <a:t>SELECT</a:t>
             </a:r>
             <a:r>
-              <a:rPr lang="hu-HU"/>
+              <a:rPr lang="hu-HU" dirty="0"/>
               <a:t>) egy lekérdezés </a:t>
             </a:r>
             <a:r>
-              <a:rPr lang="hu-HU" b="1" i="1">
+              <a:rPr lang="hu-HU" b="1" i="1" dirty="0">
                 <a:solidFill>
                   <a:schemeClr val="accent1"/>
                 </a:solidFill>
@@ -9790,7 +7545,7 @@
               <a:t>beágyazva</a:t>
             </a:r>
             <a:r>
-              <a:rPr lang="hu-HU"/>
+              <a:rPr lang="hu-HU" dirty="0"/>
               <a:t> egy nagyobb lekérdezésbe.</a:t>
             </a:r>
           </a:p>
@@ -9799,11 +7554,11 @@
               <a:buNone/>
             </a:pPr>
             <a:r>
-              <a:rPr lang="hu-HU"/>
+              <a:rPr lang="hu-HU" dirty="0"/>
               <a:t>Olyan esetekben hasznos, ha olyan adatokra  van szükség a </a:t>
             </a:r>
             <a:r>
-              <a:rPr lang="hu-HU" b="1" i="1">
+              <a:rPr lang="hu-HU" b="1" i="1" dirty="0">
                 <a:solidFill>
                   <a:schemeClr val="accent1"/>
                 </a:solidFill>
@@ -9811,11 +7566,11 @@
               <a:t>fő</a:t>
             </a:r>
             <a:r>
-              <a:rPr lang="hu-HU"/>
+              <a:rPr lang="hu-HU" dirty="0"/>
               <a:t> </a:t>
             </a:r>
             <a:r>
-              <a:rPr lang="hu-HU" b="1" i="1">
+              <a:rPr lang="hu-HU" b="1" i="1" dirty="0">
                 <a:solidFill>
                   <a:schemeClr val="accent1"/>
                 </a:solidFill>
@@ -9823,7 +7578,7 @@
               <a:t>lekérdezés</a:t>
             </a:r>
             <a:r>
-              <a:rPr lang="hu-HU"/>
+              <a:rPr lang="hu-HU" dirty="0"/>
               <a:t>ben, amikhez az ott nem férne hozzá.</a:t>
             </a:r>
           </a:p>
@@ -9832,13 +7587,13 @@
               <a:buNone/>
             </a:pPr>
             <a:r>
-              <a:rPr lang="hu-HU"/>
+              <a:rPr lang="hu-HU" dirty="0"/>
               <a:t>A következő parancsokban használható:</a:t>
             </a:r>
           </a:p>
           <a:p>
             <a:r>
-              <a:rPr lang="hu-HU" b="1" i="1">
+              <a:rPr lang="hu-HU" b="1" i="1" dirty="0">
                 <a:solidFill>
                   <a:schemeClr val="accent1"/>
                 </a:solidFill>
@@ -9846,10 +7601,10 @@
               <a:t>SELECT</a:t>
             </a:r>
             <a:r>
-              <a:rPr lang="hu-HU"/>
+              <a:rPr lang="hu-HU" dirty="0"/>
               <a:t>: választó lekérdezés</a:t>
             </a:r>
-            <a:endParaRPr lang="hu-HU" b="1" i="1">
+            <a:endParaRPr lang="hu-HU" b="1" i="1" dirty="0">
               <a:solidFill>
                 <a:schemeClr val="accent1"/>
               </a:solidFill>
@@ -9857,7 +7612,7 @@
           </a:p>
           <a:p>
             <a:r>
-              <a:rPr lang="hu-HU" b="1" i="1">
+              <a:rPr lang="hu-HU" b="1" i="1" dirty="0">
                 <a:solidFill>
                   <a:schemeClr val="accent1"/>
                 </a:solidFill>
@@ -9865,10 +7620,10 @@
               <a:t>UPDATE</a:t>
             </a:r>
             <a:r>
-              <a:rPr lang="hu-HU"/>
+              <a:rPr lang="hu-HU" dirty="0"/>
               <a:t>: frissítő lekérdezés</a:t>
             </a:r>
-            <a:endParaRPr lang="hu-HU" b="1" i="1">
+            <a:endParaRPr lang="hu-HU" b="1" i="1" dirty="0">
               <a:solidFill>
                 <a:schemeClr val="accent1"/>
               </a:solidFill>
@@ -9876,7 +7631,7 @@
           </a:p>
           <a:p>
             <a:r>
-              <a:rPr lang="hu-HU" b="1" i="1">
+              <a:rPr lang="hu-HU" b="1" i="1" dirty="0">
                 <a:solidFill>
                   <a:schemeClr val="accent1"/>
                 </a:solidFill>
@@ -9884,10 +7639,10 @@
               <a:t>INSERT</a:t>
             </a:r>
             <a:r>
-              <a:rPr lang="hu-HU"/>
+              <a:rPr lang="hu-HU" dirty="0"/>
               <a:t>: hozzáfűző lekérdezés</a:t>
             </a:r>
-            <a:endParaRPr lang="hu-HU" b="1" i="1">
+            <a:endParaRPr lang="hu-HU" b="1" i="1" dirty="0">
               <a:solidFill>
                 <a:schemeClr val="accent1"/>
               </a:solidFill>
@@ -9895,7 +7650,7 @@
           </a:p>
           <a:p>
             <a:r>
-              <a:rPr lang="hu-HU" b="1" i="1">
+              <a:rPr lang="hu-HU" b="1" i="1" dirty="0">
                 <a:solidFill>
                   <a:schemeClr val="accent1"/>
                 </a:solidFill>
@@ -9903,7 +7658,7 @@
               <a:t>DELETE</a:t>
             </a:r>
             <a:r>
-              <a:rPr lang="hu-HU"/>
+              <a:rPr lang="hu-HU" dirty="0"/>
               <a:t>: törlő lekérdezés</a:t>
             </a:r>
             <a:endParaRPr lang="hu-HU" b="1" i="1" dirty="0">
@@ -9962,15 +7717,6 @@
             </a:solidFill>
           </a:ln>
           <a:effectLst/>
-          <a:extLst>
-            <a:ext uri="{909E8E84-426E-40DD-AFC4-6F175D3DCCD1}">
-              <a14:hiddenFill xmlns:a14="http://schemas.microsoft.com/office/drawing/2010/main">
-                <a:solidFill>
-                  <a:srgbClr val="FFFFFF"/>
-                </a:solidFill>
-              </a14:hiddenFill>
-            </a:ext>
-          </a:extLst>
         </p:spPr>
       </p:pic>
     </p:spTree>
@@ -9986,6 +7732,760 @@
   <p:transition spd="slow">
     <p:push dir="u"/>
   </p:transition>
+  <p:timing>
+    <p:tnLst>
+      <p:par>
+        <p:cTn id="1" dur="indefinite" restart="never" nodeType="tmRoot">
+          <p:childTnLst>
+            <p:seq concurrent="1" nextAc="seek">
+              <p:cTn id="2" dur="indefinite" nodeType="mainSeq">
+                <p:childTnLst>
+                  <p:par>
+                    <p:cTn id="3" fill="hold">
+                      <p:stCondLst>
+                        <p:cond delay="indefinite"/>
+                        <p:cond evt="onBegin" delay="0">
+                          <p:tn val="2"/>
+                        </p:cond>
+                      </p:stCondLst>
+                      <p:childTnLst>
+                        <p:par>
+                          <p:cTn id="4" fill="hold">
+                            <p:stCondLst>
+                              <p:cond delay="0"/>
+                            </p:stCondLst>
+                            <p:childTnLst>
+                              <p:par>
+                                <p:cTn id="5" presetID="2" presetClass="entr" presetSubtype="4" fill="hold" nodeType="withEffect">
+                                  <p:stCondLst>
+                                    <p:cond delay="0"/>
+                                  </p:stCondLst>
+                                  <p:childTnLst>
+                                    <p:set>
+                                      <p:cBhvr>
+                                        <p:cTn id="6" dur="1" fill="hold">
+                                          <p:stCondLst>
+                                            <p:cond delay="0"/>
+                                          </p:stCondLst>
+                                        </p:cTn>
+                                        <p:tgtEl>
+                                          <p:spTgt spid="4">
+                                            <p:txEl>
+                                              <p:pRg st="0" end="0"/>
+                                            </p:txEl>
+                                          </p:spTgt>
+                                        </p:tgtEl>
+                                        <p:attrNameLst>
+                                          <p:attrName>style.visibility</p:attrName>
+                                        </p:attrNameLst>
+                                      </p:cBhvr>
+                                      <p:to>
+                                        <p:strVal val="visible"/>
+                                      </p:to>
+                                    </p:set>
+                                    <p:anim calcmode="lin" valueType="num">
+                                      <p:cBhvr additive="base">
+                                        <p:cTn id="7" dur="500" fill="hold"/>
+                                        <p:tgtEl>
+                                          <p:spTgt spid="4">
+                                            <p:txEl>
+                                              <p:pRg st="0" end="0"/>
+                                            </p:txEl>
+                                          </p:spTgt>
+                                        </p:tgtEl>
+                                        <p:attrNameLst>
+                                          <p:attrName>ppt_x</p:attrName>
+                                        </p:attrNameLst>
+                                      </p:cBhvr>
+                                      <p:tavLst>
+                                        <p:tav tm="0">
+                                          <p:val>
+                                            <p:strVal val="#ppt_x"/>
+                                          </p:val>
+                                        </p:tav>
+                                        <p:tav tm="100000">
+                                          <p:val>
+                                            <p:strVal val="#ppt_x"/>
+                                          </p:val>
+                                        </p:tav>
+                                      </p:tavLst>
+                                    </p:anim>
+                                    <p:anim calcmode="lin" valueType="num">
+                                      <p:cBhvr additive="base">
+                                        <p:cTn id="8" dur="500" fill="hold"/>
+                                        <p:tgtEl>
+                                          <p:spTgt spid="4">
+                                            <p:txEl>
+                                              <p:pRg st="0" end="0"/>
+                                            </p:txEl>
+                                          </p:spTgt>
+                                        </p:tgtEl>
+                                        <p:attrNameLst>
+                                          <p:attrName>ppt_y</p:attrName>
+                                        </p:attrNameLst>
+                                      </p:cBhvr>
+                                      <p:tavLst>
+                                        <p:tav tm="0">
+                                          <p:val>
+                                            <p:strVal val="1+#ppt_h/2"/>
+                                          </p:val>
+                                        </p:tav>
+                                        <p:tav tm="100000">
+                                          <p:val>
+                                            <p:strVal val="#ppt_y"/>
+                                          </p:val>
+                                        </p:tav>
+                                      </p:tavLst>
+                                    </p:anim>
+                                  </p:childTnLst>
+                                </p:cTn>
+                              </p:par>
+                            </p:childTnLst>
+                          </p:cTn>
+                        </p:par>
+                      </p:childTnLst>
+                    </p:cTn>
+                  </p:par>
+                  <p:par>
+                    <p:cTn id="9" fill="hold">
+                      <p:stCondLst>
+                        <p:cond delay="indefinite"/>
+                      </p:stCondLst>
+                      <p:childTnLst>
+                        <p:par>
+                          <p:cTn id="10" fill="hold">
+                            <p:stCondLst>
+                              <p:cond delay="0"/>
+                            </p:stCondLst>
+                            <p:childTnLst>
+                              <p:par>
+                                <p:cTn id="11" presetID="2" presetClass="entr" presetSubtype="4" fill="hold" nodeType="clickEffect">
+                                  <p:stCondLst>
+                                    <p:cond delay="0"/>
+                                  </p:stCondLst>
+                                  <p:childTnLst>
+                                    <p:set>
+                                      <p:cBhvr>
+                                        <p:cTn id="12" dur="1" fill="hold">
+                                          <p:stCondLst>
+                                            <p:cond delay="0"/>
+                                          </p:stCondLst>
+                                        </p:cTn>
+                                        <p:tgtEl>
+                                          <p:spTgt spid="4">
+                                            <p:txEl>
+                                              <p:pRg st="1" end="1"/>
+                                            </p:txEl>
+                                          </p:spTgt>
+                                        </p:tgtEl>
+                                        <p:attrNameLst>
+                                          <p:attrName>style.visibility</p:attrName>
+                                        </p:attrNameLst>
+                                      </p:cBhvr>
+                                      <p:to>
+                                        <p:strVal val="visible"/>
+                                      </p:to>
+                                    </p:set>
+                                    <p:anim calcmode="lin" valueType="num">
+                                      <p:cBhvr additive="base">
+                                        <p:cTn id="13" dur="500" fill="hold"/>
+                                        <p:tgtEl>
+                                          <p:spTgt spid="4">
+                                            <p:txEl>
+                                              <p:pRg st="1" end="1"/>
+                                            </p:txEl>
+                                          </p:spTgt>
+                                        </p:tgtEl>
+                                        <p:attrNameLst>
+                                          <p:attrName>ppt_x</p:attrName>
+                                        </p:attrNameLst>
+                                      </p:cBhvr>
+                                      <p:tavLst>
+                                        <p:tav tm="0">
+                                          <p:val>
+                                            <p:strVal val="#ppt_x"/>
+                                          </p:val>
+                                        </p:tav>
+                                        <p:tav tm="100000">
+                                          <p:val>
+                                            <p:strVal val="#ppt_x"/>
+                                          </p:val>
+                                        </p:tav>
+                                      </p:tavLst>
+                                    </p:anim>
+                                    <p:anim calcmode="lin" valueType="num">
+                                      <p:cBhvr additive="base">
+                                        <p:cTn id="14" dur="500" fill="hold"/>
+                                        <p:tgtEl>
+                                          <p:spTgt spid="4">
+                                            <p:txEl>
+                                              <p:pRg st="1" end="1"/>
+                                            </p:txEl>
+                                          </p:spTgt>
+                                        </p:tgtEl>
+                                        <p:attrNameLst>
+                                          <p:attrName>ppt_y</p:attrName>
+                                        </p:attrNameLst>
+                                      </p:cBhvr>
+                                      <p:tavLst>
+                                        <p:tav tm="0">
+                                          <p:val>
+                                            <p:strVal val="1+#ppt_h/2"/>
+                                          </p:val>
+                                        </p:tav>
+                                        <p:tav tm="100000">
+                                          <p:val>
+                                            <p:strVal val="#ppt_y"/>
+                                          </p:val>
+                                        </p:tav>
+                                      </p:tavLst>
+                                    </p:anim>
+                                  </p:childTnLst>
+                                </p:cTn>
+                              </p:par>
+                            </p:childTnLst>
+                          </p:cTn>
+                        </p:par>
+                      </p:childTnLst>
+                    </p:cTn>
+                  </p:par>
+                  <p:par>
+                    <p:cTn id="15" fill="hold">
+                      <p:stCondLst>
+                        <p:cond delay="indefinite"/>
+                      </p:stCondLst>
+                      <p:childTnLst>
+                        <p:par>
+                          <p:cTn id="16" fill="hold">
+                            <p:stCondLst>
+                              <p:cond delay="0"/>
+                            </p:stCondLst>
+                            <p:childTnLst>
+                              <p:par>
+                                <p:cTn id="17" presetID="2" presetClass="entr" presetSubtype="4" fill="hold" nodeType="clickEffect">
+                                  <p:stCondLst>
+                                    <p:cond delay="0"/>
+                                  </p:stCondLst>
+                                  <p:childTnLst>
+                                    <p:set>
+                                      <p:cBhvr>
+                                        <p:cTn id="18" dur="1" fill="hold">
+                                          <p:stCondLst>
+                                            <p:cond delay="0"/>
+                                          </p:stCondLst>
+                                        </p:cTn>
+                                        <p:tgtEl>
+                                          <p:spTgt spid="4">
+                                            <p:txEl>
+                                              <p:pRg st="2" end="2"/>
+                                            </p:txEl>
+                                          </p:spTgt>
+                                        </p:tgtEl>
+                                        <p:attrNameLst>
+                                          <p:attrName>style.visibility</p:attrName>
+                                        </p:attrNameLst>
+                                      </p:cBhvr>
+                                      <p:to>
+                                        <p:strVal val="visible"/>
+                                      </p:to>
+                                    </p:set>
+                                    <p:anim calcmode="lin" valueType="num">
+                                      <p:cBhvr additive="base">
+                                        <p:cTn id="19" dur="500" fill="hold"/>
+                                        <p:tgtEl>
+                                          <p:spTgt spid="4">
+                                            <p:txEl>
+                                              <p:pRg st="2" end="2"/>
+                                            </p:txEl>
+                                          </p:spTgt>
+                                        </p:tgtEl>
+                                        <p:attrNameLst>
+                                          <p:attrName>ppt_x</p:attrName>
+                                        </p:attrNameLst>
+                                      </p:cBhvr>
+                                      <p:tavLst>
+                                        <p:tav tm="0">
+                                          <p:val>
+                                            <p:strVal val="#ppt_x"/>
+                                          </p:val>
+                                        </p:tav>
+                                        <p:tav tm="100000">
+                                          <p:val>
+                                            <p:strVal val="#ppt_x"/>
+                                          </p:val>
+                                        </p:tav>
+                                      </p:tavLst>
+                                    </p:anim>
+                                    <p:anim calcmode="lin" valueType="num">
+                                      <p:cBhvr additive="base">
+                                        <p:cTn id="20" dur="500" fill="hold"/>
+                                        <p:tgtEl>
+                                          <p:spTgt spid="4">
+                                            <p:txEl>
+                                              <p:pRg st="2" end="2"/>
+                                            </p:txEl>
+                                          </p:spTgt>
+                                        </p:tgtEl>
+                                        <p:attrNameLst>
+                                          <p:attrName>ppt_y</p:attrName>
+                                        </p:attrNameLst>
+                                      </p:cBhvr>
+                                      <p:tavLst>
+                                        <p:tav tm="0">
+                                          <p:val>
+                                            <p:strVal val="1+#ppt_h/2"/>
+                                          </p:val>
+                                        </p:tav>
+                                        <p:tav tm="100000">
+                                          <p:val>
+                                            <p:strVal val="#ppt_y"/>
+                                          </p:val>
+                                        </p:tav>
+                                      </p:tavLst>
+                                    </p:anim>
+                                  </p:childTnLst>
+                                </p:cTn>
+                              </p:par>
+                            </p:childTnLst>
+                          </p:cTn>
+                        </p:par>
+                      </p:childTnLst>
+                    </p:cTn>
+                  </p:par>
+                  <p:par>
+                    <p:cTn id="21" fill="hold">
+                      <p:stCondLst>
+                        <p:cond delay="indefinite"/>
+                      </p:stCondLst>
+                      <p:childTnLst>
+                        <p:par>
+                          <p:cTn id="22" fill="hold">
+                            <p:stCondLst>
+                              <p:cond delay="0"/>
+                            </p:stCondLst>
+                            <p:childTnLst>
+                              <p:par>
+                                <p:cTn id="23" presetID="2" presetClass="entr" presetSubtype="4" fill="hold" nodeType="clickEffect">
+                                  <p:stCondLst>
+                                    <p:cond delay="0"/>
+                                  </p:stCondLst>
+                                  <p:childTnLst>
+                                    <p:set>
+                                      <p:cBhvr>
+                                        <p:cTn id="24" dur="1" fill="hold">
+                                          <p:stCondLst>
+                                            <p:cond delay="0"/>
+                                          </p:stCondLst>
+                                        </p:cTn>
+                                        <p:tgtEl>
+                                          <p:spTgt spid="4">
+                                            <p:txEl>
+                                              <p:pRg st="3" end="3"/>
+                                            </p:txEl>
+                                          </p:spTgt>
+                                        </p:tgtEl>
+                                        <p:attrNameLst>
+                                          <p:attrName>style.visibility</p:attrName>
+                                        </p:attrNameLst>
+                                      </p:cBhvr>
+                                      <p:to>
+                                        <p:strVal val="visible"/>
+                                      </p:to>
+                                    </p:set>
+                                    <p:anim calcmode="lin" valueType="num">
+                                      <p:cBhvr additive="base">
+                                        <p:cTn id="25" dur="500" fill="hold"/>
+                                        <p:tgtEl>
+                                          <p:spTgt spid="4">
+                                            <p:txEl>
+                                              <p:pRg st="3" end="3"/>
+                                            </p:txEl>
+                                          </p:spTgt>
+                                        </p:tgtEl>
+                                        <p:attrNameLst>
+                                          <p:attrName>ppt_x</p:attrName>
+                                        </p:attrNameLst>
+                                      </p:cBhvr>
+                                      <p:tavLst>
+                                        <p:tav tm="0">
+                                          <p:val>
+                                            <p:strVal val="#ppt_x"/>
+                                          </p:val>
+                                        </p:tav>
+                                        <p:tav tm="100000">
+                                          <p:val>
+                                            <p:strVal val="#ppt_x"/>
+                                          </p:val>
+                                        </p:tav>
+                                      </p:tavLst>
+                                    </p:anim>
+                                    <p:anim calcmode="lin" valueType="num">
+                                      <p:cBhvr additive="base">
+                                        <p:cTn id="26" dur="500" fill="hold"/>
+                                        <p:tgtEl>
+                                          <p:spTgt spid="4">
+                                            <p:txEl>
+                                              <p:pRg st="3" end="3"/>
+                                            </p:txEl>
+                                          </p:spTgt>
+                                        </p:tgtEl>
+                                        <p:attrNameLst>
+                                          <p:attrName>ppt_y</p:attrName>
+                                        </p:attrNameLst>
+                                      </p:cBhvr>
+                                      <p:tavLst>
+                                        <p:tav tm="0">
+                                          <p:val>
+                                            <p:strVal val="1+#ppt_h/2"/>
+                                          </p:val>
+                                        </p:tav>
+                                        <p:tav tm="100000">
+                                          <p:val>
+                                            <p:strVal val="#ppt_y"/>
+                                          </p:val>
+                                        </p:tav>
+                                      </p:tavLst>
+                                    </p:anim>
+                                  </p:childTnLst>
+                                </p:cTn>
+                              </p:par>
+                            </p:childTnLst>
+                          </p:cTn>
+                        </p:par>
+                      </p:childTnLst>
+                    </p:cTn>
+                  </p:par>
+                  <p:par>
+                    <p:cTn id="27" fill="hold">
+                      <p:stCondLst>
+                        <p:cond delay="indefinite"/>
+                      </p:stCondLst>
+                      <p:childTnLst>
+                        <p:par>
+                          <p:cTn id="28" fill="hold">
+                            <p:stCondLst>
+                              <p:cond delay="0"/>
+                            </p:stCondLst>
+                            <p:childTnLst>
+                              <p:par>
+                                <p:cTn id="29" presetID="2" presetClass="entr" presetSubtype="4" fill="hold" nodeType="clickEffect">
+                                  <p:stCondLst>
+                                    <p:cond delay="0"/>
+                                  </p:stCondLst>
+                                  <p:childTnLst>
+                                    <p:set>
+                                      <p:cBhvr>
+                                        <p:cTn id="30" dur="1" fill="hold">
+                                          <p:stCondLst>
+                                            <p:cond delay="0"/>
+                                          </p:stCondLst>
+                                        </p:cTn>
+                                        <p:tgtEl>
+                                          <p:spTgt spid="4">
+                                            <p:txEl>
+                                              <p:pRg st="4" end="4"/>
+                                            </p:txEl>
+                                          </p:spTgt>
+                                        </p:tgtEl>
+                                        <p:attrNameLst>
+                                          <p:attrName>style.visibility</p:attrName>
+                                        </p:attrNameLst>
+                                      </p:cBhvr>
+                                      <p:to>
+                                        <p:strVal val="visible"/>
+                                      </p:to>
+                                    </p:set>
+                                    <p:anim calcmode="lin" valueType="num">
+                                      <p:cBhvr additive="base">
+                                        <p:cTn id="31" dur="500" fill="hold"/>
+                                        <p:tgtEl>
+                                          <p:spTgt spid="4">
+                                            <p:txEl>
+                                              <p:pRg st="4" end="4"/>
+                                            </p:txEl>
+                                          </p:spTgt>
+                                        </p:tgtEl>
+                                        <p:attrNameLst>
+                                          <p:attrName>ppt_x</p:attrName>
+                                        </p:attrNameLst>
+                                      </p:cBhvr>
+                                      <p:tavLst>
+                                        <p:tav tm="0">
+                                          <p:val>
+                                            <p:strVal val="#ppt_x"/>
+                                          </p:val>
+                                        </p:tav>
+                                        <p:tav tm="100000">
+                                          <p:val>
+                                            <p:strVal val="#ppt_x"/>
+                                          </p:val>
+                                        </p:tav>
+                                      </p:tavLst>
+                                    </p:anim>
+                                    <p:anim calcmode="lin" valueType="num">
+                                      <p:cBhvr additive="base">
+                                        <p:cTn id="32" dur="500" fill="hold"/>
+                                        <p:tgtEl>
+                                          <p:spTgt spid="4">
+                                            <p:txEl>
+                                              <p:pRg st="4" end="4"/>
+                                            </p:txEl>
+                                          </p:spTgt>
+                                        </p:tgtEl>
+                                        <p:attrNameLst>
+                                          <p:attrName>ppt_y</p:attrName>
+                                        </p:attrNameLst>
+                                      </p:cBhvr>
+                                      <p:tavLst>
+                                        <p:tav tm="0">
+                                          <p:val>
+                                            <p:strVal val="1+#ppt_h/2"/>
+                                          </p:val>
+                                        </p:tav>
+                                        <p:tav tm="100000">
+                                          <p:val>
+                                            <p:strVal val="#ppt_y"/>
+                                          </p:val>
+                                        </p:tav>
+                                      </p:tavLst>
+                                    </p:anim>
+                                  </p:childTnLst>
+                                </p:cTn>
+                              </p:par>
+                            </p:childTnLst>
+                          </p:cTn>
+                        </p:par>
+                      </p:childTnLst>
+                    </p:cTn>
+                  </p:par>
+                  <p:par>
+                    <p:cTn id="33" fill="hold">
+                      <p:stCondLst>
+                        <p:cond delay="indefinite"/>
+                      </p:stCondLst>
+                      <p:childTnLst>
+                        <p:par>
+                          <p:cTn id="34" fill="hold">
+                            <p:stCondLst>
+                              <p:cond delay="0"/>
+                            </p:stCondLst>
+                            <p:childTnLst>
+                              <p:par>
+                                <p:cTn id="35" presetID="2" presetClass="entr" presetSubtype="4" fill="hold" nodeType="clickEffect">
+                                  <p:stCondLst>
+                                    <p:cond delay="0"/>
+                                  </p:stCondLst>
+                                  <p:childTnLst>
+                                    <p:set>
+                                      <p:cBhvr>
+                                        <p:cTn id="36" dur="1" fill="hold">
+                                          <p:stCondLst>
+                                            <p:cond delay="0"/>
+                                          </p:stCondLst>
+                                        </p:cTn>
+                                        <p:tgtEl>
+                                          <p:spTgt spid="4">
+                                            <p:txEl>
+                                              <p:pRg st="5" end="5"/>
+                                            </p:txEl>
+                                          </p:spTgt>
+                                        </p:tgtEl>
+                                        <p:attrNameLst>
+                                          <p:attrName>style.visibility</p:attrName>
+                                        </p:attrNameLst>
+                                      </p:cBhvr>
+                                      <p:to>
+                                        <p:strVal val="visible"/>
+                                      </p:to>
+                                    </p:set>
+                                    <p:anim calcmode="lin" valueType="num">
+                                      <p:cBhvr additive="base">
+                                        <p:cTn id="37" dur="500" fill="hold"/>
+                                        <p:tgtEl>
+                                          <p:spTgt spid="4">
+                                            <p:txEl>
+                                              <p:pRg st="5" end="5"/>
+                                            </p:txEl>
+                                          </p:spTgt>
+                                        </p:tgtEl>
+                                        <p:attrNameLst>
+                                          <p:attrName>ppt_x</p:attrName>
+                                        </p:attrNameLst>
+                                      </p:cBhvr>
+                                      <p:tavLst>
+                                        <p:tav tm="0">
+                                          <p:val>
+                                            <p:strVal val="#ppt_x"/>
+                                          </p:val>
+                                        </p:tav>
+                                        <p:tav tm="100000">
+                                          <p:val>
+                                            <p:strVal val="#ppt_x"/>
+                                          </p:val>
+                                        </p:tav>
+                                      </p:tavLst>
+                                    </p:anim>
+                                    <p:anim calcmode="lin" valueType="num">
+                                      <p:cBhvr additive="base">
+                                        <p:cTn id="38" dur="500" fill="hold"/>
+                                        <p:tgtEl>
+                                          <p:spTgt spid="4">
+                                            <p:txEl>
+                                              <p:pRg st="5" end="5"/>
+                                            </p:txEl>
+                                          </p:spTgt>
+                                        </p:tgtEl>
+                                        <p:attrNameLst>
+                                          <p:attrName>ppt_y</p:attrName>
+                                        </p:attrNameLst>
+                                      </p:cBhvr>
+                                      <p:tavLst>
+                                        <p:tav tm="0">
+                                          <p:val>
+                                            <p:strVal val="1+#ppt_h/2"/>
+                                          </p:val>
+                                        </p:tav>
+                                        <p:tav tm="100000">
+                                          <p:val>
+                                            <p:strVal val="#ppt_y"/>
+                                          </p:val>
+                                        </p:tav>
+                                      </p:tavLst>
+                                    </p:anim>
+                                  </p:childTnLst>
+                                </p:cTn>
+                              </p:par>
+                            </p:childTnLst>
+                          </p:cTn>
+                        </p:par>
+                      </p:childTnLst>
+                    </p:cTn>
+                  </p:par>
+                  <p:par>
+                    <p:cTn id="39" fill="hold">
+                      <p:stCondLst>
+                        <p:cond delay="indefinite"/>
+                      </p:stCondLst>
+                      <p:childTnLst>
+                        <p:par>
+                          <p:cTn id="40" fill="hold">
+                            <p:stCondLst>
+                              <p:cond delay="0"/>
+                            </p:stCondLst>
+                            <p:childTnLst>
+                              <p:par>
+                                <p:cTn id="41" presetID="2" presetClass="entr" presetSubtype="4" fill="hold" nodeType="clickEffect">
+                                  <p:stCondLst>
+                                    <p:cond delay="0"/>
+                                  </p:stCondLst>
+                                  <p:childTnLst>
+                                    <p:set>
+                                      <p:cBhvr>
+                                        <p:cTn id="42" dur="1" fill="hold">
+                                          <p:stCondLst>
+                                            <p:cond delay="0"/>
+                                          </p:stCondLst>
+                                        </p:cTn>
+                                        <p:tgtEl>
+                                          <p:spTgt spid="4">
+                                            <p:txEl>
+                                              <p:pRg st="6" end="6"/>
+                                            </p:txEl>
+                                          </p:spTgt>
+                                        </p:tgtEl>
+                                        <p:attrNameLst>
+                                          <p:attrName>style.visibility</p:attrName>
+                                        </p:attrNameLst>
+                                      </p:cBhvr>
+                                      <p:to>
+                                        <p:strVal val="visible"/>
+                                      </p:to>
+                                    </p:set>
+                                    <p:anim calcmode="lin" valueType="num">
+                                      <p:cBhvr additive="base">
+                                        <p:cTn id="43" dur="500" fill="hold"/>
+                                        <p:tgtEl>
+                                          <p:spTgt spid="4">
+                                            <p:txEl>
+                                              <p:pRg st="6" end="6"/>
+                                            </p:txEl>
+                                          </p:spTgt>
+                                        </p:tgtEl>
+                                        <p:attrNameLst>
+                                          <p:attrName>ppt_x</p:attrName>
+                                        </p:attrNameLst>
+                                      </p:cBhvr>
+                                      <p:tavLst>
+                                        <p:tav tm="0">
+                                          <p:val>
+                                            <p:strVal val="#ppt_x"/>
+                                          </p:val>
+                                        </p:tav>
+                                        <p:tav tm="100000">
+                                          <p:val>
+                                            <p:strVal val="#ppt_x"/>
+                                          </p:val>
+                                        </p:tav>
+                                      </p:tavLst>
+                                    </p:anim>
+                                    <p:anim calcmode="lin" valueType="num">
+                                      <p:cBhvr additive="base">
+                                        <p:cTn id="44" dur="500" fill="hold"/>
+                                        <p:tgtEl>
+                                          <p:spTgt spid="4">
+                                            <p:txEl>
+                                              <p:pRg st="6" end="6"/>
+                                            </p:txEl>
+                                          </p:spTgt>
+                                        </p:tgtEl>
+                                        <p:attrNameLst>
+                                          <p:attrName>ppt_y</p:attrName>
+                                        </p:attrNameLst>
+                                      </p:cBhvr>
+                                      <p:tavLst>
+                                        <p:tav tm="0">
+                                          <p:val>
+                                            <p:strVal val="1+#ppt_h/2"/>
+                                          </p:val>
+                                        </p:tav>
+                                        <p:tav tm="100000">
+                                          <p:val>
+                                            <p:strVal val="#ppt_y"/>
+                                          </p:val>
+                                        </p:tav>
+                                      </p:tavLst>
+                                    </p:anim>
+                                  </p:childTnLst>
+                                </p:cTn>
+                              </p:par>
+                            </p:childTnLst>
+                          </p:cTn>
+                        </p:par>
+                      </p:childTnLst>
+                    </p:cTn>
+                  </p:par>
+                </p:childTnLst>
+              </p:cTn>
+              <p:prevCondLst>
+                <p:cond evt="onPrev" delay="0">
+                  <p:tgtEl>
+                    <p:sldTgt/>
+                  </p:tgtEl>
+                </p:cond>
+              </p:prevCondLst>
+              <p:nextCondLst>
+                <p:cond evt="onNext" delay="0">
+                  <p:tgtEl>
+                    <p:sldTgt/>
+                  </p:tgtEl>
+                </p:cond>
+              </p:nextCondLst>
+            </p:seq>
+          </p:childTnLst>
+        </p:cTn>
+      </p:par>
+    </p:tnLst>
+  </p:timing>
 </p:sld>
 </file>
 
@@ -10204,6 +8704,451 @@
   <p:transition spd="slow">
     <p:push dir="u"/>
   </p:transition>
+  <p:timing>
+    <p:tnLst>
+      <p:par>
+        <p:cTn id="1" dur="indefinite" restart="never" nodeType="tmRoot">
+          <p:childTnLst>
+            <p:seq concurrent="1" nextAc="seek">
+              <p:cTn id="2" dur="indefinite" nodeType="mainSeq">
+                <p:childTnLst>
+                  <p:par>
+                    <p:cTn id="3" fill="hold">
+                      <p:stCondLst>
+                        <p:cond delay="indefinite"/>
+                        <p:cond evt="onBegin" delay="0">
+                          <p:tn val="2"/>
+                        </p:cond>
+                      </p:stCondLst>
+                      <p:childTnLst>
+                        <p:par>
+                          <p:cTn id="4" fill="hold">
+                            <p:stCondLst>
+                              <p:cond delay="0"/>
+                            </p:stCondLst>
+                            <p:childTnLst>
+                              <p:par>
+                                <p:cTn id="5" presetID="2" presetClass="entr" presetSubtype="4" fill="hold" nodeType="afterEffect">
+                                  <p:stCondLst>
+                                    <p:cond delay="0"/>
+                                  </p:stCondLst>
+                                  <p:childTnLst>
+                                    <p:set>
+                                      <p:cBhvr>
+                                        <p:cTn id="6" dur="1" fill="hold">
+                                          <p:stCondLst>
+                                            <p:cond delay="0"/>
+                                          </p:stCondLst>
+                                        </p:cTn>
+                                        <p:tgtEl>
+                                          <p:spTgt spid="4">
+                                            <p:txEl>
+                                              <p:pRg st="1" end="1"/>
+                                            </p:txEl>
+                                          </p:spTgt>
+                                        </p:tgtEl>
+                                        <p:attrNameLst>
+                                          <p:attrName>style.visibility</p:attrName>
+                                        </p:attrNameLst>
+                                      </p:cBhvr>
+                                      <p:to>
+                                        <p:strVal val="visible"/>
+                                      </p:to>
+                                    </p:set>
+                                    <p:anim calcmode="lin" valueType="num">
+                                      <p:cBhvr additive="base">
+                                        <p:cTn id="7" dur="500" fill="hold"/>
+                                        <p:tgtEl>
+                                          <p:spTgt spid="4">
+                                            <p:txEl>
+                                              <p:pRg st="1" end="1"/>
+                                            </p:txEl>
+                                          </p:spTgt>
+                                        </p:tgtEl>
+                                        <p:attrNameLst>
+                                          <p:attrName>ppt_x</p:attrName>
+                                        </p:attrNameLst>
+                                      </p:cBhvr>
+                                      <p:tavLst>
+                                        <p:tav tm="0">
+                                          <p:val>
+                                            <p:strVal val="#ppt_x"/>
+                                          </p:val>
+                                        </p:tav>
+                                        <p:tav tm="100000">
+                                          <p:val>
+                                            <p:strVal val="#ppt_x"/>
+                                          </p:val>
+                                        </p:tav>
+                                      </p:tavLst>
+                                    </p:anim>
+                                    <p:anim calcmode="lin" valueType="num">
+                                      <p:cBhvr additive="base">
+                                        <p:cTn id="8" dur="500" fill="hold"/>
+                                        <p:tgtEl>
+                                          <p:spTgt spid="4">
+                                            <p:txEl>
+                                              <p:pRg st="1" end="1"/>
+                                            </p:txEl>
+                                          </p:spTgt>
+                                        </p:tgtEl>
+                                        <p:attrNameLst>
+                                          <p:attrName>ppt_y</p:attrName>
+                                        </p:attrNameLst>
+                                      </p:cBhvr>
+                                      <p:tavLst>
+                                        <p:tav tm="0">
+                                          <p:val>
+                                            <p:strVal val="1+#ppt_h/2"/>
+                                          </p:val>
+                                        </p:tav>
+                                        <p:tav tm="100000">
+                                          <p:val>
+                                            <p:strVal val="#ppt_y"/>
+                                          </p:val>
+                                        </p:tav>
+                                      </p:tavLst>
+                                    </p:anim>
+                                  </p:childTnLst>
+                                </p:cTn>
+                              </p:par>
+                            </p:childTnLst>
+                          </p:cTn>
+                        </p:par>
+                      </p:childTnLst>
+                    </p:cTn>
+                  </p:par>
+                  <p:par>
+                    <p:cTn id="9" fill="hold">
+                      <p:stCondLst>
+                        <p:cond delay="indefinite"/>
+                      </p:stCondLst>
+                      <p:childTnLst>
+                        <p:par>
+                          <p:cTn id="10" fill="hold">
+                            <p:stCondLst>
+                              <p:cond delay="0"/>
+                            </p:stCondLst>
+                            <p:childTnLst>
+                              <p:par>
+                                <p:cTn id="11" presetID="2" presetClass="entr" presetSubtype="4" fill="hold" nodeType="clickEffect">
+                                  <p:stCondLst>
+                                    <p:cond delay="0"/>
+                                  </p:stCondLst>
+                                  <p:childTnLst>
+                                    <p:set>
+                                      <p:cBhvr>
+                                        <p:cTn id="12" dur="1" fill="hold">
+                                          <p:stCondLst>
+                                            <p:cond delay="0"/>
+                                          </p:stCondLst>
+                                        </p:cTn>
+                                        <p:tgtEl>
+                                          <p:spTgt spid="4">
+                                            <p:txEl>
+                                              <p:pRg st="2" end="2"/>
+                                            </p:txEl>
+                                          </p:spTgt>
+                                        </p:tgtEl>
+                                        <p:attrNameLst>
+                                          <p:attrName>style.visibility</p:attrName>
+                                        </p:attrNameLst>
+                                      </p:cBhvr>
+                                      <p:to>
+                                        <p:strVal val="visible"/>
+                                      </p:to>
+                                    </p:set>
+                                    <p:anim calcmode="lin" valueType="num">
+                                      <p:cBhvr additive="base">
+                                        <p:cTn id="13" dur="500" fill="hold"/>
+                                        <p:tgtEl>
+                                          <p:spTgt spid="4">
+                                            <p:txEl>
+                                              <p:pRg st="2" end="2"/>
+                                            </p:txEl>
+                                          </p:spTgt>
+                                        </p:tgtEl>
+                                        <p:attrNameLst>
+                                          <p:attrName>ppt_x</p:attrName>
+                                        </p:attrNameLst>
+                                      </p:cBhvr>
+                                      <p:tavLst>
+                                        <p:tav tm="0">
+                                          <p:val>
+                                            <p:strVal val="#ppt_x"/>
+                                          </p:val>
+                                        </p:tav>
+                                        <p:tav tm="100000">
+                                          <p:val>
+                                            <p:strVal val="#ppt_x"/>
+                                          </p:val>
+                                        </p:tav>
+                                      </p:tavLst>
+                                    </p:anim>
+                                    <p:anim calcmode="lin" valueType="num">
+                                      <p:cBhvr additive="base">
+                                        <p:cTn id="14" dur="500" fill="hold"/>
+                                        <p:tgtEl>
+                                          <p:spTgt spid="4">
+                                            <p:txEl>
+                                              <p:pRg st="2" end="2"/>
+                                            </p:txEl>
+                                          </p:spTgt>
+                                        </p:tgtEl>
+                                        <p:attrNameLst>
+                                          <p:attrName>ppt_y</p:attrName>
+                                        </p:attrNameLst>
+                                      </p:cBhvr>
+                                      <p:tavLst>
+                                        <p:tav tm="0">
+                                          <p:val>
+                                            <p:strVal val="1+#ppt_h/2"/>
+                                          </p:val>
+                                        </p:tav>
+                                        <p:tav tm="100000">
+                                          <p:val>
+                                            <p:strVal val="#ppt_y"/>
+                                          </p:val>
+                                        </p:tav>
+                                      </p:tavLst>
+                                    </p:anim>
+                                  </p:childTnLst>
+                                </p:cTn>
+                              </p:par>
+                            </p:childTnLst>
+                          </p:cTn>
+                        </p:par>
+                      </p:childTnLst>
+                    </p:cTn>
+                  </p:par>
+                  <p:par>
+                    <p:cTn id="15" fill="hold">
+                      <p:stCondLst>
+                        <p:cond delay="indefinite"/>
+                      </p:stCondLst>
+                      <p:childTnLst>
+                        <p:par>
+                          <p:cTn id="16" fill="hold">
+                            <p:stCondLst>
+                              <p:cond delay="0"/>
+                            </p:stCondLst>
+                            <p:childTnLst>
+                              <p:par>
+                                <p:cTn id="17" presetID="2" presetClass="entr" presetSubtype="4" fill="hold" nodeType="clickEffect">
+                                  <p:stCondLst>
+                                    <p:cond delay="0"/>
+                                  </p:stCondLst>
+                                  <p:childTnLst>
+                                    <p:set>
+                                      <p:cBhvr>
+                                        <p:cTn id="18" dur="1" fill="hold">
+                                          <p:stCondLst>
+                                            <p:cond delay="0"/>
+                                          </p:stCondLst>
+                                        </p:cTn>
+                                        <p:tgtEl>
+                                          <p:spTgt spid="4">
+                                            <p:txEl>
+                                              <p:pRg st="3" end="3"/>
+                                            </p:txEl>
+                                          </p:spTgt>
+                                        </p:tgtEl>
+                                        <p:attrNameLst>
+                                          <p:attrName>style.visibility</p:attrName>
+                                        </p:attrNameLst>
+                                      </p:cBhvr>
+                                      <p:to>
+                                        <p:strVal val="visible"/>
+                                      </p:to>
+                                    </p:set>
+                                    <p:anim calcmode="lin" valueType="num">
+                                      <p:cBhvr additive="base">
+                                        <p:cTn id="19" dur="500" fill="hold"/>
+                                        <p:tgtEl>
+                                          <p:spTgt spid="4">
+                                            <p:txEl>
+                                              <p:pRg st="3" end="3"/>
+                                            </p:txEl>
+                                          </p:spTgt>
+                                        </p:tgtEl>
+                                        <p:attrNameLst>
+                                          <p:attrName>ppt_x</p:attrName>
+                                        </p:attrNameLst>
+                                      </p:cBhvr>
+                                      <p:tavLst>
+                                        <p:tav tm="0">
+                                          <p:val>
+                                            <p:strVal val="#ppt_x"/>
+                                          </p:val>
+                                        </p:tav>
+                                        <p:tav tm="100000">
+                                          <p:val>
+                                            <p:strVal val="#ppt_x"/>
+                                          </p:val>
+                                        </p:tav>
+                                      </p:tavLst>
+                                    </p:anim>
+                                    <p:anim calcmode="lin" valueType="num">
+                                      <p:cBhvr additive="base">
+                                        <p:cTn id="20" dur="500" fill="hold"/>
+                                        <p:tgtEl>
+                                          <p:spTgt spid="4">
+                                            <p:txEl>
+                                              <p:pRg st="3" end="3"/>
+                                            </p:txEl>
+                                          </p:spTgt>
+                                        </p:tgtEl>
+                                        <p:attrNameLst>
+                                          <p:attrName>ppt_y</p:attrName>
+                                        </p:attrNameLst>
+                                      </p:cBhvr>
+                                      <p:tavLst>
+                                        <p:tav tm="0">
+                                          <p:val>
+                                            <p:strVal val="1+#ppt_h/2"/>
+                                          </p:val>
+                                        </p:tav>
+                                        <p:tav tm="100000">
+                                          <p:val>
+                                            <p:strVal val="#ppt_y"/>
+                                          </p:val>
+                                        </p:tav>
+                                      </p:tavLst>
+                                    </p:anim>
+                                  </p:childTnLst>
+                                </p:cTn>
+                              </p:par>
+                            </p:childTnLst>
+                          </p:cTn>
+                        </p:par>
+                      </p:childTnLst>
+                    </p:cTn>
+                  </p:par>
+                  <p:par>
+                    <p:cTn id="21" fill="hold">
+                      <p:stCondLst>
+                        <p:cond delay="indefinite"/>
+                      </p:stCondLst>
+                      <p:childTnLst>
+                        <p:par>
+                          <p:cTn id="22" fill="hold">
+                            <p:stCondLst>
+                              <p:cond delay="0"/>
+                            </p:stCondLst>
+                            <p:childTnLst>
+                              <p:par>
+                                <p:cTn id="23" presetID="2" presetClass="entr" presetSubtype="4" fill="hold" nodeType="clickEffect">
+                                  <p:stCondLst>
+                                    <p:cond delay="0"/>
+                                  </p:stCondLst>
+                                  <p:childTnLst>
+                                    <p:set>
+                                      <p:cBhvr>
+                                        <p:cTn id="24" dur="1" fill="hold">
+                                          <p:stCondLst>
+                                            <p:cond delay="0"/>
+                                          </p:stCondLst>
+                                        </p:cTn>
+                                        <p:tgtEl>
+                                          <p:spTgt spid="4">
+                                            <p:txEl>
+                                              <p:pRg st="4" end="4"/>
+                                            </p:txEl>
+                                          </p:spTgt>
+                                        </p:tgtEl>
+                                        <p:attrNameLst>
+                                          <p:attrName>style.visibility</p:attrName>
+                                        </p:attrNameLst>
+                                      </p:cBhvr>
+                                      <p:to>
+                                        <p:strVal val="visible"/>
+                                      </p:to>
+                                    </p:set>
+                                    <p:anim calcmode="lin" valueType="num">
+                                      <p:cBhvr additive="base">
+                                        <p:cTn id="25" dur="500" fill="hold"/>
+                                        <p:tgtEl>
+                                          <p:spTgt spid="4">
+                                            <p:txEl>
+                                              <p:pRg st="4" end="4"/>
+                                            </p:txEl>
+                                          </p:spTgt>
+                                        </p:tgtEl>
+                                        <p:attrNameLst>
+                                          <p:attrName>ppt_x</p:attrName>
+                                        </p:attrNameLst>
+                                      </p:cBhvr>
+                                      <p:tavLst>
+                                        <p:tav tm="0">
+                                          <p:val>
+                                            <p:strVal val="#ppt_x"/>
+                                          </p:val>
+                                        </p:tav>
+                                        <p:tav tm="100000">
+                                          <p:val>
+                                            <p:strVal val="#ppt_x"/>
+                                          </p:val>
+                                        </p:tav>
+                                      </p:tavLst>
+                                    </p:anim>
+                                    <p:anim calcmode="lin" valueType="num">
+                                      <p:cBhvr additive="base">
+                                        <p:cTn id="26" dur="500" fill="hold"/>
+                                        <p:tgtEl>
+                                          <p:spTgt spid="4">
+                                            <p:txEl>
+                                              <p:pRg st="4" end="4"/>
+                                            </p:txEl>
+                                          </p:spTgt>
+                                        </p:tgtEl>
+                                        <p:attrNameLst>
+                                          <p:attrName>ppt_y</p:attrName>
+                                        </p:attrNameLst>
+                                      </p:cBhvr>
+                                      <p:tavLst>
+                                        <p:tav tm="0">
+                                          <p:val>
+                                            <p:strVal val="1+#ppt_h/2"/>
+                                          </p:val>
+                                        </p:tav>
+                                        <p:tav tm="100000">
+                                          <p:val>
+                                            <p:strVal val="#ppt_y"/>
+                                          </p:val>
+                                        </p:tav>
+                                      </p:tavLst>
+                                    </p:anim>
+                                  </p:childTnLst>
+                                </p:cTn>
+                              </p:par>
+                            </p:childTnLst>
+                          </p:cTn>
+                        </p:par>
+                      </p:childTnLst>
+                    </p:cTn>
+                  </p:par>
+                </p:childTnLst>
+              </p:cTn>
+              <p:prevCondLst>
+                <p:cond evt="onPrev" delay="0">
+                  <p:tgtEl>
+                    <p:sldTgt/>
+                  </p:tgtEl>
+                </p:cond>
+              </p:prevCondLst>
+              <p:nextCondLst>
+                <p:cond evt="onNext" delay="0">
+                  <p:tgtEl>
+                    <p:sldTgt/>
+                  </p:tgtEl>
+                </p:cond>
+              </p:nextCondLst>
+            </p:seq>
+          </p:childTnLst>
+        </p:cTn>
+      </p:par>
+    </p:tnLst>
+  </p:timing>
 </p:sld>
 </file>
 
@@ -10288,13 +9233,120 @@
           <a:p>
             <a:r>
               <a:rPr lang="hu-HU" dirty="0"/>
-              <a:t>Szerepelhet </a:t>
-            </a:r>
-            <a:r>
-              <a:rPr lang="hu-HU"/>
-              <a:t>az összehasonlító</a:t>
-            </a:r>
-            <a:endParaRPr lang="hu-HU" dirty="0"/>
+              <a:t>Szerepelhet az összehasonlító kifejezésben pl. =, &gt;, &lt;, </a:t>
+            </a:r>
+            <a:r>
+              <a:rPr lang="hu-HU" b="1" i="1" dirty="0">
+                <a:solidFill>
+                  <a:schemeClr val="accent1"/>
+                </a:solidFill>
+              </a:rPr>
+              <a:t>LIKE</a:t>
+            </a:r>
+          </a:p>
+          <a:p>
+            <a:r>
+              <a:rPr lang="hu-HU" dirty="0"/>
+              <a:t>Szerepelhet listakezelőben, mint </a:t>
+            </a:r>
+            <a:r>
+              <a:rPr lang="hu-HU" b="1" i="1" dirty="0">
+                <a:solidFill>
+                  <a:schemeClr val="accent1"/>
+                </a:solidFill>
+              </a:rPr>
+              <a:t>IN()</a:t>
+            </a:r>
+            <a:r>
+              <a:rPr lang="hu-HU" dirty="0"/>
+              <a:t>, </a:t>
+            </a:r>
+            <a:r>
+              <a:rPr lang="hu-HU" b="1" i="1" dirty="0">
+                <a:solidFill>
+                  <a:schemeClr val="accent1"/>
+                </a:solidFill>
+              </a:rPr>
+              <a:t>ANY()</a:t>
+            </a:r>
+            <a:r>
+              <a:rPr lang="hu-HU" dirty="0"/>
+              <a:t>,</a:t>
+            </a:r>
+            <a:r>
+              <a:rPr lang="hu-HU" b="1" i="1" dirty="0">
+                <a:solidFill>
+                  <a:schemeClr val="accent1"/>
+                </a:solidFill>
+              </a:rPr>
+              <a:t> ALL()</a:t>
+            </a:r>
+          </a:p>
+          <a:p>
+            <a:r>
+              <a:rPr lang="hu-HU" dirty="0"/>
+              <a:t>A külső lekérdezés neve </a:t>
+            </a:r>
+            <a:r>
+              <a:rPr lang="hu-HU" b="1" i="1" dirty="0">
+                <a:solidFill>
+                  <a:schemeClr val="accent1"/>
+                </a:solidFill>
+              </a:rPr>
+              <a:t>fő</a:t>
+            </a:r>
+            <a:r>
+              <a:rPr lang="hu-HU" dirty="0"/>
+              <a:t> </a:t>
+            </a:r>
+            <a:r>
+              <a:rPr lang="hu-HU" b="1" i="1" dirty="0">
+                <a:solidFill>
+                  <a:schemeClr val="accent1"/>
+                </a:solidFill>
+              </a:rPr>
+              <a:t>lekérdezés</a:t>
+            </a:r>
+            <a:r>
+              <a:rPr lang="hu-HU" dirty="0"/>
+              <a:t> (</a:t>
+            </a:r>
+            <a:r>
+              <a:rPr lang="hu-HU" b="1" i="1" dirty="0">
+                <a:solidFill>
+                  <a:schemeClr val="accent1"/>
+                </a:solidFill>
+              </a:rPr>
+              <a:t>main</a:t>
+            </a:r>
+            <a:r>
+              <a:rPr lang="hu-HU" dirty="0"/>
+              <a:t> </a:t>
+            </a:r>
+            <a:r>
+              <a:rPr lang="hu-HU" b="1" i="1" dirty="0" err="1">
+                <a:solidFill>
+                  <a:schemeClr val="accent1"/>
+                </a:solidFill>
+              </a:rPr>
+              <a:t>query</a:t>
+            </a:r>
+            <a:r>
+              <a:rPr lang="hu-HU" dirty="0"/>
+              <a:t>)</a:t>
+            </a:r>
+          </a:p>
+          <a:p>
+            <a:r>
+              <a:rPr lang="hu-HU" dirty="0"/>
+              <a:t>Először ez fut le, az eredményei átadódnak a főnek.</a:t>
+            </a:r>
+          </a:p>
+          <a:p>
+            <a:r>
+              <a:rPr lang="hu-HU" dirty="0"/>
+              <a:t>Mindig zárójelben kell lennie.</a:t>
+            </a:r>
           </a:p>
         </p:txBody>
       </p:sp>
@@ -10311,6 +9363,554 @@
   <p:transition spd="slow">
     <p:push dir="u"/>
   </p:transition>
+  <p:timing>
+    <p:tnLst>
+      <p:par>
+        <p:cTn id="1" dur="indefinite" restart="never" nodeType="tmRoot">
+          <p:childTnLst>
+            <p:seq concurrent="1" nextAc="seek">
+              <p:cTn id="2" dur="indefinite" nodeType="mainSeq">
+                <p:childTnLst>
+                  <p:par>
+                    <p:cTn id="3" fill="hold">
+                      <p:stCondLst>
+                        <p:cond delay="indefinite"/>
+                        <p:cond evt="onBegin" delay="0">
+                          <p:tn val="2"/>
+                        </p:cond>
+                      </p:stCondLst>
+                      <p:childTnLst>
+                        <p:par>
+                          <p:cTn id="4" fill="hold">
+                            <p:stCondLst>
+                              <p:cond delay="0"/>
+                            </p:stCondLst>
+                            <p:childTnLst>
+                              <p:par>
+                                <p:cTn id="5" presetID="2" presetClass="entr" presetSubtype="4" fill="hold" nodeType="afterEffect">
+                                  <p:stCondLst>
+                                    <p:cond delay="0"/>
+                                  </p:stCondLst>
+                                  <p:childTnLst>
+                                    <p:set>
+                                      <p:cBhvr>
+                                        <p:cTn id="6" dur="1" fill="hold">
+                                          <p:stCondLst>
+                                            <p:cond delay="0"/>
+                                          </p:stCondLst>
+                                        </p:cTn>
+                                        <p:tgtEl>
+                                          <p:spTgt spid="4">
+                                            <p:txEl>
+                                              <p:pRg st="1" end="1"/>
+                                            </p:txEl>
+                                          </p:spTgt>
+                                        </p:tgtEl>
+                                        <p:attrNameLst>
+                                          <p:attrName>style.visibility</p:attrName>
+                                        </p:attrNameLst>
+                                      </p:cBhvr>
+                                      <p:to>
+                                        <p:strVal val="visible"/>
+                                      </p:to>
+                                    </p:set>
+                                    <p:anim calcmode="lin" valueType="num">
+                                      <p:cBhvr additive="base">
+                                        <p:cTn id="7" dur="500" fill="hold"/>
+                                        <p:tgtEl>
+                                          <p:spTgt spid="4">
+                                            <p:txEl>
+                                              <p:pRg st="1" end="1"/>
+                                            </p:txEl>
+                                          </p:spTgt>
+                                        </p:tgtEl>
+                                        <p:attrNameLst>
+                                          <p:attrName>ppt_x</p:attrName>
+                                        </p:attrNameLst>
+                                      </p:cBhvr>
+                                      <p:tavLst>
+                                        <p:tav tm="0">
+                                          <p:val>
+                                            <p:strVal val="#ppt_x"/>
+                                          </p:val>
+                                        </p:tav>
+                                        <p:tav tm="100000">
+                                          <p:val>
+                                            <p:strVal val="#ppt_x"/>
+                                          </p:val>
+                                        </p:tav>
+                                      </p:tavLst>
+                                    </p:anim>
+                                    <p:anim calcmode="lin" valueType="num">
+                                      <p:cBhvr additive="base">
+                                        <p:cTn id="8" dur="500" fill="hold"/>
+                                        <p:tgtEl>
+                                          <p:spTgt spid="4">
+                                            <p:txEl>
+                                              <p:pRg st="1" end="1"/>
+                                            </p:txEl>
+                                          </p:spTgt>
+                                        </p:tgtEl>
+                                        <p:attrNameLst>
+                                          <p:attrName>ppt_y</p:attrName>
+                                        </p:attrNameLst>
+                                      </p:cBhvr>
+                                      <p:tavLst>
+                                        <p:tav tm="0">
+                                          <p:val>
+                                            <p:strVal val="1+#ppt_h/2"/>
+                                          </p:val>
+                                        </p:tav>
+                                        <p:tav tm="100000">
+                                          <p:val>
+                                            <p:strVal val="#ppt_y"/>
+                                          </p:val>
+                                        </p:tav>
+                                      </p:tavLst>
+                                    </p:anim>
+                                  </p:childTnLst>
+                                </p:cTn>
+                              </p:par>
+                            </p:childTnLst>
+                          </p:cTn>
+                        </p:par>
+                      </p:childTnLst>
+                    </p:cTn>
+                  </p:par>
+                  <p:par>
+                    <p:cTn id="9" fill="hold">
+                      <p:stCondLst>
+                        <p:cond delay="indefinite"/>
+                      </p:stCondLst>
+                      <p:childTnLst>
+                        <p:par>
+                          <p:cTn id="10" fill="hold">
+                            <p:stCondLst>
+                              <p:cond delay="0"/>
+                            </p:stCondLst>
+                            <p:childTnLst>
+                              <p:par>
+                                <p:cTn id="11" presetID="2" presetClass="entr" presetSubtype="4" fill="hold" nodeType="clickEffect">
+                                  <p:stCondLst>
+                                    <p:cond delay="0"/>
+                                  </p:stCondLst>
+                                  <p:childTnLst>
+                                    <p:set>
+                                      <p:cBhvr>
+                                        <p:cTn id="12" dur="1" fill="hold">
+                                          <p:stCondLst>
+                                            <p:cond delay="0"/>
+                                          </p:stCondLst>
+                                        </p:cTn>
+                                        <p:tgtEl>
+                                          <p:spTgt spid="4">
+                                            <p:txEl>
+                                              <p:pRg st="2" end="2"/>
+                                            </p:txEl>
+                                          </p:spTgt>
+                                        </p:tgtEl>
+                                        <p:attrNameLst>
+                                          <p:attrName>style.visibility</p:attrName>
+                                        </p:attrNameLst>
+                                      </p:cBhvr>
+                                      <p:to>
+                                        <p:strVal val="visible"/>
+                                      </p:to>
+                                    </p:set>
+                                    <p:anim calcmode="lin" valueType="num">
+                                      <p:cBhvr additive="base">
+                                        <p:cTn id="13" dur="500" fill="hold"/>
+                                        <p:tgtEl>
+                                          <p:spTgt spid="4">
+                                            <p:txEl>
+                                              <p:pRg st="2" end="2"/>
+                                            </p:txEl>
+                                          </p:spTgt>
+                                        </p:tgtEl>
+                                        <p:attrNameLst>
+                                          <p:attrName>ppt_x</p:attrName>
+                                        </p:attrNameLst>
+                                      </p:cBhvr>
+                                      <p:tavLst>
+                                        <p:tav tm="0">
+                                          <p:val>
+                                            <p:strVal val="#ppt_x"/>
+                                          </p:val>
+                                        </p:tav>
+                                        <p:tav tm="100000">
+                                          <p:val>
+                                            <p:strVal val="#ppt_x"/>
+                                          </p:val>
+                                        </p:tav>
+                                      </p:tavLst>
+                                    </p:anim>
+                                    <p:anim calcmode="lin" valueType="num">
+                                      <p:cBhvr additive="base">
+                                        <p:cTn id="14" dur="500" fill="hold"/>
+                                        <p:tgtEl>
+                                          <p:spTgt spid="4">
+                                            <p:txEl>
+                                              <p:pRg st="2" end="2"/>
+                                            </p:txEl>
+                                          </p:spTgt>
+                                        </p:tgtEl>
+                                        <p:attrNameLst>
+                                          <p:attrName>ppt_y</p:attrName>
+                                        </p:attrNameLst>
+                                      </p:cBhvr>
+                                      <p:tavLst>
+                                        <p:tav tm="0">
+                                          <p:val>
+                                            <p:strVal val="1+#ppt_h/2"/>
+                                          </p:val>
+                                        </p:tav>
+                                        <p:tav tm="100000">
+                                          <p:val>
+                                            <p:strVal val="#ppt_y"/>
+                                          </p:val>
+                                        </p:tav>
+                                      </p:tavLst>
+                                    </p:anim>
+                                  </p:childTnLst>
+                                </p:cTn>
+                              </p:par>
+                            </p:childTnLst>
+                          </p:cTn>
+                        </p:par>
+                      </p:childTnLst>
+                    </p:cTn>
+                  </p:par>
+                  <p:par>
+                    <p:cTn id="15" fill="hold">
+                      <p:stCondLst>
+                        <p:cond delay="indefinite"/>
+                      </p:stCondLst>
+                      <p:childTnLst>
+                        <p:par>
+                          <p:cTn id="16" fill="hold">
+                            <p:stCondLst>
+                              <p:cond delay="0"/>
+                            </p:stCondLst>
+                            <p:childTnLst>
+                              <p:par>
+                                <p:cTn id="17" presetID="2" presetClass="entr" presetSubtype="4" fill="hold" nodeType="clickEffect">
+                                  <p:stCondLst>
+                                    <p:cond delay="0"/>
+                                  </p:stCondLst>
+                                  <p:childTnLst>
+                                    <p:set>
+                                      <p:cBhvr>
+                                        <p:cTn id="18" dur="1" fill="hold">
+                                          <p:stCondLst>
+                                            <p:cond delay="0"/>
+                                          </p:stCondLst>
+                                        </p:cTn>
+                                        <p:tgtEl>
+                                          <p:spTgt spid="4">
+                                            <p:txEl>
+                                              <p:pRg st="3" end="3"/>
+                                            </p:txEl>
+                                          </p:spTgt>
+                                        </p:tgtEl>
+                                        <p:attrNameLst>
+                                          <p:attrName>style.visibility</p:attrName>
+                                        </p:attrNameLst>
+                                      </p:cBhvr>
+                                      <p:to>
+                                        <p:strVal val="visible"/>
+                                      </p:to>
+                                    </p:set>
+                                    <p:anim calcmode="lin" valueType="num">
+                                      <p:cBhvr additive="base">
+                                        <p:cTn id="19" dur="500" fill="hold"/>
+                                        <p:tgtEl>
+                                          <p:spTgt spid="4">
+                                            <p:txEl>
+                                              <p:pRg st="3" end="3"/>
+                                            </p:txEl>
+                                          </p:spTgt>
+                                        </p:tgtEl>
+                                        <p:attrNameLst>
+                                          <p:attrName>ppt_x</p:attrName>
+                                        </p:attrNameLst>
+                                      </p:cBhvr>
+                                      <p:tavLst>
+                                        <p:tav tm="0">
+                                          <p:val>
+                                            <p:strVal val="#ppt_x"/>
+                                          </p:val>
+                                        </p:tav>
+                                        <p:tav tm="100000">
+                                          <p:val>
+                                            <p:strVal val="#ppt_x"/>
+                                          </p:val>
+                                        </p:tav>
+                                      </p:tavLst>
+                                    </p:anim>
+                                    <p:anim calcmode="lin" valueType="num">
+                                      <p:cBhvr additive="base">
+                                        <p:cTn id="20" dur="500" fill="hold"/>
+                                        <p:tgtEl>
+                                          <p:spTgt spid="4">
+                                            <p:txEl>
+                                              <p:pRg st="3" end="3"/>
+                                            </p:txEl>
+                                          </p:spTgt>
+                                        </p:tgtEl>
+                                        <p:attrNameLst>
+                                          <p:attrName>ppt_y</p:attrName>
+                                        </p:attrNameLst>
+                                      </p:cBhvr>
+                                      <p:tavLst>
+                                        <p:tav tm="0">
+                                          <p:val>
+                                            <p:strVal val="1+#ppt_h/2"/>
+                                          </p:val>
+                                        </p:tav>
+                                        <p:tav tm="100000">
+                                          <p:val>
+                                            <p:strVal val="#ppt_y"/>
+                                          </p:val>
+                                        </p:tav>
+                                      </p:tavLst>
+                                    </p:anim>
+                                  </p:childTnLst>
+                                </p:cTn>
+                              </p:par>
+                            </p:childTnLst>
+                          </p:cTn>
+                        </p:par>
+                      </p:childTnLst>
+                    </p:cTn>
+                  </p:par>
+                  <p:par>
+                    <p:cTn id="21" fill="hold">
+                      <p:stCondLst>
+                        <p:cond delay="indefinite"/>
+                      </p:stCondLst>
+                      <p:childTnLst>
+                        <p:par>
+                          <p:cTn id="22" fill="hold">
+                            <p:stCondLst>
+                              <p:cond delay="0"/>
+                            </p:stCondLst>
+                            <p:childTnLst>
+                              <p:par>
+                                <p:cTn id="23" presetID="2" presetClass="entr" presetSubtype="4" fill="hold" nodeType="clickEffect">
+                                  <p:stCondLst>
+                                    <p:cond delay="0"/>
+                                  </p:stCondLst>
+                                  <p:childTnLst>
+                                    <p:set>
+                                      <p:cBhvr>
+                                        <p:cTn id="24" dur="1" fill="hold">
+                                          <p:stCondLst>
+                                            <p:cond delay="0"/>
+                                          </p:stCondLst>
+                                        </p:cTn>
+                                        <p:tgtEl>
+                                          <p:spTgt spid="4">
+                                            <p:txEl>
+                                              <p:pRg st="4" end="4"/>
+                                            </p:txEl>
+                                          </p:spTgt>
+                                        </p:tgtEl>
+                                        <p:attrNameLst>
+                                          <p:attrName>style.visibility</p:attrName>
+                                        </p:attrNameLst>
+                                      </p:cBhvr>
+                                      <p:to>
+                                        <p:strVal val="visible"/>
+                                      </p:to>
+                                    </p:set>
+                                    <p:anim calcmode="lin" valueType="num">
+                                      <p:cBhvr additive="base">
+                                        <p:cTn id="25" dur="500" fill="hold"/>
+                                        <p:tgtEl>
+                                          <p:spTgt spid="4">
+                                            <p:txEl>
+                                              <p:pRg st="4" end="4"/>
+                                            </p:txEl>
+                                          </p:spTgt>
+                                        </p:tgtEl>
+                                        <p:attrNameLst>
+                                          <p:attrName>ppt_x</p:attrName>
+                                        </p:attrNameLst>
+                                      </p:cBhvr>
+                                      <p:tavLst>
+                                        <p:tav tm="0">
+                                          <p:val>
+                                            <p:strVal val="#ppt_x"/>
+                                          </p:val>
+                                        </p:tav>
+                                        <p:tav tm="100000">
+                                          <p:val>
+                                            <p:strVal val="#ppt_x"/>
+                                          </p:val>
+                                        </p:tav>
+                                      </p:tavLst>
+                                    </p:anim>
+                                    <p:anim calcmode="lin" valueType="num">
+                                      <p:cBhvr additive="base">
+                                        <p:cTn id="26" dur="500" fill="hold"/>
+                                        <p:tgtEl>
+                                          <p:spTgt spid="4">
+                                            <p:txEl>
+                                              <p:pRg st="4" end="4"/>
+                                            </p:txEl>
+                                          </p:spTgt>
+                                        </p:tgtEl>
+                                        <p:attrNameLst>
+                                          <p:attrName>ppt_y</p:attrName>
+                                        </p:attrNameLst>
+                                      </p:cBhvr>
+                                      <p:tavLst>
+                                        <p:tav tm="0">
+                                          <p:val>
+                                            <p:strVal val="1+#ppt_h/2"/>
+                                          </p:val>
+                                        </p:tav>
+                                        <p:tav tm="100000">
+                                          <p:val>
+                                            <p:strVal val="#ppt_y"/>
+                                          </p:val>
+                                        </p:tav>
+                                      </p:tavLst>
+                                    </p:anim>
+                                  </p:childTnLst>
+                                </p:cTn>
+                              </p:par>
+                            </p:childTnLst>
+                          </p:cTn>
+                        </p:par>
+                      </p:childTnLst>
+                    </p:cTn>
+                  </p:par>
+                  <p:par>
+                    <p:cTn id="27" fill="hold">
+                      <p:stCondLst>
+                        <p:cond delay="indefinite"/>
+                      </p:stCondLst>
+                      <p:childTnLst>
+                        <p:par>
+                          <p:cTn id="28" fill="hold">
+                            <p:stCondLst>
+                              <p:cond delay="0"/>
+                            </p:stCondLst>
+                            <p:childTnLst>
+                              <p:par>
+                                <p:cTn id="29" presetID="2" presetClass="entr" presetSubtype="4" fill="hold" nodeType="clickEffect">
+                                  <p:stCondLst>
+                                    <p:cond delay="0"/>
+                                  </p:stCondLst>
+                                  <p:childTnLst>
+                                    <p:set>
+                                      <p:cBhvr>
+                                        <p:cTn id="30" dur="1" fill="hold">
+                                          <p:stCondLst>
+                                            <p:cond delay="0"/>
+                                          </p:stCondLst>
+                                        </p:cTn>
+                                        <p:tgtEl>
+                                          <p:spTgt spid="4">
+                                            <p:txEl>
+                                              <p:pRg st="5" end="5"/>
+                                            </p:txEl>
+                                          </p:spTgt>
+                                        </p:tgtEl>
+                                        <p:attrNameLst>
+                                          <p:attrName>style.visibility</p:attrName>
+                                        </p:attrNameLst>
+                                      </p:cBhvr>
+                                      <p:to>
+                                        <p:strVal val="visible"/>
+                                      </p:to>
+                                    </p:set>
+                                    <p:anim calcmode="lin" valueType="num">
+                                      <p:cBhvr additive="base">
+                                        <p:cTn id="31" dur="500" fill="hold"/>
+                                        <p:tgtEl>
+                                          <p:spTgt spid="4">
+                                            <p:txEl>
+                                              <p:pRg st="5" end="5"/>
+                                            </p:txEl>
+                                          </p:spTgt>
+                                        </p:tgtEl>
+                                        <p:attrNameLst>
+                                          <p:attrName>ppt_x</p:attrName>
+                                        </p:attrNameLst>
+                                      </p:cBhvr>
+                                      <p:tavLst>
+                                        <p:tav tm="0">
+                                          <p:val>
+                                            <p:strVal val="#ppt_x"/>
+                                          </p:val>
+                                        </p:tav>
+                                        <p:tav tm="100000">
+                                          <p:val>
+                                            <p:strVal val="#ppt_x"/>
+                                          </p:val>
+                                        </p:tav>
+                                      </p:tavLst>
+                                    </p:anim>
+                                    <p:anim calcmode="lin" valueType="num">
+                                      <p:cBhvr additive="base">
+                                        <p:cTn id="32" dur="500" fill="hold"/>
+                                        <p:tgtEl>
+                                          <p:spTgt spid="4">
+                                            <p:txEl>
+                                              <p:pRg st="5" end="5"/>
+                                            </p:txEl>
+                                          </p:spTgt>
+                                        </p:tgtEl>
+                                        <p:attrNameLst>
+                                          <p:attrName>ppt_y</p:attrName>
+                                        </p:attrNameLst>
+                                      </p:cBhvr>
+                                      <p:tavLst>
+                                        <p:tav tm="0">
+                                          <p:val>
+                                            <p:strVal val="1+#ppt_h/2"/>
+                                          </p:val>
+                                        </p:tav>
+                                        <p:tav tm="100000">
+                                          <p:val>
+                                            <p:strVal val="#ppt_y"/>
+                                          </p:val>
+                                        </p:tav>
+                                      </p:tavLst>
+                                    </p:anim>
+                                  </p:childTnLst>
+                                </p:cTn>
+                              </p:par>
+                            </p:childTnLst>
+                          </p:cTn>
+                        </p:par>
+                      </p:childTnLst>
+                    </p:cTn>
+                  </p:par>
+                </p:childTnLst>
+              </p:cTn>
+              <p:prevCondLst>
+                <p:cond evt="onPrev" delay="0">
+                  <p:tgtEl>
+                    <p:sldTgt/>
+                  </p:tgtEl>
+                </p:cond>
+              </p:prevCondLst>
+              <p:nextCondLst>
+                <p:cond evt="onNext" delay="0">
+                  <p:tgtEl>
+                    <p:sldTgt/>
+                  </p:tgtEl>
+                </p:cond>
+              </p:nextCondLst>
+            </p:seq>
+          </p:childTnLst>
+        </p:cTn>
+      </p:par>
+    </p:tnLst>
+  </p:timing>
 </p:sld>
 </file>
 
@@ -10347,8 +9947,20 @@
           <a:lstStyle/>
           <a:p>
             <a:r>
+              <a:rPr lang="hu-HU" dirty="0" err="1"/>
+              <a:t>Allekérdezés</a:t>
+            </a:r>
+            <a:r>
               <a:rPr lang="hu-HU" dirty="0"/>
-              <a:t>EK modell elemei</a:t>
+              <a:t> – </a:t>
+            </a:r>
+            <a:r>
+              <a:rPr lang="hu-HU" dirty="0" err="1"/>
+              <a:t>Subquery</a:t>
+            </a:r>
+            <a:r>
+              <a:rPr lang="hu-HU" dirty="0"/>
+              <a:t> – Típusai</a:t>
             </a:r>
           </a:p>
         </p:txBody>
@@ -10366,11 +9978,13 @@
         <p:spPr>
           <a:xfrm>
             <a:off x="818712" y="2222287"/>
-            <a:ext cx="10554574" cy="1983953"/>
+            <a:ext cx="10554574" cy="4188525"/>
           </a:xfrm>
         </p:spPr>
         <p:txBody>
-          <a:bodyPr/>
+          <a:bodyPr anchor="ctr">
+            <a:normAutofit/>
+          </a:bodyPr>
           <a:lstStyle/>
           <a:p>
             <a:pPr marL="0" indent="0">
@@ -10382,379 +9996,227 @@
                   <a:schemeClr val="accent1"/>
                 </a:solidFill>
               </a:rPr>
-              <a:t>http://users.iit.uni-miskolc.hu/~debreceni/db/dbgyak_er_rel.pdf</a:t>
+              <a:t>1. típus: </a:t>
+            </a:r>
+            <a:r>
+              <a:rPr lang="hu-HU" dirty="0"/>
+              <a:t>Csak </a:t>
+            </a:r>
+            <a:r>
+              <a:rPr lang="hu-HU" b="1" i="1" dirty="0">
+                <a:solidFill>
+                  <a:schemeClr val="accent1"/>
+                </a:solidFill>
+              </a:rPr>
+              <a:t>1 érték</a:t>
+            </a:r>
+            <a:r>
+              <a:rPr lang="hu-HU" dirty="0"/>
+              <a:t>et ad vissza (</a:t>
+            </a:r>
+            <a:r>
+              <a:rPr lang="hu-HU" i="1" dirty="0" err="1"/>
+              <a:t>Scalar</a:t>
+            </a:r>
+            <a:r>
+              <a:rPr lang="hu-HU" i="1" dirty="0"/>
+              <a:t> </a:t>
+            </a:r>
+            <a:r>
+              <a:rPr lang="hu-HU" i="1" dirty="0" err="1"/>
+              <a:t>Subqueries</a:t>
+            </a:r>
+            <a:r>
+              <a:rPr lang="hu-HU" dirty="0"/>
+              <a:t>)</a:t>
+            </a:r>
+            <a:br>
+              <a:rPr lang="hu-HU" dirty="0"/>
+            </a:br>
+            <a:r>
+              <a:rPr lang="hu-HU" dirty="0"/>
+              <a:t>Minden olyan helyen használható, ahol csak 1 érték szerepelhet a fő lekérdezésben.</a:t>
+            </a:r>
+          </a:p>
+          <a:p>
+            <a:pPr marL="0" indent="0">
+              <a:buNone/>
+            </a:pPr>
+            <a:r>
+              <a:rPr lang="hu-HU" dirty="0"/>
+              <a:t>Például:</a:t>
+            </a:r>
+          </a:p>
+          <a:p>
+            <a:pPr marL="0" indent="0">
+              <a:buNone/>
+            </a:pPr>
+            <a:r>
+              <a:rPr lang="hu-HU" b="1" i="1" dirty="0">
+                <a:solidFill>
+                  <a:schemeClr val="accent1"/>
+                </a:solidFill>
+              </a:rPr>
+              <a:t>	</a:t>
+            </a:r>
+            <a:r>
+              <a:rPr lang="en-US" b="1" i="1" dirty="0">
+                <a:solidFill>
+                  <a:schemeClr val="accent1"/>
+                </a:solidFill>
+              </a:rPr>
+              <a:t>SELECT * FROM </a:t>
+            </a:r>
+            <a:r>
+              <a:rPr lang="en-US" dirty="0"/>
+              <a:t>t1 </a:t>
+            </a:r>
+            <a:r>
+              <a:rPr lang="en-US" b="1" i="1" dirty="0">
+                <a:solidFill>
+                  <a:schemeClr val="accent1"/>
+                </a:solidFill>
+              </a:rPr>
+              <a:t>WHERE</a:t>
+            </a:r>
+            <a:r>
+              <a:rPr lang="en-US" dirty="0"/>
+              <a:t> (</a:t>
+            </a:r>
+            <a:r>
+              <a:rPr lang="en-US" b="1" i="1" dirty="0">
+                <a:solidFill>
+                  <a:schemeClr val="accent1"/>
+                </a:solidFill>
+              </a:rPr>
+              <a:t>SELECT</a:t>
+            </a:r>
+            <a:r>
+              <a:rPr lang="en-US" dirty="0"/>
+              <a:t> </a:t>
+            </a:r>
+            <a:r>
+              <a:rPr lang="en-US" b="1" i="1" dirty="0">
+                <a:solidFill>
+                  <a:schemeClr val="accent1"/>
+                </a:solidFill>
+              </a:rPr>
+              <a:t>SUM</a:t>
+            </a:r>
+            <a:r>
+              <a:rPr lang="en-US" dirty="0"/>
+              <a:t>(mezo2) </a:t>
+            </a:r>
+            <a:r>
+              <a:rPr lang="en-US" b="1" i="1" dirty="0">
+                <a:solidFill>
+                  <a:schemeClr val="accent1"/>
+                </a:solidFill>
+              </a:rPr>
+              <a:t>FROM</a:t>
+            </a:r>
+            <a:r>
+              <a:rPr lang="en-US" dirty="0"/>
+              <a:t> t2) &gt; mezo1;</a:t>
             </a:r>
             <a:endParaRPr lang="hu-HU" dirty="0"/>
           </a:p>
+          <a:p>
+            <a:pPr marL="0" indent="0">
+              <a:buNone/>
+            </a:pPr>
+            <a:r>
+              <a:rPr lang="hu-HU" b="1" i="1" dirty="0">
+                <a:solidFill>
+                  <a:schemeClr val="accent1"/>
+                </a:solidFill>
+              </a:rPr>
+              <a:t>	</a:t>
+            </a:r>
+            <a:r>
+              <a:rPr lang="en-US" b="1" i="1" dirty="0">
+                <a:solidFill>
+                  <a:schemeClr val="accent1"/>
+                </a:solidFill>
+              </a:rPr>
+              <a:t>SELECT </a:t>
+            </a:r>
+            <a:r>
+              <a:rPr lang="hu-HU" dirty="0"/>
+              <a:t>mezo1 * </a:t>
+            </a:r>
+            <a:r>
+              <a:rPr lang="en-US" dirty="0"/>
+              <a:t>(</a:t>
+            </a:r>
+            <a:r>
+              <a:rPr lang="en-US" b="1" i="1" dirty="0">
+                <a:solidFill>
+                  <a:schemeClr val="accent1"/>
+                </a:solidFill>
+              </a:rPr>
+              <a:t>SELECT</a:t>
+            </a:r>
+            <a:r>
+              <a:rPr lang="en-US" dirty="0"/>
+              <a:t> </a:t>
+            </a:r>
+            <a:r>
+              <a:rPr lang="hu-HU" b="1" i="1" dirty="0">
+                <a:solidFill>
+                  <a:schemeClr val="accent1"/>
+                </a:solidFill>
+              </a:rPr>
+              <a:t>MAX</a:t>
+            </a:r>
+            <a:r>
+              <a:rPr lang="en-US" dirty="0"/>
+              <a:t>(mezo2) </a:t>
+            </a:r>
+            <a:r>
+              <a:rPr lang="en-US" b="1" i="1" dirty="0">
+                <a:solidFill>
+                  <a:schemeClr val="accent1"/>
+                </a:solidFill>
+              </a:rPr>
+              <a:t>FROM</a:t>
+            </a:r>
+            <a:r>
+              <a:rPr lang="en-US" dirty="0"/>
+              <a:t> t2)</a:t>
+            </a:r>
+            <a:r>
+              <a:rPr lang="en-US" b="1" i="1" dirty="0">
+                <a:solidFill>
+                  <a:schemeClr val="accent1"/>
+                </a:solidFill>
+              </a:rPr>
+              <a:t> FROM </a:t>
+            </a:r>
+            <a:r>
+              <a:rPr lang="en-US" dirty="0"/>
+              <a:t>t1;</a:t>
+            </a:r>
+            <a:endParaRPr lang="hu-HU" dirty="0"/>
+          </a:p>
+          <a:p>
+            <a:pPr marL="0" indent="0">
+              <a:buNone/>
+            </a:pPr>
+            <a:endParaRPr lang="hu-HU" dirty="0"/>
+          </a:p>
+          <a:p>
+            <a:pPr marL="0" indent="0">
+              <a:buNone/>
+            </a:pPr>
+            <a:endParaRPr lang="hu-HU" dirty="0"/>
+          </a:p>
         </p:txBody>
       </p:sp>
-      <p:graphicFrame>
-        <p:nvGraphicFramePr>
-          <p:cNvPr id="14" name="Táblázat 13">
-            <a:extLst>
-              <a:ext uri="{FF2B5EF4-FFF2-40B4-BE49-F238E27FC236}">
-                <a16:creationId xmlns:a16="http://schemas.microsoft.com/office/drawing/2014/main" id="{EDBE4861-9AEE-427B-8200-1059C96F7958}"/>
-              </a:ext>
-            </a:extLst>
-          </p:cNvPr>
-          <p:cNvGraphicFramePr>
-            <a:graphicFrameLocks noGrp="1"/>
-          </p:cNvGraphicFramePr>
-          <p:nvPr>
-            <p:extLst>
-              <p:ext uri="{D42A27DB-BD31-4B8C-83A1-F6EECF244321}">
-                <p14:modId xmlns:p14="http://schemas.microsoft.com/office/powerpoint/2010/main" val="4034540182"/>
-              </p:ext>
-            </p:extLst>
-          </p:nvPr>
-        </p:nvGraphicFramePr>
-        <p:xfrm>
-          <a:off x="929249" y="3865772"/>
-          <a:ext cx="6955791" cy="1483360"/>
-        </p:xfrm>
-        <a:graphic>
-          <a:graphicData uri="http://schemas.openxmlformats.org/drawingml/2006/table">
-            <a:tbl>
-              <a:tblPr firstRow="1" bandRow="1">
-                <a:tableStyleId>{5C22544A-7EE6-4342-B048-85BDC9FD1C3A}</a:tableStyleId>
-              </a:tblPr>
-              <a:tblGrid>
-                <a:gridCol w="728702">
-                  <a:extLst>
-                    <a:ext uri="{9D8B030D-6E8A-4147-A177-3AD203B41FA5}">
-                      <a16:colId xmlns:a16="http://schemas.microsoft.com/office/drawing/2014/main" val="1373194223"/>
-                    </a:ext>
-                  </a:extLst>
-                </a:gridCol>
-                <a:gridCol w="1906649">
-                  <a:extLst>
-                    <a:ext uri="{9D8B030D-6E8A-4147-A177-3AD203B41FA5}">
-                      <a16:colId xmlns:a16="http://schemas.microsoft.com/office/drawing/2014/main" val="2417919438"/>
-                    </a:ext>
-                  </a:extLst>
-                </a:gridCol>
-                <a:gridCol w="1415910">
-                  <a:extLst>
-                    <a:ext uri="{9D8B030D-6E8A-4147-A177-3AD203B41FA5}">
-                      <a16:colId xmlns:a16="http://schemas.microsoft.com/office/drawing/2014/main" val="2052402733"/>
-                    </a:ext>
-                  </a:extLst>
-                </a:gridCol>
-                <a:gridCol w="598805">
-                  <a:extLst>
-                    <a:ext uri="{9D8B030D-6E8A-4147-A177-3AD203B41FA5}">
-                      <a16:colId xmlns:a16="http://schemas.microsoft.com/office/drawing/2014/main" val="302349482"/>
-                    </a:ext>
-                  </a:extLst>
-                </a:gridCol>
-                <a:gridCol w="2305725">
-                  <a:extLst>
-                    <a:ext uri="{9D8B030D-6E8A-4147-A177-3AD203B41FA5}">
-                      <a16:colId xmlns:a16="http://schemas.microsoft.com/office/drawing/2014/main" val="3262246634"/>
-                    </a:ext>
-                  </a:extLst>
-                </a:gridCol>
-              </a:tblGrid>
-              <a:tr h="370840">
-                <a:tc>
-                  <a:txBody>
-                    <a:bodyPr/>
-                    <a:lstStyle/>
-                    <a:p>
-                      <a:r>
-                        <a:rPr lang="hu-HU" dirty="0" err="1"/>
-                        <a:t>id</a:t>
-                      </a:r>
-                      <a:endParaRPr lang="hu-HU" dirty="0"/>
-                    </a:p>
-                  </a:txBody>
-                  <a:tcPr/>
-                </a:tc>
-                <a:tc>
-                  <a:txBody>
-                    <a:bodyPr/>
-                    <a:lstStyle/>
-                    <a:p>
-                      <a:r>
-                        <a:rPr lang="hu-HU" dirty="0" err="1"/>
-                        <a:t>nev</a:t>
-                      </a:r>
-                      <a:endParaRPr lang="hu-HU" dirty="0"/>
-                    </a:p>
-                  </a:txBody>
-                  <a:tcPr/>
-                </a:tc>
-                <a:tc>
-                  <a:txBody>
-                    <a:bodyPr/>
-                    <a:lstStyle/>
-                    <a:p>
-                      <a:r>
-                        <a:rPr lang="hu-HU" dirty="0" err="1"/>
-                        <a:t>keresztnev</a:t>
-                      </a:r>
-                      <a:endParaRPr lang="hu-HU" dirty="0"/>
-                    </a:p>
-                  </a:txBody>
-                  <a:tcPr/>
-                </a:tc>
-                <a:tc>
-                  <a:txBody>
-                    <a:bodyPr/>
-                    <a:lstStyle/>
-                    <a:p>
-                      <a:r>
-                        <a:rPr lang="hu-HU" dirty="0"/>
-                        <a:t>kor</a:t>
-                      </a:r>
-                    </a:p>
-                  </a:txBody>
-                  <a:tcPr/>
-                </a:tc>
-                <a:tc>
-                  <a:txBody>
-                    <a:bodyPr/>
-                    <a:lstStyle/>
-                    <a:p>
-                      <a:r>
-                        <a:rPr lang="hu-HU" dirty="0" err="1"/>
-                        <a:t>szuldat</a:t>
-                      </a:r>
-                      <a:endParaRPr lang="hu-HU" dirty="0"/>
-                    </a:p>
-                  </a:txBody>
-                  <a:tcPr/>
-                </a:tc>
-                <a:extLst>
-                  <a:ext uri="{0D108BD9-81ED-4DB2-BD59-A6C34878D82A}">
-                    <a16:rowId xmlns:a16="http://schemas.microsoft.com/office/drawing/2014/main" val="3996322335"/>
-                  </a:ext>
-                </a:extLst>
-              </a:tr>
-              <a:tr h="370840">
-                <a:tc>
-                  <a:txBody>
-                    <a:bodyPr/>
-                    <a:lstStyle/>
-                    <a:p>
-                      <a:r>
-                        <a:rPr lang="hu-HU" dirty="0"/>
-                        <a:t>1</a:t>
-                      </a:r>
-                    </a:p>
-                  </a:txBody>
-                  <a:tcPr/>
-                </a:tc>
-                <a:tc>
-                  <a:txBody>
-                    <a:bodyPr/>
-                    <a:lstStyle/>
-                    <a:p>
-                      <a:r>
-                        <a:rPr lang="hu-HU" dirty="0"/>
-                        <a:t>Kis József</a:t>
-                      </a:r>
-                    </a:p>
-                  </a:txBody>
-                  <a:tcPr/>
-                </a:tc>
-                <a:tc>
-                  <a:txBody>
-                    <a:bodyPr/>
-                    <a:lstStyle/>
-                    <a:p>
-                      <a:r>
-                        <a:rPr lang="hu-HU" dirty="0"/>
-                        <a:t>József</a:t>
-                      </a:r>
-                    </a:p>
-                  </a:txBody>
-                  <a:tcPr/>
-                </a:tc>
-                <a:tc>
-                  <a:txBody>
-                    <a:bodyPr/>
-                    <a:lstStyle/>
-                    <a:p>
-                      <a:r>
-                        <a:rPr lang="hu-HU" dirty="0"/>
-                        <a:t>22</a:t>
-                      </a:r>
-                    </a:p>
-                  </a:txBody>
-                  <a:tcPr/>
-                </a:tc>
-                <a:tc>
-                  <a:txBody>
-                    <a:bodyPr/>
-                    <a:lstStyle/>
-                    <a:p>
-                      <a:r>
-                        <a:rPr lang="hu-HU" dirty="0"/>
-                        <a:t>1999-05-06</a:t>
-                      </a:r>
-                    </a:p>
-                  </a:txBody>
-                  <a:tcPr/>
-                </a:tc>
-                <a:extLst>
-                  <a:ext uri="{0D108BD9-81ED-4DB2-BD59-A6C34878D82A}">
-                    <a16:rowId xmlns:a16="http://schemas.microsoft.com/office/drawing/2014/main" val="760060688"/>
-                  </a:ext>
-                </a:extLst>
-              </a:tr>
-              <a:tr h="370840">
-                <a:tc>
-                  <a:txBody>
-                    <a:bodyPr/>
-                    <a:lstStyle/>
-                    <a:p>
-                      <a:r>
-                        <a:rPr lang="hu-HU" dirty="0"/>
-                        <a:t>2</a:t>
-                      </a:r>
-                    </a:p>
-                  </a:txBody>
-                  <a:tcPr/>
-                </a:tc>
-                <a:tc>
-                  <a:txBody>
-                    <a:bodyPr/>
-                    <a:lstStyle/>
-                    <a:p>
-                      <a:r>
-                        <a:rPr lang="hu-HU" dirty="0"/>
-                        <a:t>Nagy István</a:t>
-                      </a:r>
-                    </a:p>
-                  </a:txBody>
-                  <a:tcPr/>
-                </a:tc>
-                <a:tc>
-                  <a:txBody>
-                    <a:bodyPr/>
-                    <a:lstStyle/>
-                    <a:p>
-                      <a:r>
-                        <a:rPr lang="hu-HU" dirty="0"/>
-                        <a:t>István</a:t>
-                      </a:r>
-                    </a:p>
-                  </a:txBody>
-                  <a:tcPr/>
-                </a:tc>
-                <a:tc>
-                  <a:txBody>
-                    <a:bodyPr/>
-                    <a:lstStyle/>
-                    <a:p>
-                      <a:r>
-                        <a:rPr lang="hu-HU" dirty="0"/>
-                        <a:t>20</a:t>
-                      </a:r>
-                    </a:p>
-                  </a:txBody>
-                  <a:tcPr/>
-                </a:tc>
-                <a:tc>
-                  <a:txBody>
-                    <a:bodyPr/>
-                    <a:lstStyle/>
-                    <a:p>
-                      <a:r>
-                        <a:rPr lang="hu-HU" dirty="0"/>
-                        <a:t>2001-01-01</a:t>
-                      </a:r>
-                    </a:p>
-                  </a:txBody>
-                  <a:tcPr/>
-                </a:tc>
-                <a:extLst>
-                  <a:ext uri="{0D108BD9-81ED-4DB2-BD59-A6C34878D82A}">
-                    <a16:rowId xmlns:a16="http://schemas.microsoft.com/office/drawing/2014/main" val="658701503"/>
-                  </a:ext>
-                </a:extLst>
-              </a:tr>
-              <a:tr h="370840">
-                <a:tc>
-                  <a:txBody>
-                    <a:bodyPr/>
-                    <a:lstStyle/>
-                    <a:p>
-                      <a:r>
-                        <a:rPr lang="hu-HU" dirty="0"/>
-                        <a:t>3</a:t>
-                      </a:r>
-                    </a:p>
-                  </a:txBody>
-                  <a:tcPr/>
-                </a:tc>
-                <a:tc>
-                  <a:txBody>
-                    <a:bodyPr/>
-                    <a:lstStyle/>
-                    <a:p>
-                      <a:r>
-                        <a:rPr lang="hu-HU" dirty="0"/>
-                        <a:t>Kis-Kandi Mária</a:t>
-                      </a:r>
-                    </a:p>
-                  </a:txBody>
-                  <a:tcPr/>
-                </a:tc>
-                <a:tc>
-                  <a:txBody>
-                    <a:bodyPr/>
-                    <a:lstStyle/>
-                    <a:p>
-                      <a:r>
-                        <a:rPr lang="hu-HU" dirty="0"/>
-                        <a:t>Mária</a:t>
-                      </a:r>
-                    </a:p>
-                  </a:txBody>
-                  <a:tcPr/>
-                </a:tc>
-                <a:tc>
-                  <a:txBody>
-                    <a:bodyPr/>
-                    <a:lstStyle/>
-                    <a:p>
-                      <a:r>
-                        <a:rPr lang="hu-HU" dirty="0"/>
-                        <a:t>16</a:t>
-                      </a:r>
-                    </a:p>
-                  </a:txBody>
-                  <a:tcPr/>
-                </a:tc>
-                <a:tc>
-                  <a:txBody>
-                    <a:bodyPr/>
-                    <a:lstStyle/>
-                    <a:p>
-                      <a:r>
-                        <a:rPr lang="hu-HU" dirty="0"/>
-                        <a:t>2005-12-18</a:t>
-                      </a:r>
-                    </a:p>
-                  </a:txBody>
-                  <a:tcPr/>
-                </a:tc>
-                <a:extLst>
-                  <a:ext uri="{0D108BD9-81ED-4DB2-BD59-A6C34878D82A}">
-                    <a16:rowId xmlns:a16="http://schemas.microsoft.com/office/drawing/2014/main" val="1435729292"/>
-                  </a:ext>
-                </a:extLst>
-              </a:tr>
-            </a:tbl>
-          </a:graphicData>
-        </a:graphic>
-      </p:graphicFrame>
     </p:spTree>
     <p:extLst>
       <p:ext uri="{BB962C8B-B14F-4D97-AF65-F5344CB8AC3E}">
-        <p14:creationId xmlns:p14="http://schemas.microsoft.com/office/powerpoint/2010/main" val="3586627818"/>
+        <p14:creationId xmlns:p14="http://schemas.microsoft.com/office/powerpoint/2010/main" val="2835646587"/>
       </p:ext>
     </p:extLst>
   </p:cSld>
@@ -10800,8 +10262,20 @@
           <a:lstStyle/>
           <a:p>
             <a:r>
+              <a:rPr lang="hu-HU" dirty="0" err="1"/>
+              <a:t>Allekérdezés</a:t>
+            </a:r>
+            <a:r>
               <a:rPr lang="hu-HU" dirty="0"/>
-              <a:t>Fogalmak: Tábla</a:t>
+              <a:t> – </a:t>
+            </a:r>
+            <a:r>
+              <a:rPr lang="hu-HU" dirty="0" err="1"/>
+              <a:t>Subquery</a:t>
+            </a:r>
+            <a:r>
+              <a:rPr lang="hu-HU" dirty="0"/>
+              <a:t> – Típusai</a:t>
             </a:r>
           </a:p>
         </p:txBody>
@@ -10819,31 +10293,29 @@
         <p:spPr>
           <a:xfrm>
             <a:off x="818712" y="2222287"/>
-            <a:ext cx="10554574" cy="2113943"/>
+            <a:ext cx="10554574" cy="4188525"/>
           </a:xfrm>
         </p:spPr>
         <p:txBody>
-          <a:bodyPr/>
+          <a:bodyPr anchor="ctr">
+            <a:normAutofit/>
+          </a:bodyPr>
           <a:lstStyle/>
           <a:p>
             <a:pPr marL="0" indent="0">
               <a:buNone/>
             </a:pPr>
-            <a:r>
-              <a:rPr lang="hu-HU" dirty="0"/>
-              <a:t>A </a:t>
-            </a:r>
             <a:r>
               <a:rPr lang="hu-HU" b="1" i="1" dirty="0">
                 <a:solidFill>
                   <a:schemeClr val="accent1"/>
                 </a:solidFill>
               </a:rPr>
-              <a:t>tábla</a:t>
+              <a:t>2. típus: </a:t>
             </a:r>
             <a:r>
               <a:rPr lang="hu-HU" dirty="0"/>
-              <a:t>, vagy </a:t>
+              <a:t>Csak </a:t>
             </a:r>
             <a:r>
               <a:rPr lang="hu-HU" b="1" i="1" dirty="0">
@@ -10851,758 +10323,238 @@
                   <a:schemeClr val="accent1"/>
                 </a:solidFill>
               </a:rPr>
-              <a:t>reláció </a:t>
+              <a:t>1 rekord</a:t>
             </a:r>
             <a:r>
               <a:rPr lang="hu-HU" dirty="0"/>
-              <a:t>az adatok kétdimenziós táblázatban való elrendezése.</a:t>
-            </a:r>
-          </a:p>
-        </p:txBody>
-      </p:sp>
-      <p:graphicFrame>
-        <p:nvGraphicFramePr>
-          <p:cNvPr id="5" name="Táblázat 4"/>
-          <p:cNvGraphicFramePr>
-            <a:graphicFrameLocks noGrp="1"/>
-          </p:cNvGraphicFramePr>
-          <p:nvPr>
-            <p:extLst>
-              <p:ext uri="{D42A27DB-BD31-4B8C-83A1-F6EECF244321}">
-                <p14:modId xmlns:p14="http://schemas.microsoft.com/office/powerpoint/2010/main" val="624955818"/>
-              </p:ext>
-            </p:extLst>
-          </p:nvPr>
-        </p:nvGraphicFramePr>
-        <p:xfrm>
-          <a:off x="1882560" y="3531581"/>
-          <a:ext cx="2780030" cy="1483360"/>
-        </p:xfrm>
-        <a:graphic>
-          <a:graphicData uri="http://schemas.openxmlformats.org/drawingml/2006/table">
-            <a:tbl>
-              <a:tblPr firstRow="1" bandRow="1">
-                <a:tableStyleId>{5C22544A-7EE6-4342-B048-85BDC9FD1C3A}</a:tableStyleId>
-              </a:tblPr>
-              <a:tblGrid>
-                <a:gridCol w="447930">
-                  <a:extLst>
-                    <a:ext uri="{9D8B030D-6E8A-4147-A177-3AD203B41FA5}">
-                      <a16:colId xmlns:a16="http://schemas.microsoft.com/office/drawing/2014/main" val="1373194223"/>
-                    </a:ext>
-                  </a:extLst>
-                </a:gridCol>
-                <a:gridCol w="914780">
-                  <a:extLst>
-                    <a:ext uri="{9D8B030D-6E8A-4147-A177-3AD203B41FA5}">
-                      <a16:colId xmlns:a16="http://schemas.microsoft.com/office/drawing/2014/main" val="2417919438"/>
-                    </a:ext>
-                  </a:extLst>
-                </a:gridCol>
-                <a:gridCol w="1417320">
-                  <a:extLst>
-                    <a:ext uri="{9D8B030D-6E8A-4147-A177-3AD203B41FA5}">
-                      <a16:colId xmlns:a16="http://schemas.microsoft.com/office/drawing/2014/main" val="2052402733"/>
-                    </a:ext>
-                  </a:extLst>
-                </a:gridCol>
-              </a:tblGrid>
-              <a:tr h="370840">
-                <a:tc>
-                  <a:txBody>
-                    <a:bodyPr/>
-                    <a:lstStyle/>
-                    <a:p>
-                      <a:r>
-                        <a:rPr lang="hu-HU" dirty="0" err="1"/>
-                        <a:t>id</a:t>
-                      </a:r>
-                      <a:endParaRPr lang="hu-HU" dirty="0"/>
-                    </a:p>
-                  </a:txBody>
-                  <a:tcPr/>
-                </a:tc>
-                <a:tc>
-                  <a:txBody>
-                    <a:bodyPr/>
-                    <a:lstStyle/>
-                    <a:p>
-                      <a:r>
-                        <a:rPr lang="hu-HU" dirty="0" err="1"/>
-                        <a:t>nev</a:t>
-                      </a:r>
-                      <a:endParaRPr lang="hu-HU" dirty="0"/>
-                    </a:p>
-                  </a:txBody>
-                  <a:tcPr/>
-                </a:tc>
-                <a:tc>
-                  <a:txBody>
-                    <a:bodyPr/>
-                    <a:lstStyle/>
-                    <a:p>
-                      <a:r>
-                        <a:rPr lang="hu-HU" dirty="0" err="1"/>
-                        <a:t>magassag</a:t>
-                      </a:r>
-                      <a:endParaRPr lang="hu-HU" dirty="0"/>
-                    </a:p>
-                  </a:txBody>
-                  <a:tcPr/>
-                </a:tc>
-                <a:extLst>
-                  <a:ext uri="{0D108BD9-81ED-4DB2-BD59-A6C34878D82A}">
-                    <a16:rowId xmlns:a16="http://schemas.microsoft.com/office/drawing/2014/main" val="3996322335"/>
-                  </a:ext>
-                </a:extLst>
-              </a:tr>
-              <a:tr h="370840">
-                <a:tc>
-                  <a:txBody>
-                    <a:bodyPr/>
-                    <a:lstStyle/>
-                    <a:p>
-                      <a:r>
-                        <a:rPr lang="hu-HU" dirty="0"/>
-                        <a:t>1</a:t>
-                      </a:r>
-                    </a:p>
-                  </a:txBody>
-                  <a:tcPr/>
-                </a:tc>
-                <a:tc>
-                  <a:txBody>
-                    <a:bodyPr/>
-                    <a:lstStyle/>
-                    <a:p>
-                      <a:r>
-                        <a:rPr lang="hu-HU" dirty="0"/>
-                        <a:t>Jóska</a:t>
-                      </a:r>
-                    </a:p>
-                  </a:txBody>
-                  <a:tcPr/>
-                </a:tc>
-                <a:tc>
-                  <a:txBody>
-                    <a:bodyPr/>
-                    <a:lstStyle/>
-                    <a:p>
-                      <a:r>
-                        <a:rPr lang="hu-HU" dirty="0"/>
-                        <a:t>156</a:t>
-                      </a:r>
-                    </a:p>
-                  </a:txBody>
-                  <a:tcPr/>
-                </a:tc>
-                <a:extLst>
-                  <a:ext uri="{0D108BD9-81ED-4DB2-BD59-A6C34878D82A}">
-                    <a16:rowId xmlns:a16="http://schemas.microsoft.com/office/drawing/2014/main" val="760060688"/>
-                  </a:ext>
-                </a:extLst>
-              </a:tr>
-              <a:tr h="370840">
-                <a:tc>
-                  <a:txBody>
-                    <a:bodyPr/>
-                    <a:lstStyle/>
-                    <a:p>
-                      <a:r>
-                        <a:rPr lang="hu-HU" dirty="0"/>
-                        <a:t>2</a:t>
-                      </a:r>
-                    </a:p>
-                  </a:txBody>
-                  <a:tcPr/>
-                </a:tc>
-                <a:tc>
-                  <a:txBody>
-                    <a:bodyPr/>
-                    <a:lstStyle/>
-                    <a:p>
-                      <a:r>
-                        <a:rPr lang="hu-HU" dirty="0"/>
-                        <a:t>Pista</a:t>
-                      </a:r>
-                    </a:p>
-                  </a:txBody>
-                  <a:tcPr/>
-                </a:tc>
-                <a:tc>
-                  <a:txBody>
-                    <a:bodyPr/>
-                    <a:lstStyle/>
-                    <a:p>
-                      <a:r>
-                        <a:rPr lang="hu-HU" dirty="0"/>
-                        <a:t>176</a:t>
-                      </a:r>
-                    </a:p>
-                  </a:txBody>
-                  <a:tcPr/>
-                </a:tc>
-                <a:extLst>
-                  <a:ext uri="{0D108BD9-81ED-4DB2-BD59-A6C34878D82A}">
-                    <a16:rowId xmlns:a16="http://schemas.microsoft.com/office/drawing/2014/main" val="658701503"/>
-                  </a:ext>
-                </a:extLst>
-              </a:tr>
-              <a:tr h="370840">
-                <a:tc>
-                  <a:txBody>
-                    <a:bodyPr/>
-                    <a:lstStyle/>
-                    <a:p>
-                      <a:r>
-                        <a:rPr lang="hu-HU" dirty="0"/>
-                        <a:t>3</a:t>
-                      </a:r>
-                    </a:p>
-                  </a:txBody>
-                  <a:tcPr/>
-                </a:tc>
-                <a:tc>
-                  <a:txBody>
-                    <a:bodyPr/>
-                    <a:lstStyle/>
-                    <a:p>
-                      <a:r>
-                        <a:rPr lang="hu-HU" dirty="0"/>
-                        <a:t>Marcsi</a:t>
-                      </a:r>
-                    </a:p>
-                  </a:txBody>
-                  <a:tcPr/>
-                </a:tc>
-                <a:tc>
-                  <a:txBody>
-                    <a:bodyPr/>
-                    <a:lstStyle/>
-                    <a:p>
-                      <a:r>
-                        <a:rPr lang="hu-HU" dirty="0"/>
-                        <a:t>196</a:t>
-                      </a:r>
-                    </a:p>
-                  </a:txBody>
-                  <a:tcPr/>
-                </a:tc>
-                <a:extLst>
-                  <a:ext uri="{0D108BD9-81ED-4DB2-BD59-A6C34878D82A}">
-                    <a16:rowId xmlns:a16="http://schemas.microsoft.com/office/drawing/2014/main" val="1435729292"/>
-                  </a:ext>
-                </a:extLst>
-              </a:tr>
-            </a:tbl>
-          </a:graphicData>
-        </a:graphic>
-      </p:graphicFrame>
-      <p:graphicFrame>
-        <p:nvGraphicFramePr>
-          <p:cNvPr id="6" name="Táblázat 5"/>
-          <p:cNvGraphicFramePr>
-            <a:graphicFrameLocks noGrp="1"/>
-          </p:cNvGraphicFramePr>
-          <p:nvPr>
-            <p:extLst>
-              <p:ext uri="{D42A27DB-BD31-4B8C-83A1-F6EECF244321}">
-                <p14:modId xmlns:p14="http://schemas.microsoft.com/office/powerpoint/2010/main" val="417340154"/>
-              </p:ext>
-            </p:extLst>
-          </p:nvPr>
-        </p:nvGraphicFramePr>
-        <p:xfrm>
-          <a:off x="6981967" y="4710642"/>
-          <a:ext cx="3568699" cy="1478280"/>
-        </p:xfrm>
-        <a:graphic>
-          <a:graphicData uri="http://schemas.openxmlformats.org/drawingml/2006/table">
-            <a:tbl>
-              <a:tblPr firstRow="1" bandRow="1">
-                <a:tableStyleId>{5C22544A-7EE6-4342-B048-85BDC9FD1C3A}</a:tableStyleId>
-              </a:tblPr>
-              <a:tblGrid>
-                <a:gridCol w="436901">
-                  <a:extLst>
-                    <a:ext uri="{9D8B030D-6E8A-4147-A177-3AD203B41FA5}">
-                      <a16:colId xmlns:a16="http://schemas.microsoft.com/office/drawing/2014/main" val="3130221981"/>
-                    </a:ext>
-                  </a:extLst>
-                </a:gridCol>
-                <a:gridCol w="847722">
-                  <a:extLst>
-                    <a:ext uri="{9D8B030D-6E8A-4147-A177-3AD203B41FA5}">
-                      <a16:colId xmlns:a16="http://schemas.microsoft.com/office/drawing/2014/main" val="509116263"/>
-                    </a:ext>
-                  </a:extLst>
-                </a:gridCol>
-                <a:gridCol w="1189455">
-                  <a:extLst>
-                    <a:ext uri="{9D8B030D-6E8A-4147-A177-3AD203B41FA5}">
-                      <a16:colId xmlns:a16="http://schemas.microsoft.com/office/drawing/2014/main" val="1027714813"/>
-                    </a:ext>
-                  </a:extLst>
-                </a:gridCol>
-                <a:gridCol w="1094621">
-                  <a:extLst>
-                    <a:ext uri="{9D8B030D-6E8A-4147-A177-3AD203B41FA5}">
-                      <a16:colId xmlns:a16="http://schemas.microsoft.com/office/drawing/2014/main" val="773983924"/>
-                    </a:ext>
-                  </a:extLst>
-                </a:gridCol>
-              </a:tblGrid>
-              <a:tr h="370840">
-                <a:tc>
-                  <a:txBody>
-                    <a:bodyPr/>
-                    <a:lstStyle/>
-                    <a:p>
-                      <a:r>
-                        <a:rPr lang="hu-HU" dirty="0" err="1"/>
-                        <a:t>id</a:t>
-                      </a:r>
-                      <a:endParaRPr lang="hu-HU" dirty="0"/>
-                    </a:p>
-                  </a:txBody>
-                  <a:tcPr/>
-                </a:tc>
-                <a:tc>
-                  <a:txBody>
-                    <a:bodyPr/>
-                    <a:lstStyle/>
-                    <a:p>
-                      <a:r>
-                        <a:rPr lang="hu-HU" dirty="0" err="1"/>
-                        <a:t>nev</a:t>
-                      </a:r>
-                      <a:endParaRPr lang="hu-HU" dirty="0"/>
-                    </a:p>
-                  </a:txBody>
-                  <a:tcPr/>
-                </a:tc>
-                <a:tc>
-                  <a:txBody>
-                    <a:bodyPr/>
-                    <a:lstStyle/>
-                    <a:p>
-                      <a:r>
-                        <a:rPr lang="hu-HU" dirty="0" err="1"/>
-                        <a:t>felelosid</a:t>
-                      </a:r>
-                      <a:endParaRPr lang="hu-HU" dirty="0"/>
-                    </a:p>
-                  </a:txBody>
-                  <a:tcPr/>
-                </a:tc>
-                <a:tc>
-                  <a:txBody>
-                    <a:bodyPr/>
-                    <a:lstStyle/>
-                    <a:p>
-                      <a:r>
-                        <a:rPr lang="hu-HU" dirty="0" err="1"/>
-                        <a:t>ferohely</a:t>
-                      </a:r>
-                      <a:endParaRPr lang="hu-HU" dirty="0"/>
-                    </a:p>
-                  </a:txBody>
-                  <a:tcPr/>
-                </a:tc>
-                <a:extLst>
-                  <a:ext uri="{0D108BD9-81ED-4DB2-BD59-A6C34878D82A}">
-                    <a16:rowId xmlns:a16="http://schemas.microsoft.com/office/drawing/2014/main" val="2075536770"/>
-                  </a:ext>
-                </a:extLst>
-              </a:tr>
-              <a:tr h="359837">
-                <a:tc>
-                  <a:txBody>
-                    <a:bodyPr/>
-                    <a:lstStyle/>
-                    <a:p>
-                      <a:r>
-                        <a:rPr lang="hu-HU" dirty="0"/>
-                        <a:t>1</a:t>
-                      </a:r>
-                    </a:p>
-                  </a:txBody>
-                  <a:tcPr/>
-                </a:tc>
-                <a:tc>
-                  <a:txBody>
-                    <a:bodyPr/>
-                    <a:lstStyle/>
-                    <a:p>
-                      <a:r>
-                        <a:rPr lang="hu-HU" dirty="0"/>
-                        <a:t>B1</a:t>
-                      </a:r>
-                    </a:p>
-                  </a:txBody>
-                  <a:tcPr/>
-                </a:tc>
-                <a:tc>
-                  <a:txBody>
-                    <a:bodyPr/>
-                    <a:lstStyle/>
-                    <a:p>
-                      <a:r>
-                        <a:rPr lang="hu-HU" dirty="0"/>
-                        <a:t>2</a:t>
-                      </a:r>
-                    </a:p>
-                  </a:txBody>
-                  <a:tcPr/>
-                </a:tc>
-                <a:tc>
-                  <a:txBody>
-                    <a:bodyPr/>
-                    <a:lstStyle/>
-                    <a:p>
-                      <a:r>
-                        <a:rPr lang="hu-HU" dirty="0"/>
-                        <a:t>16</a:t>
-                      </a:r>
-                    </a:p>
-                  </a:txBody>
-                  <a:tcPr/>
-                </a:tc>
-                <a:extLst>
-                  <a:ext uri="{0D108BD9-81ED-4DB2-BD59-A6C34878D82A}">
-                    <a16:rowId xmlns:a16="http://schemas.microsoft.com/office/drawing/2014/main" val="3531612525"/>
-                  </a:ext>
-                </a:extLst>
-              </a:tr>
-              <a:tr h="370840">
-                <a:tc>
-                  <a:txBody>
-                    <a:bodyPr/>
-                    <a:lstStyle/>
-                    <a:p>
-                      <a:r>
-                        <a:rPr lang="hu-HU" dirty="0"/>
-                        <a:t>2</a:t>
-                      </a:r>
-                    </a:p>
-                  </a:txBody>
-                  <a:tcPr/>
-                </a:tc>
-                <a:tc>
-                  <a:txBody>
-                    <a:bodyPr/>
-                    <a:lstStyle/>
-                    <a:p>
-                      <a:r>
-                        <a:rPr lang="hu-HU" dirty="0"/>
-                        <a:t>A112</a:t>
-                      </a:r>
-                    </a:p>
-                  </a:txBody>
-                  <a:tcPr/>
-                </a:tc>
-                <a:tc>
-                  <a:txBody>
-                    <a:bodyPr/>
-                    <a:lstStyle/>
-                    <a:p>
-                      <a:r>
-                        <a:rPr lang="hu-HU" dirty="0"/>
-                        <a:t>3</a:t>
-                      </a:r>
-                    </a:p>
-                  </a:txBody>
-                  <a:tcPr/>
-                </a:tc>
-                <a:tc>
-                  <a:txBody>
-                    <a:bodyPr/>
-                    <a:lstStyle/>
-                    <a:p>
-                      <a:r>
-                        <a:rPr lang="hu-HU" dirty="0"/>
-                        <a:t>400</a:t>
-                      </a:r>
-                    </a:p>
-                  </a:txBody>
-                  <a:tcPr/>
-                </a:tc>
-                <a:extLst>
-                  <a:ext uri="{0D108BD9-81ED-4DB2-BD59-A6C34878D82A}">
-                    <a16:rowId xmlns:a16="http://schemas.microsoft.com/office/drawing/2014/main" val="2596275152"/>
-                  </a:ext>
-                </a:extLst>
-              </a:tr>
-              <a:tr h="370840">
-                <a:tc>
-                  <a:txBody>
-                    <a:bodyPr/>
-                    <a:lstStyle/>
-                    <a:p>
-                      <a:r>
-                        <a:rPr lang="hu-HU" dirty="0"/>
-                        <a:t>3</a:t>
-                      </a:r>
-                    </a:p>
-                  </a:txBody>
-                  <a:tcPr/>
-                </a:tc>
-                <a:tc>
-                  <a:txBody>
-                    <a:bodyPr/>
-                    <a:lstStyle/>
-                    <a:p>
-                      <a:r>
-                        <a:rPr lang="hu-HU" dirty="0"/>
-                        <a:t>34</a:t>
-                      </a:r>
-                    </a:p>
-                  </a:txBody>
-                  <a:tcPr/>
-                </a:tc>
-                <a:tc>
-                  <a:txBody>
-                    <a:bodyPr/>
-                    <a:lstStyle/>
-                    <a:p>
-                      <a:r>
-                        <a:rPr lang="hu-HU" dirty="0"/>
-                        <a:t>3</a:t>
-                      </a:r>
-                    </a:p>
-                  </a:txBody>
-                  <a:tcPr/>
-                </a:tc>
-                <a:tc>
-                  <a:txBody>
-                    <a:bodyPr/>
-                    <a:lstStyle/>
-                    <a:p>
-                      <a:r>
-                        <a:rPr lang="hu-HU" dirty="0"/>
-                        <a:t>35</a:t>
-                      </a:r>
-                    </a:p>
-                  </a:txBody>
-                  <a:tcPr/>
-                </a:tc>
-                <a:extLst>
-                  <a:ext uri="{0D108BD9-81ED-4DB2-BD59-A6C34878D82A}">
-                    <a16:rowId xmlns:a16="http://schemas.microsoft.com/office/drawing/2014/main" val="2573183061"/>
-                  </a:ext>
-                </a:extLst>
-              </a:tr>
-            </a:tbl>
-          </a:graphicData>
-        </a:graphic>
-      </p:graphicFrame>
-      <p:sp>
-        <p:nvSpPr>
-          <p:cNvPr id="7" name="Szövegdoboz 6"/>
-          <p:cNvSpPr txBox="1"/>
-          <p:nvPr/>
-        </p:nvSpPr>
-        <p:spPr>
-          <a:xfrm>
-            <a:off x="810000" y="4336230"/>
-            <a:ext cx="1093569" cy="369332"/>
-          </a:xfrm>
-          <a:prstGeom prst="rect">
-            <a:avLst/>
-          </a:prstGeom>
-          <a:noFill/>
-        </p:spPr>
-        <p:txBody>
-          <a:bodyPr wrap="none" rtlCol="0">
-            <a:spAutoFit/>
-          </a:bodyPr>
-          <a:lstStyle/>
-          <a:p>
-            <a:r>
-              <a:rPr lang="hu-HU" b="1" dirty="0" err="1"/>
-              <a:t>szemely</a:t>
-            </a:r>
-            <a:endParaRPr lang="hu-HU" b="1" dirty="0"/>
-          </a:p>
-        </p:txBody>
-      </p:sp>
-      <p:sp>
-        <p:nvSpPr>
-          <p:cNvPr id="8" name="Szövegdoboz 7"/>
-          <p:cNvSpPr txBox="1"/>
-          <p:nvPr/>
-        </p:nvSpPr>
-        <p:spPr>
-          <a:xfrm>
-            <a:off x="6851157" y="4341310"/>
-            <a:ext cx="838691" cy="369332"/>
-          </a:xfrm>
-          <a:prstGeom prst="rect">
-            <a:avLst/>
-          </a:prstGeom>
-          <a:noFill/>
-        </p:spPr>
-        <p:txBody>
-          <a:bodyPr wrap="none" rtlCol="0">
-            <a:spAutoFit/>
-          </a:bodyPr>
-          <a:lstStyle/>
-          <a:p>
-            <a:r>
-              <a:rPr lang="hu-HU" b="1" dirty="0"/>
-              <a:t>terem</a:t>
-            </a:r>
-          </a:p>
-        </p:txBody>
-      </p:sp>
-      <p:sp>
-        <p:nvSpPr>
-          <p:cNvPr id="9" name="Szövegdoboz 8">
-            <a:extLst>
-              <a:ext uri="{FF2B5EF4-FFF2-40B4-BE49-F238E27FC236}">
-                <a16:creationId xmlns:a16="http://schemas.microsoft.com/office/drawing/2014/main" id="{1FB3070F-3A6D-4A4A-A8F8-A2C6C135C5B4}"/>
-              </a:ext>
-            </a:extLst>
-          </p:cNvPr>
-          <p:cNvSpPr txBox="1"/>
-          <p:nvPr/>
-        </p:nvSpPr>
-        <p:spPr>
-          <a:xfrm>
-            <a:off x="4641580" y="4077160"/>
-            <a:ext cx="1133644" cy="523220"/>
-          </a:xfrm>
-          <a:prstGeom prst="rect">
-            <a:avLst/>
-          </a:prstGeom>
-          <a:noFill/>
-        </p:spPr>
-        <p:txBody>
-          <a:bodyPr wrap="none" rtlCol="0">
-            <a:spAutoFit/>
-          </a:bodyPr>
-          <a:lstStyle/>
-          <a:p>
-            <a:r>
-              <a:rPr lang="hu-HU" sz="2800" b="1" dirty="0"/>
-              <a:t>Tábla</a:t>
-            </a:r>
-            <a:endParaRPr lang="hu-HU" b="1" dirty="0"/>
-          </a:p>
-        </p:txBody>
-      </p:sp>
-      <p:sp>
-        <p:nvSpPr>
-          <p:cNvPr id="10" name="Téglalap 9">
-            <a:extLst>
-              <a:ext uri="{FF2B5EF4-FFF2-40B4-BE49-F238E27FC236}">
-                <a16:creationId xmlns:a16="http://schemas.microsoft.com/office/drawing/2014/main" id="{ADF31F6B-B682-40A7-9834-879056A31701}"/>
-              </a:ext>
-            </a:extLst>
-          </p:cNvPr>
-          <p:cNvSpPr/>
-          <p:nvPr/>
-        </p:nvSpPr>
-        <p:spPr>
-          <a:xfrm>
-            <a:off x="818712" y="4336230"/>
-            <a:ext cx="2965348" cy="1909394"/>
-          </a:xfrm>
-          <a:prstGeom prst="rect">
-            <a:avLst/>
-          </a:prstGeom>
-          <a:noFill/>
-          <a:ln w="38100">
-            <a:solidFill>
-              <a:schemeClr val="accent4">
-                <a:lumMod val="75000"/>
-              </a:schemeClr>
-            </a:solidFill>
-          </a:ln>
-        </p:spPr>
-        <p:style>
-          <a:lnRef idx="2">
-            <a:schemeClr val="accent1">
-              <a:shade val="50000"/>
-            </a:schemeClr>
-          </a:lnRef>
-          <a:fillRef idx="1">
-            <a:schemeClr val="accent1"/>
-          </a:fillRef>
-          <a:effectRef idx="0">
-            <a:schemeClr val="accent1"/>
-          </a:effectRef>
-          <a:fontRef idx="minor">
-            <a:schemeClr val="lt1"/>
-          </a:fontRef>
-        </p:style>
-        <p:txBody>
-          <a:bodyPr rtlCol="0" anchor="ctr"/>
-          <a:lstStyle/>
-          <a:p>
-            <a:pPr algn="ctr"/>
-            <a:endParaRPr lang="hu-HU"/>
-          </a:p>
-        </p:txBody>
-      </p:sp>
-      <p:sp>
-        <p:nvSpPr>
-          <p:cNvPr id="11" name="Téglalap 10">
-            <a:extLst>
-              <a:ext uri="{FF2B5EF4-FFF2-40B4-BE49-F238E27FC236}">
-                <a16:creationId xmlns:a16="http://schemas.microsoft.com/office/drawing/2014/main" id="{F66166DE-6ACC-4377-B343-A81558ED8364}"/>
-              </a:ext>
-            </a:extLst>
-          </p:cNvPr>
-          <p:cNvSpPr/>
-          <p:nvPr/>
-        </p:nvSpPr>
-        <p:spPr>
-          <a:xfrm>
-            <a:off x="6837931" y="4279528"/>
-            <a:ext cx="3940316" cy="1966096"/>
-          </a:xfrm>
-          <a:prstGeom prst="rect">
-            <a:avLst/>
-          </a:prstGeom>
-          <a:noFill/>
-          <a:ln w="38100">
-            <a:solidFill>
-              <a:schemeClr val="accent4">
-                <a:lumMod val="75000"/>
-              </a:schemeClr>
-            </a:solidFill>
-          </a:ln>
-        </p:spPr>
-        <p:style>
-          <a:lnRef idx="2">
-            <a:schemeClr val="accent1">
-              <a:shade val="50000"/>
-            </a:schemeClr>
-          </a:lnRef>
-          <a:fillRef idx="1">
-            <a:schemeClr val="accent1"/>
-          </a:fillRef>
-          <a:effectRef idx="0">
-            <a:schemeClr val="accent1"/>
-          </a:effectRef>
-          <a:fontRef idx="minor">
-            <a:schemeClr val="lt1"/>
-          </a:fontRef>
-        </p:style>
-        <p:txBody>
-          <a:bodyPr rtlCol="0" anchor="ctr"/>
-          <a:lstStyle/>
-          <a:p>
-            <a:pPr algn="ctr"/>
-            <a:endParaRPr lang="hu-HU"/>
+              <a:t>ot ad vissza (</a:t>
+            </a:r>
+            <a:r>
+              <a:rPr lang="hu-HU" i="1" dirty="0" err="1"/>
+              <a:t>Row</a:t>
+            </a:r>
+            <a:r>
+              <a:rPr lang="hu-HU" i="1" dirty="0"/>
+              <a:t> </a:t>
+            </a:r>
+            <a:r>
+              <a:rPr lang="hu-HU" i="1" dirty="0" err="1"/>
+              <a:t>Subqueries</a:t>
+            </a:r>
+            <a:r>
+              <a:rPr lang="hu-HU" dirty="0"/>
+              <a:t>). A rekordban lehet több mező (érték, kifejezés,…) is.</a:t>
+            </a:r>
+          </a:p>
+          <a:p>
+            <a:pPr marL="0" indent="0">
+              <a:buNone/>
+            </a:pPr>
+            <a:r>
+              <a:rPr lang="hu-HU" dirty="0"/>
+              <a:t>Például:</a:t>
+            </a:r>
+          </a:p>
+          <a:p>
+            <a:pPr marL="0" indent="0">
+              <a:buNone/>
+            </a:pPr>
+            <a:r>
+              <a:rPr lang="hu-HU" dirty="0"/>
+              <a:t>	</a:t>
+            </a:r>
+            <a:r>
+              <a:rPr lang="en-US" sz="2400" b="1" i="1" dirty="0">
+                <a:solidFill>
+                  <a:schemeClr val="accent1"/>
+                </a:solidFill>
+              </a:rPr>
+              <a:t>SELECT * FROM </a:t>
+            </a:r>
+            <a:r>
+              <a:rPr lang="en-US" sz="2400" dirty="0"/>
+              <a:t>t</a:t>
+            </a:r>
+            <a:r>
+              <a:rPr lang="hu-HU" sz="2400" dirty="0"/>
+              <a:t>1</a:t>
+            </a:r>
+            <a:r>
+              <a:rPr lang="en-US" sz="2400" dirty="0"/>
+              <a:t> </a:t>
+            </a:r>
+            <a:r>
+              <a:rPr lang="en-US" sz="2400" b="1" i="1" dirty="0">
+                <a:solidFill>
+                  <a:schemeClr val="accent1"/>
+                </a:solidFill>
+              </a:rPr>
+              <a:t>WHERE</a:t>
+            </a:r>
+            <a:r>
+              <a:rPr lang="en-US" sz="2400" dirty="0"/>
+              <a:t> (mezo1,mezo2) </a:t>
+            </a:r>
+            <a:r>
+              <a:rPr lang="hu-HU" sz="2400" dirty="0"/>
+              <a:t>= </a:t>
+            </a:r>
+            <a:br>
+              <a:rPr lang="hu-HU" sz="2400" dirty="0"/>
+            </a:br>
+            <a:r>
+              <a:rPr lang="hu-HU" sz="2400" dirty="0"/>
+              <a:t>							( </a:t>
+            </a:r>
+            <a:r>
+              <a:rPr lang="en-US" sz="2400" b="1" i="1" dirty="0">
+                <a:solidFill>
+                  <a:schemeClr val="accent1"/>
+                </a:solidFill>
+              </a:rPr>
+              <a:t>SELECT</a:t>
+            </a:r>
+            <a:r>
+              <a:rPr lang="hu-HU" sz="2400" b="1" i="1" dirty="0">
+                <a:solidFill>
+                  <a:schemeClr val="accent1"/>
+                </a:solidFill>
+              </a:rPr>
+              <a:t> </a:t>
+            </a:r>
+            <a:r>
+              <a:rPr lang="hu-HU" sz="2400" dirty="0"/>
+              <a:t>2+mezo2, 5 </a:t>
+            </a:r>
+            <a:r>
+              <a:rPr lang="hu-HU" b="1" i="1" dirty="0">
+                <a:solidFill>
+                  <a:schemeClr val="accent1"/>
+                </a:solidFill>
+              </a:rPr>
+              <a:t>FROM</a:t>
+            </a:r>
+            <a:r>
+              <a:rPr lang="hu-HU" sz="2400" dirty="0"/>
+              <a:t> t2 );</a:t>
+            </a:r>
+          </a:p>
+          <a:p>
+            <a:pPr marL="0" indent="0">
+              <a:spcBef>
+                <a:spcPts val="600"/>
+              </a:spcBef>
+              <a:buNone/>
+            </a:pPr>
+            <a:r>
+              <a:rPr lang="hu-HU" dirty="0"/>
+              <a:t>	</a:t>
+            </a:r>
+            <a:r>
+              <a:rPr lang="en-US" sz="2400" b="1" i="1" dirty="0">
+                <a:solidFill>
+                  <a:schemeClr val="accent1"/>
+                </a:solidFill>
+              </a:rPr>
+              <a:t>SELECT * FROM </a:t>
+            </a:r>
+            <a:r>
+              <a:rPr lang="en-US" sz="2400" dirty="0"/>
+              <a:t>t2 </a:t>
+            </a:r>
+            <a:r>
+              <a:rPr lang="en-US" sz="2400" b="1" i="1" dirty="0">
+                <a:solidFill>
+                  <a:schemeClr val="accent1"/>
+                </a:solidFill>
+              </a:rPr>
+              <a:t>WHERE</a:t>
+            </a:r>
+            <a:r>
+              <a:rPr lang="en-US" sz="2400" dirty="0"/>
+              <a:t> (mezo1,mezo2) &lt;</a:t>
+            </a:r>
+            <a:br>
+              <a:rPr lang="hu-HU" sz="2400" dirty="0"/>
+            </a:br>
+            <a:r>
+              <a:rPr lang="hu-HU" sz="2400" dirty="0"/>
+              <a:t>							</a:t>
+            </a:r>
+            <a:r>
+              <a:rPr lang="en-US" sz="2400" dirty="0"/>
+              <a:t> ( </a:t>
+            </a:r>
+            <a:r>
+              <a:rPr lang="en-US" sz="2400" b="1" i="1" dirty="0">
+                <a:solidFill>
+                  <a:schemeClr val="accent1"/>
+                </a:solidFill>
+              </a:rPr>
+              <a:t>SELECT</a:t>
+            </a:r>
+            <a:r>
+              <a:rPr lang="en-US" sz="2400" dirty="0"/>
+              <a:t> </a:t>
+            </a:r>
+            <a:r>
+              <a:rPr lang="en-US" sz="2400" b="1" i="1" dirty="0">
+                <a:solidFill>
+                  <a:schemeClr val="accent1"/>
+                </a:solidFill>
+              </a:rPr>
+              <a:t>AVG</a:t>
+            </a:r>
+            <a:r>
+              <a:rPr lang="en-US" sz="2400" dirty="0"/>
+              <a:t>(mezo1), </a:t>
+            </a:r>
+            <a:r>
+              <a:rPr lang="en-US" sz="2400" b="1" i="1" dirty="0">
+                <a:solidFill>
+                  <a:schemeClr val="accent1"/>
+                </a:solidFill>
+              </a:rPr>
+              <a:t>AVG</a:t>
+            </a:r>
+            <a:r>
+              <a:rPr lang="en-US" sz="2400" dirty="0"/>
+              <a:t>(mezo2) </a:t>
+            </a:r>
+            <a:r>
+              <a:rPr lang="en-US" sz="2400" b="1" i="1" dirty="0">
+                <a:solidFill>
+                  <a:schemeClr val="accent1"/>
+                </a:solidFill>
+              </a:rPr>
+              <a:t>FROM</a:t>
+            </a:r>
+            <a:r>
+              <a:rPr lang="en-US" sz="2400" dirty="0"/>
+              <a:t> t2</a:t>
+            </a:r>
+            <a:r>
+              <a:rPr lang="hu-HU" sz="2400" dirty="0"/>
+              <a:t> </a:t>
+            </a:r>
+            <a:r>
+              <a:rPr lang="en-US" sz="2400" dirty="0"/>
+              <a:t>);</a:t>
+            </a:r>
+            <a:endParaRPr lang="hu-HU" sz="2400" dirty="0"/>
+          </a:p>
+          <a:p>
+            <a:pPr marL="0" indent="0">
+              <a:buNone/>
+            </a:pPr>
+            <a:endParaRPr lang="hu-HU" dirty="0"/>
           </a:p>
         </p:txBody>
       </p:sp>
     </p:spTree>
     <p:extLst>
       <p:ext uri="{BB962C8B-B14F-4D97-AF65-F5344CB8AC3E}">
-        <p14:creationId xmlns:p14="http://schemas.microsoft.com/office/powerpoint/2010/main" val="396090501"/>
+        <p14:creationId xmlns:p14="http://schemas.microsoft.com/office/powerpoint/2010/main" val="2539486945"/>
       </p:ext>
     </p:extLst>
   </p:cSld>
@@ -11648,8 +10600,20 @@
           <a:lstStyle/>
           <a:p>
             <a:r>
+              <a:rPr lang="hu-HU" dirty="0" err="1"/>
+              <a:t>Allekérdezés</a:t>
+            </a:r>
+            <a:r>
               <a:rPr lang="hu-HU" dirty="0"/>
-              <a:t>Fogalmak: Mező</a:t>
+              <a:t> – </a:t>
+            </a:r>
+            <a:r>
+              <a:rPr lang="hu-HU" dirty="0" err="1"/>
+              <a:t>Subquery</a:t>
+            </a:r>
+            <a:r>
+              <a:rPr lang="hu-HU" dirty="0"/>
+              <a:t> – Típusai</a:t>
             </a:r>
           </a:p>
         </p:txBody>
@@ -11666,32 +10630,37 @@
         </p:nvSpPr>
         <p:spPr>
           <a:xfrm>
-            <a:off x="818712" y="2222288"/>
-            <a:ext cx="10554574" cy="1941750"/>
+            <a:off x="818712" y="2222287"/>
+            <a:ext cx="10554574" cy="4188525"/>
           </a:xfrm>
         </p:spPr>
         <p:txBody>
-          <a:bodyPr/>
+          <a:bodyPr anchor="ctr">
+            <a:normAutofit lnSpcReduction="10000"/>
+          </a:bodyPr>
           <a:lstStyle/>
           <a:p>
             <a:pPr marL="0" indent="0">
               <a:buNone/>
             </a:pPr>
-            <a:r>
-              <a:rPr lang="hu-HU" dirty="0"/>
-              <a:t>A </a:t>
-            </a:r>
             <a:r>
               <a:rPr lang="hu-HU" b="1" i="1" dirty="0">
                 <a:solidFill>
                   <a:schemeClr val="accent1"/>
                 </a:solidFill>
               </a:rPr>
-              <a:t>tábla</a:t>
+              <a:t>3. típus: </a:t>
             </a:r>
             <a:r>
               <a:rPr lang="hu-HU" dirty="0"/>
-              <a:t> fejrészében található adat, amely megadja, hogy abban az oszlopban lévő adatokat </a:t>
+              <a:t>Több rekordot ad vissza. </a:t>
+            </a:r>
+            <a:br>
+              <a:rPr lang="hu-HU" dirty="0"/>
+            </a:br>
+            <a:r>
+              <a:rPr lang="hu-HU" dirty="0"/>
+              <a:t>Ilyenkor használható az I</a:t>
             </a:r>
             <a:r>
               <a:rPr lang="hu-HU" b="1" i="1" dirty="0">
@@ -11699,11 +10668,11 @@
                   <a:schemeClr val="accent1"/>
                 </a:solidFill>
               </a:rPr>
-              <a:t>milyen néven </a:t>
+              <a:t>N(), ANY(), ALL() </a:t>
             </a:r>
             <a:r>
               <a:rPr lang="hu-HU" dirty="0"/>
-              <a:t>hívjuk, illetve az </a:t>
+              <a:t>operátorokban, vagy akár  a </a:t>
             </a:r>
             <a:r>
               <a:rPr lang="hu-HU" b="1" i="1" dirty="0">
@@ -11711,943 +10680,313 @@
                   <a:schemeClr val="accent1"/>
                 </a:solidFill>
               </a:rPr>
-              <a:t>milyen típusú </a:t>
+              <a:t>FROM</a:t>
             </a:r>
             <a:r>
               <a:rPr lang="hu-HU" dirty="0"/>
-              <a:t>(mi az értéktartománya).  </a:t>
-            </a:r>
-            <a:br>
+              <a:t>-ban. </a:t>
+            </a:r>
+          </a:p>
+          <a:p>
+            <a:pPr marL="0" indent="0">
+              <a:buNone/>
+            </a:pPr>
+            <a:r>
               <a:rPr lang="hu-HU" dirty="0"/>
-            </a:br>
-            <a:r>
-              <a:rPr lang="hu-HU" sz="1800" dirty="0"/>
-              <a:t>A </a:t>
-            </a:r>
-            <a:r>
-              <a:rPr lang="hu-HU" sz="1800" b="1" i="1" dirty="0">
+              <a:t>Például:</a:t>
+            </a:r>
+          </a:p>
+          <a:p>
+            <a:pPr marL="0" indent="0">
+              <a:buNone/>
+            </a:pPr>
+            <a:r>
+              <a:rPr lang="hu-HU" dirty="0"/>
+              <a:t>	</a:t>
+            </a:r>
+            <a:r>
+              <a:rPr lang="en-US" b="1" i="1" dirty="0">
                 <a:solidFill>
                   <a:schemeClr val="accent1"/>
                 </a:solidFill>
               </a:rPr>
-              <a:t>mezők</a:t>
-            </a:r>
-            <a:r>
-              <a:rPr lang="hu-HU" sz="1800" dirty="0"/>
-              <a:t>nek lehetnek még egyéb tulajdonságai, mint például alapérték megadás, lehet-e üres, stb.</a:t>
+              <a:t>SELECT</a:t>
+            </a:r>
+            <a:r>
+              <a:rPr lang="en-US" dirty="0"/>
+              <a:t> </a:t>
+            </a:r>
+            <a:r>
+              <a:rPr lang="en-US" b="1" i="1" dirty="0">
+                <a:solidFill>
+                  <a:schemeClr val="accent1"/>
+                </a:solidFill>
+              </a:rPr>
+              <a:t>COUNT</a:t>
+            </a:r>
+            <a:r>
+              <a:rPr lang="en-US" dirty="0"/>
+              <a:t>(*) </a:t>
+            </a:r>
+            <a:r>
+              <a:rPr lang="en-US" b="1" i="1" dirty="0">
+                <a:solidFill>
+                  <a:schemeClr val="accent1"/>
+                </a:solidFill>
+              </a:rPr>
+              <a:t>FROM</a:t>
+            </a:r>
+            <a:r>
+              <a:rPr lang="en-US" dirty="0"/>
+              <a:t> (</a:t>
+            </a:r>
+            <a:r>
+              <a:rPr lang="en-US" b="1" i="1" dirty="0">
+                <a:solidFill>
+                  <a:schemeClr val="accent1"/>
+                </a:solidFill>
+              </a:rPr>
+              <a:t>SELECT</a:t>
+            </a:r>
+            <a:r>
+              <a:rPr lang="en-US" dirty="0"/>
+              <a:t> mezo1 </a:t>
+            </a:r>
+            <a:r>
+              <a:rPr lang="en-US" b="1" i="1" dirty="0">
+                <a:solidFill>
+                  <a:schemeClr val="accent1"/>
+                </a:solidFill>
+              </a:rPr>
+              <a:t>FROM</a:t>
+            </a:r>
+            <a:r>
+              <a:rPr lang="en-US" dirty="0"/>
+              <a:t> t2) </a:t>
+            </a:r>
+            <a:r>
+              <a:rPr lang="hu-HU" b="1" i="1" dirty="0">
+                <a:solidFill>
+                  <a:schemeClr val="accent1"/>
+                </a:solidFill>
+              </a:rPr>
+              <a:t>AS</a:t>
+            </a:r>
+            <a:r>
+              <a:rPr lang="en-US" dirty="0"/>
+              <a:t> </a:t>
+            </a:r>
+            <a:r>
+              <a:rPr lang="en-US" dirty="0" err="1"/>
+              <a:t>tt</a:t>
+            </a:r>
+            <a:r>
+              <a:rPr lang="en-US" dirty="0"/>
+              <a:t>;</a:t>
             </a:r>
             <a:endParaRPr lang="hu-HU" dirty="0"/>
           </a:p>
+          <a:p>
+            <a:pPr marL="0" indent="0">
+              <a:buNone/>
+            </a:pPr>
+            <a:r>
+              <a:rPr lang="hu-HU" dirty="0"/>
+              <a:t>	</a:t>
+            </a:r>
+            <a:r>
+              <a:rPr lang="en-US" b="1" i="1" dirty="0">
+                <a:solidFill>
+                  <a:schemeClr val="accent1"/>
+                </a:solidFill>
+              </a:rPr>
+              <a:t>SELECT * FROM </a:t>
+            </a:r>
+            <a:r>
+              <a:rPr lang="en-US" dirty="0"/>
+              <a:t>t</a:t>
+            </a:r>
+            <a:r>
+              <a:rPr lang="hu-HU" dirty="0"/>
+              <a:t>1</a:t>
+            </a:r>
+            <a:r>
+              <a:rPr lang="en-US" dirty="0"/>
+              <a:t> </a:t>
+            </a:r>
+            <a:r>
+              <a:rPr lang="en-US" b="1" i="1" dirty="0">
+                <a:solidFill>
+                  <a:schemeClr val="accent1"/>
+                </a:solidFill>
+              </a:rPr>
+              <a:t>WHERE</a:t>
+            </a:r>
+            <a:r>
+              <a:rPr lang="en-US" dirty="0"/>
+              <a:t> (mezo1,mezo2) IN </a:t>
+            </a:r>
+            <a:endParaRPr lang="hu-HU" dirty="0"/>
+          </a:p>
+          <a:p>
+            <a:pPr marL="0" indent="0">
+              <a:buNone/>
+            </a:pPr>
+            <a:r>
+              <a:rPr lang="hu-HU" dirty="0"/>
+              <a:t>											</a:t>
+            </a:r>
+            <a:r>
+              <a:rPr lang="en-US" dirty="0"/>
+              <a:t>(</a:t>
+            </a:r>
+            <a:r>
+              <a:rPr lang="hu-HU" dirty="0"/>
+              <a:t> </a:t>
+            </a:r>
+            <a:r>
+              <a:rPr lang="en-US" b="1" i="1" dirty="0">
+                <a:solidFill>
+                  <a:schemeClr val="accent1"/>
+                </a:solidFill>
+              </a:rPr>
+              <a:t>SELECT</a:t>
+            </a:r>
+            <a:r>
+              <a:rPr lang="en-US" dirty="0"/>
+              <a:t> mezo1,mezo3 </a:t>
+            </a:r>
+            <a:r>
+              <a:rPr lang="en-US" b="1" i="1" dirty="0">
+                <a:solidFill>
+                  <a:schemeClr val="accent1"/>
+                </a:solidFill>
+              </a:rPr>
+              <a:t>FROM</a:t>
+            </a:r>
+            <a:r>
+              <a:rPr lang="en-US" dirty="0"/>
+              <a:t> t</a:t>
+            </a:r>
+            <a:r>
+              <a:rPr lang="hu-HU" dirty="0"/>
+              <a:t>2 </a:t>
+            </a:r>
+            <a:r>
+              <a:rPr lang="en-US" dirty="0"/>
+              <a:t>);</a:t>
+            </a:r>
+            <a:endParaRPr lang="hu-HU" dirty="0"/>
+          </a:p>
+          <a:p>
+            <a:pPr marL="0" indent="0">
+              <a:buNone/>
+            </a:pPr>
+            <a:r>
+              <a:rPr lang="hu-HU" dirty="0"/>
+              <a:t>	</a:t>
+            </a:r>
+            <a:r>
+              <a:rPr lang="en-US" b="1" i="1" dirty="0">
+                <a:solidFill>
+                  <a:schemeClr val="accent1"/>
+                </a:solidFill>
+              </a:rPr>
+              <a:t>SELECT * FROM </a:t>
+            </a:r>
+            <a:r>
+              <a:rPr lang="en-US" dirty="0"/>
+              <a:t>t</a:t>
+            </a:r>
+            <a:r>
+              <a:rPr lang="hu-HU" dirty="0"/>
+              <a:t>1</a:t>
+            </a:r>
+            <a:r>
+              <a:rPr lang="en-US" dirty="0"/>
+              <a:t> </a:t>
+            </a:r>
+            <a:r>
+              <a:rPr lang="en-US" b="1" i="1" dirty="0">
+                <a:solidFill>
+                  <a:schemeClr val="accent1"/>
+                </a:solidFill>
+              </a:rPr>
+              <a:t>WHERE</a:t>
+            </a:r>
+            <a:r>
+              <a:rPr lang="en-US" dirty="0"/>
+              <a:t> (mezo1,mezo2) &lt; </a:t>
+            </a:r>
+            <a:r>
+              <a:rPr lang="en-US" b="1" i="1" dirty="0">
+                <a:solidFill>
+                  <a:schemeClr val="accent1"/>
+                </a:solidFill>
+              </a:rPr>
+              <a:t>ANY</a:t>
+            </a:r>
+            <a:r>
+              <a:rPr lang="hu-HU" dirty="0"/>
+              <a:t> </a:t>
+            </a:r>
+          </a:p>
+          <a:p>
+            <a:pPr marL="0" indent="0">
+              <a:buNone/>
+            </a:pPr>
+            <a:r>
+              <a:rPr lang="hu-HU" dirty="0"/>
+              <a:t>											</a:t>
+            </a:r>
+            <a:r>
+              <a:rPr lang="en-US" dirty="0"/>
+              <a:t>(</a:t>
+            </a:r>
+            <a:r>
+              <a:rPr lang="hu-HU" dirty="0"/>
+              <a:t> </a:t>
+            </a:r>
+            <a:r>
+              <a:rPr lang="en-US" b="1" i="1" dirty="0">
+                <a:solidFill>
+                  <a:schemeClr val="accent1"/>
+                </a:solidFill>
+              </a:rPr>
+              <a:t>SELECT</a:t>
+            </a:r>
+            <a:r>
+              <a:rPr lang="en-US" dirty="0"/>
+              <a:t> mezo1,mezo3 </a:t>
+            </a:r>
+            <a:r>
+              <a:rPr lang="en-US" b="1" i="1" dirty="0">
+                <a:solidFill>
+                  <a:schemeClr val="accent1"/>
+                </a:solidFill>
+              </a:rPr>
+              <a:t>FROM</a:t>
+            </a:r>
+            <a:r>
+              <a:rPr lang="en-US" dirty="0"/>
+              <a:t> t</a:t>
+            </a:r>
+            <a:r>
+              <a:rPr lang="hu-HU" dirty="0"/>
+              <a:t>2 </a:t>
+            </a:r>
+            <a:r>
+              <a:rPr lang="en-US" dirty="0"/>
+              <a:t>);</a:t>
+            </a:r>
+            <a:endParaRPr lang="hu-HU" dirty="0"/>
+          </a:p>
         </p:txBody>
       </p:sp>
-      <p:graphicFrame>
-        <p:nvGraphicFramePr>
-          <p:cNvPr id="5" name="Táblázat 4"/>
-          <p:cNvGraphicFramePr>
-            <a:graphicFrameLocks noGrp="1"/>
-          </p:cNvGraphicFramePr>
-          <p:nvPr>
-            <p:extLst>
-              <p:ext uri="{D42A27DB-BD31-4B8C-83A1-F6EECF244321}">
-                <p14:modId xmlns:p14="http://schemas.microsoft.com/office/powerpoint/2010/main" val="229218008"/>
-              </p:ext>
-            </p:extLst>
-          </p:nvPr>
-        </p:nvGraphicFramePr>
-        <p:xfrm>
-          <a:off x="910330" y="4705562"/>
-          <a:ext cx="2780030" cy="1483360"/>
-        </p:xfrm>
-        <a:graphic>
-          <a:graphicData uri="http://schemas.openxmlformats.org/drawingml/2006/table">
-            <a:tbl>
-              <a:tblPr firstRow="1" bandRow="1">
-                <a:tableStyleId>{5C22544A-7EE6-4342-B048-85BDC9FD1C3A}</a:tableStyleId>
-              </a:tblPr>
-              <a:tblGrid>
-                <a:gridCol w="447930">
-                  <a:extLst>
-                    <a:ext uri="{9D8B030D-6E8A-4147-A177-3AD203B41FA5}">
-                      <a16:colId xmlns:a16="http://schemas.microsoft.com/office/drawing/2014/main" val="1373194223"/>
-                    </a:ext>
-                  </a:extLst>
-                </a:gridCol>
-                <a:gridCol w="914780">
-                  <a:extLst>
-                    <a:ext uri="{9D8B030D-6E8A-4147-A177-3AD203B41FA5}">
-                      <a16:colId xmlns:a16="http://schemas.microsoft.com/office/drawing/2014/main" val="2417919438"/>
-                    </a:ext>
-                  </a:extLst>
-                </a:gridCol>
-                <a:gridCol w="1417320">
-                  <a:extLst>
-                    <a:ext uri="{9D8B030D-6E8A-4147-A177-3AD203B41FA5}">
-                      <a16:colId xmlns:a16="http://schemas.microsoft.com/office/drawing/2014/main" val="2052402733"/>
-                    </a:ext>
-                  </a:extLst>
-                </a:gridCol>
-              </a:tblGrid>
-              <a:tr h="370840">
-                <a:tc>
-                  <a:txBody>
-                    <a:bodyPr/>
-                    <a:lstStyle/>
-                    <a:p>
-                      <a:r>
-                        <a:rPr lang="hu-HU" dirty="0" err="1"/>
-                        <a:t>id</a:t>
-                      </a:r>
-                      <a:endParaRPr lang="hu-HU" dirty="0"/>
-                    </a:p>
-                  </a:txBody>
-                  <a:tcPr/>
-                </a:tc>
-                <a:tc>
-                  <a:txBody>
-                    <a:bodyPr/>
-                    <a:lstStyle/>
-                    <a:p>
-                      <a:r>
-                        <a:rPr lang="hu-HU" dirty="0" err="1"/>
-                        <a:t>nev</a:t>
-                      </a:r>
-                      <a:endParaRPr lang="hu-HU" dirty="0"/>
-                    </a:p>
-                  </a:txBody>
-                  <a:tcPr/>
-                </a:tc>
-                <a:tc>
-                  <a:txBody>
-                    <a:bodyPr/>
-                    <a:lstStyle/>
-                    <a:p>
-                      <a:r>
-                        <a:rPr lang="hu-HU" dirty="0" err="1"/>
-                        <a:t>magassag</a:t>
-                      </a:r>
-                      <a:endParaRPr lang="hu-HU" dirty="0"/>
-                    </a:p>
-                  </a:txBody>
-                  <a:tcPr/>
-                </a:tc>
-                <a:extLst>
-                  <a:ext uri="{0D108BD9-81ED-4DB2-BD59-A6C34878D82A}">
-                    <a16:rowId xmlns:a16="http://schemas.microsoft.com/office/drawing/2014/main" val="3996322335"/>
-                  </a:ext>
-                </a:extLst>
-              </a:tr>
-              <a:tr h="370840">
-                <a:tc>
-                  <a:txBody>
-                    <a:bodyPr/>
-                    <a:lstStyle/>
-                    <a:p>
-                      <a:r>
-                        <a:rPr lang="hu-HU" dirty="0"/>
-                        <a:t>1</a:t>
-                      </a:r>
-                    </a:p>
-                  </a:txBody>
-                  <a:tcPr/>
-                </a:tc>
-                <a:tc>
-                  <a:txBody>
-                    <a:bodyPr/>
-                    <a:lstStyle/>
-                    <a:p>
-                      <a:r>
-                        <a:rPr lang="hu-HU" dirty="0"/>
-                        <a:t>Jóska</a:t>
-                      </a:r>
-                    </a:p>
-                  </a:txBody>
-                  <a:tcPr/>
-                </a:tc>
-                <a:tc>
-                  <a:txBody>
-                    <a:bodyPr/>
-                    <a:lstStyle/>
-                    <a:p>
-                      <a:r>
-                        <a:rPr lang="hu-HU" dirty="0"/>
-                        <a:t>156</a:t>
-                      </a:r>
-                    </a:p>
-                  </a:txBody>
-                  <a:tcPr/>
-                </a:tc>
-                <a:extLst>
-                  <a:ext uri="{0D108BD9-81ED-4DB2-BD59-A6C34878D82A}">
-                    <a16:rowId xmlns:a16="http://schemas.microsoft.com/office/drawing/2014/main" val="760060688"/>
-                  </a:ext>
-                </a:extLst>
-              </a:tr>
-              <a:tr h="370840">
-                <a:tc>
-                  <a:txBody>
-                    <a:bodyPr/>
-                    <a:lstStyle/>
-                    <a:p>
-                      <a:r>
-                        <a:rPr lang="hu-HU" dirty="0"/>
-                        <a:t>2</a:t>
-                      </a:r>
-                    </a:p>
-                  </a:txBody>
-                  <a:tcPr/>
-                </a:tc>
-                <a:tc>
-                  <a:txBody>
-                    <a:bodyPr/>
-                    <a:lstStyle/>
-                    <a:p>
-                      <a:r>
-                        <a:rPr lang="hu-HU" dirty="0"/>
-                        <a:t>Pista</a:t>
-                      </a:r>
-                    </a:p>
-                  </a:txBody>
-                  <a:tcPr/>
-                </a:tc>
-                <a:tc>
-                  <a:txBody>
-                    <a:bodyPr/>
-                    <a:lstStyle/>
-                    <a:p>
-                      <a:r>
-                        <a:rPr lang="hu-HU" dirty="0"/>
-                        <a:t>176</a:t>
-                      </a:r>
-                    </a:p>
-                  </a:txBody>
-                  <a:tcPr/>
-                </a:tc>
-                <a:extLst>
-                  <a:ext uri="{0D108BD9-81ED-4DB2-BD59-A6C34878D82A}">
-                    <a16:rowId xmlns:a16="http://schemas.microsoft.com/office/drawing/2014/main" val="658701503"/>
-                  </a:ext>
-                </a:extLst>
-              </a:tr>
-              <a:tr h="370840">
-                <a:tc>
-                  <a:txBody>
-                    <a:bodyPr/>
-                    <a:lstStyle/>
-                    <a:p>
-                      <a:r>
-                        <a:rPr lang="hu-HU" dirty="0"/>
-                        <a:t>3</a:t>
-                      </a:r>
-                    </a:p>
-                  </a:txBody>
-                  <a:tcPr/>
-                </a:tc>
-                <a:tc>
-                  <a:txBody>
-                    <a:bodyPr/>
-                    <a:lstStyle/>
-                    <a:p>
-                      <a:r>
-                        <a:rPr lang="hu-HU" dirty="0"/>
-                        <a:t>Marcsi</a:t>
-                      </a:r>
-                    </a:p>
-                  </a:txBody>
-                  <a:tcPr/>
-                </a:tc>
-                <a:tc>
-                  <a:txBody>
-                    <a:bodyPr/>
-                    <a:lstStyle/>
-                    <a:p>
-                      <a:r>
-                        <a:rPr lang="hu-HU" dirty="0"/>
-                        <a:t>196</a:t>
-                      </a:r>
-                    </a:p>
-                  </a:txBody>
-                  <a:tcPr/>
-                </a:tc>
-                <a:extLst>
-                  <a:ext uri="{0D108BD9-81ED-4DB2-BD59-A6C34878D82A}">
-                    <a16:rowId xmlns:a16="http://schemas.microsoft.com/office/drawing/2014/main" val="1435729292"/>
-                  </a:ext>
-                </a:extLst>
-              </a:tr>
-            </a:tbl>
-          </a:graphicData>
-        </a:graphic>
-      </p:graphicFrame>
-      <p:graphicFrame>
-        <p:nvGraphicFramePr>
-          <p:cNvPr id="6" name="Táblázat 5"/>
-          <p:cNvGraphicFramePr>
-            <a:graphicFrameLocks noGrp="1"/>
-          </p:cNvGraphicFramePr>
-          <p:nvPr>
-            <p:extLst>
-              <p:ext uri="{D42A27DB-BD31-4B8C-83A1-F6EECF244321}">
-                <p14:modId xmlns:p14="http://schemas.microsoft.com/office/powerpoint/2010/main" val="805822813"/>
-              </p:ext>
-            </p:extLst>
-          </p:nvPr>
-        </p:nvGraphicFramePr>
-        <p:xfrm>
-          <a:off x="6981967" y="4710642"/>
-          <a:ext cx="3568699" cy="1478280"/>
-        </p:xfrm>
-        <a:graphic>
-          <a:graphicData uri="http://schemas.openxmlformats.org/drawingml/2006/table">
-            <a:tbl>
-              <a:tblPr firstRow="1" bandRow="1">
-                <a:tableStyleId>{5C22544A-7EE6-4342-B048-85BDC9FD1C3A}</a:tableStyleId>
-              </a:tblPr>
-              <a:tblGrid>
-                <a:gridCol w="436901">
-                  <a:extLst>
-                    <a:ext uri="{9D8B030D-6E8A-4147-A177-3AD203B41FA5}">
-                      <a16:colId xmlns:a16="http://schemas.microsoft.com/office/drawing/2014/main" val="3130221981"/>
-                    </a:ext>
-                  </a:extLst>
-                </a:gridCol>
-                <a:gridCol w="847722">
-                  <a:extLst>
-                    <a:ext uri="{9D8B030D-6E8A-4147-A177-3AD203B41FA5}">
-                      <a16:colId xmlns:a16="http://schemas.microsoft.com/office/drawing/2014/main" val="509116263"/>
-                    </a:ext>
-                  </a:extLst>
-                </a:gridCol>
-                <a:gridCol w="1189455">
-                  <a:extLst>
-                    <a:ext uri="{9D8B030D-6E8A-4147-A177-3AD203B41FA5}">
-                      <a16:colId xmlns:a16="http://schemas.microsoft.com/office/drawing/2014/main" val="1027714813"/>
-                    </a:ext>
-                  </a:extLst>
-                </a:gridCol>
-                <a:gridCol w="1094621">
-                  <a:extLst>
-                    <a:ext uri="{9D8B030D-6E8A-4147-A177-3AD203B41FA5}">
-                      <a16:colId xmlns:a16="http://schemas.microsoft.com/office/drawing/2014/main" val="773983924"/>
-                    </a:ext>
-                  </a:extLst>
-                </a:gridCol>
-              </a:tblGrid>
-              <a:tr h="370840">
-                <a:tc>
-                  <a:txBody>
-                    <a:bodyPr/>
-                    <a:lstStyle/>
-                    <a:p>
-                      <a:r>
-                        <a:rPr lang="hu-HU" dirty="0" err="1"/>
-                        <a:t>id</a:t>
-                      </a:r>
-                      <a:endParaRPr lang="hu-HU" dirty="0"/>
-                    </a:p>
-                  </a:txBody>
-                  <a:tcPr/>
-                </a:tc>
-                <a:tc>
-                  <a:txBody>
-                    <a:bodyPr/>
-                    <a:lstStyle/>
-                    <a:p>
-                      <a:r>
-                        <a:rPr lang="hu-HU" dirty="0" err="1"/>
-                        <a:t>nev</a:t>
-                      </a:r>
-                      <a:endParaRPr lang="hu-HU" dirty="0"/>
-                    </a:p>
-                  </a:txBody>
-                  <a:tcPr/>
-                </a:tc>
-                <a:tc>
-                  <a:txBody>
-                    <a:bodyPr/>
-                    <a:lstStyle/>
-                    <a:p>
-                      <a:r>
-                        <a:rPr lang="hu-HU" dirty="0" err="1"/>
-                        <a:t>felelosid</a:t>
-                      </a:r>
-                      <a:endParaRPr lang="hu-HU" dirty="0"/>
-                    </a:p>
-                  </a:txBody>
-                  <a:tcPr/>
-                </a:tc>
-                <a:tc>
-                  <a:txBody>
-                    <a:bodyPr/>
-                    <a:lstStyle/>
-                    <a:p>
-                      <a:r>
-                        <a:rPr lang="hu-HU" dirty="0" err="1"/>
-                        <a:t>ferohely</a:t>
-                      </a:r>
-                      <a:endParaRPr lang="hu-HU" dirty="0"/>
-                    </a:p>
-                  </a:txBody>
-                  <a:tcPr/>
-                </a:tc>
-                <a:extLst>
-                  <a:ext uri="{0D108BD9-81ED-4DB2-BD59-A6C34878D82A}">
-                    <a16:rowId xmlns:a16="http://schemas.microsoft.com/office/drawing/2014/main" val="2075536770"/>
-                  </a:ext>
-                </a:extLst>
-              </a:tr>
-              <a:tr h="359837">
-                <a:tc>
-                  <a:txBody>
-                    <a:bodyPr/>
-                    <a:lstStyle/>
-                    <a:p>
-                      <a:r>
-                        <a:rPr lang="hu-HU" dirty="0"/>
-                        <a:t>1</a:t>
-                      </a:r>
-                    </a:p>
-                  </a:txBody>
-                  <a:tcPr/>
-                </a:tc>
-                <a:tc>
-                  <a:txBody>
-                    <a:bodyPr/>
-                    <a:lstStyle/>
-                    <a:p>
-                      <a:r>
-                        <a:rPr lang="hu-HU" dirty="0"/>
-                        <a:t>B1</a:t>
-                      </a:r>
-                    </a:p>
-                  </a:txBody>
-                  <a:tcPr/>
-                </a:tc>
-                <a:tc>
-                  <a:txBody>
-                    <a:bodyPr/>
-                    <a:lstStyle/>
-                    <a:p>
-                      <a:r>
-                        <a:rPr lang="hu-HU" dirty="0"/>
-                        <a:t>2</a:t>
-                      </a:r>
-                    </a:p>
-                  </a:txBody>
-                  <a:tcPr/>
-                </a:tc>
-                <a:tc>
-                  <a:txBody>
-                    <a:bodyPr/>
-                    <a:lstStyle/>
-                    <a:p>
-                      <a:r>
-                        <a:rPr lang="hu-HU" dirty="0"/>
-                        <a:t>16</a:t>
-                      </a:r>
-                    </a:p>
-                  </a:txBody>
-                  <a:tcPr/>
-                </a:tc>
-                <a:extLst>
-                  <a:ext uri="{0D108BD9-81ED-4DB2-BD59-A6C34878D82A}">
-                    <a16:rowId xmlns:a16="http://schemas.microsoft.com/office/drawing/2014/main" val="3531612525"/>
-                  </a:ext>
-                </a:extLst>
-              </a:tr>
-              <a:tr h="370840">
-                <a:tc>
-                  <a:txBody>
-                    <a:bodyPr/>
-                    <a:lstStyle/>
-                    <a:p>
-                      <a:r>
-                        <a:rPr lang="hu-HU" dirty="0"/>
-                        <a:t>2</a:t>
-                      </a:r>
-                    </a:p>
-                  </a:txBody>
-                  <a:tcPr/>
-                </a:tc>
-                <a:tc>
-                  <a:txBody>
-                    <a:bodyPr/>
-                    <a:lstStyle/>
-                    <a:p>
-                      <a:r>
-                        <a:rPr lang="hu-HU" dirty="0"/>
-                        <a:t>A112</a:t>
-                      </a:r>
-                    </a:p>
-                  </a:txBody>
-                  <a:tcPr/>
-                </a:tc>
-                <a:tc>
-                  <a:txBody>
-                    <a:bodyPr/>
-                    <a:lstStyle/>
-                    <a:p>
-                      <a:r>
-                        <a:rPr lang="hu-HU" dirty="0"/>
-                        <a:t>3</a:t>
-                      </a:r>
-                    </a:p>
-                  </a:txBody>
-                  <a:tcPr/>
-                </a:tc>
-                <a:tc>
-                  <a:txBody>
-                    <a:bodyPr/>
-                    <a:lstStyle/>
-                    <a:p>
-                      <a:r>
-                        <a:rPr lang="hu-HU" dirty="0"/>
-                        <a:t>400</a:t>
-                      </a:r>
-                    </a:p>
-                  </a:txBody>
-                  <a:tcPr/>
-                </a:tc>
-                <a:extLst>
-                  <a:ext uri="{0D108BD9-81ED-4DB2-BD59-A6C34878D82A}">
-                    <a16:rowId xmlns:a16="http://schemas.microsoft.com/office/drawing/2014/main" val="2596275152"/>
-                  </a:ext>
-                </a:extLst>
-              </a:tr>
-              <a:tr h="370840">
-                <a:tc>
-                  <a:txBody>
-                    <a:bodyPr/>
-                    <a:lstStyle/>
-                    <a:p>
-                      <a:r>
-                        <a:rPr lang="hu-HU" dirty="0"/>
-                        <a:t>3</a:t>
-                      </a:r>
-                    </a:p>
-                  </a:txBody>
-                  <a:tcPr/>
-                </a:tc>
-                <a:tc>
-                  <a:txBody>
-                    <a:bodyPr/>
-                    <a:lstStyle/>
-                    <a:p>
-                      <a:r>
-                        <a:rPr lang="hu-HU" dirty="0"/>
-                        <a:t>34</a:t>
-                      </a:r>
-                    </a:p>
-                  </a:txBody>
-                  <a:tcPr/>
-                </a:tc>
-                <a:tc>
-                  <a:txBody>
-                    <a:bodyPr/>
-                    <a:lstStyle/>
-                    <a:p>
-                      <a:r>
-                        <a:rPr lang="hu-HU" dirty="0"/>
-                        <a:t>3</a:t>
-                      </a:r>
-                    </a:p>
-                  </a:txBody>
-                  <a:tcPr/>
-                </a:tc>
-                <a:tc>
-                  <a:txBody>
-                    <a:bodyPr/>
-                    <a:lstStyle/>
-                    <a:p>
-                      <a:r>
-                        <a:rPr lang="hu-HU" dirty="0"/>
-                        <a:t>35</a:t>
-                      </a:r>
-                    </a:p>
-                  </a:txBody>
-                  <a:tcPr/>
-                </a:tc>
-                <a:extLst>
-                  <a:ext uri="{0D108BD9-81ED-4DB2-BD59-A6C34878D82A}">
-                    <a16:rowId xmlns:a16="http://schemas.microsoft.com/office/drawing/2014/main" val="2573183061"/>
-                  </a:ext>
-                </a:extLst>
-              </a:tr>
-            </a:tbl>
-          </a:graphicData>
-        </a:graphic>
-      </p:graphicFrame>
-      <p:sp>
-        <p:nvSpPr>
-          <p:cNvPr id="7" name="Szövegdoboz 6"/>
-          <p:cNvSpPr txBox="1"/>
-          <p:nvPr/>
-        </p:nvSpPr>
-        <p:spPr>
-          <a:xfrm>
-            <a:off x="810000" y="4336230"/>
-            <a:ext cx="1093569" cy="369332"/>
-          </a:xfrm>
-          <a:prstGeom prst="rect">
-            <a:avLst/>
-          </a:prstGeom>
-          <a:noFill/>
-        </p:spPr>
-        <p:txBody>
-          <a:bodyPr wrap="none" rtlCol="0">
-            <a:spAutoFit/>
-          </a:bodyPr>
-          <a:lstStyle/>
-          <a:p>
-            <a:r>
-              <a:rPr lang="hu-HU" b="1" dirty="0" err="1"/>
-              <a:t>szemely</a:t>
-            </a:r>
-            <a:endParaRPr lang="hu-HU" b="1" dirty="0"/>
-          </a:p>
-        </p:txBody>
-      </p:sp>
-      <p:sp>
-        <p:nvSpPr>
-          <p:cNvPr id="8" name="Szövegdoboz 7"/>
-          <p:cNvSpPr txBox="1"/>
-          <p:nvPr/>
-        </p:nvSpPr>
-        <p:spPr>
-          <a:xfrm>
-            <a:off x="6851157" y="4341310"/>
-            <a:ext cx="838691" cy="369332"/>
-          </a:xfrm>
-          <a:prstGeom prst="rect">
-            <a:avLst/>
-          </a:prstGeom>
-          <a:noFill/>
-        </p:spPr>
-        <p:txBody>
-          <a:bodyPr wrap="none" rtlCol="0">
-            <a:spAutoFit/>
-          </a:bodyPr>
-          <a:lstStyle/>
-          <a:p>
-            <a:r>
-              <a:rPr lang="hu-HU" b="1" dirty="0"/>
-              <a:t>terem</a:t>
-            </a:r>
-          </a:p>
-        </p:txBody>
-      </p:sp>
-      <p:sp>
-        <p:nvSpPr>
-          <p:cNvPr id="3" name="Szövegdoboz 2"/>
-          <p:cNvSpPr txBox="1"/>
-          <p:nvPr/>
-        </p:nvSpPr>
-        <p:spPr>
-          <a:xfrm>
-            <a:off x="4498345" y="3813010"/>
-            <a:ext cx="1132041" cy="523220"/>
-          </a:xfrm>
-          <a:prstGeom prst="rect">
-            <a:avLst/>
-          </a:prstGeom>
-          <a:noFill/>
-        </p:spPr>
-        <p:txBody>
-          <a:bodyPr wrap="none" rtlCol="0">
-            <a:spAutoFit/>
-          </a:bodyPr>
-          <a:lstStyle/>
-          <a:p>
-            <a:r>
-              <a:rPr lang="hu-HU" sz="2800" b="1" dirty="0"/>
-              <a:t>Mező</a:t>
-            </a:r>
-            <a:endParaRPr lang="hu-HU" b="1" dirty="0"/>
-          </a:p>
-        </p:txBody>
-      </p:sp>
-      <p:cxnSp>
-        <p:nvCxnSpPr>
-          <p:cNvPr id="10" name="Egyenes összekötő nyíllal 9"/>
-          <p:cNvCxnSpPr/>
-          <p:nvPr/>
-        </p:nvCxnSpPr>
-        <p:spPr>
-          <a:xfrm flipH="1">
-            <a:off x="1183557" y="4164038"/>
-            <a:ext cx="3219632" cy="661658"/>
-          </a:xfrm>
-          <a:prstGeom prst="straightConnector1">
-            <a:avLst/>
-          </a:prstGeom>
-          <a:ln w="38100">
-            <a:solidFill>
-              <a:schemeClr val="accent1">
-                <a:lumMod val="20000"/>
-                <a:lumOff val="80000"/>
-              </a:schemeClr>
-            </a:solidFill>
-            <a:tailEnd type="triangle"/>
-          </a:ln>
-        </p:spPr>
-        <p:style>
-          <a:lnRef idx="1">
-            <a:schemeClr val="accent1"/>
-          </a:lnRef>
-          <a:fillRef idx="0">
-            <a:schemeClr val="accent1"/>
-          </a:fillRef>
-          <a:effectRef idx="0">
-            <a:schemeClr val="accent1"/>
-          </a:effectRef>
-          <a:fontRef idx="minor">
-            <a:schemeClr val="tx1"/>
-          </a:fontRef>
-        </p:style>
-      </p:cxnSp>
-      <p:cxnSp>
-        <p:nvCxnSpPr>
-          <p:cNvPr id="11" name="Egyenes összekötő nyíllal 10"/>
-          <p:cNvCxnSpPr/>
-          <p:nvPr/>
-        </p:nvCxnSpPr>
-        <p:spPr>
-          <a:xfrm flipH="1">
-            <a:off x="2012971" y="4181378"/>
-            <a:ext cx="2338566" cy="641903"/>
-          </a:xfrm>
-          <a:prstGeom prst="straightConnector1">
-            <a:avLst/>
-          </a:prstGeom>
-          <a:ln w="38100">
-            <a:solidFill>
-              <a:schemeClr val="accent1">
-                <a:lumMod val="20000"/>
-                <a:lumOff val="80000"/>
-              </a:schemeClr>
-            </a:solidFill>
-            <a:tailEnd type="triangle"/>
-          </a:ln>
-        </p:spPr>
-        <p:style>
-          <a:lnRef idx="1">
-            <a:schemeClr val="accent1"/>
-          </a:lnRef>
-          <a:fillRef idx="0">
-            <a:schemeClr val="accent1"/>
-          </a:fillRef>
-          <a:effectRef idx="0">
-            <a:schemeClr val="accent1"/>
-          </a:effectRef>
-          <a:fontRef idx="minor">
-            <a:schemeClr val="tx1"/>
-          </a:fontRef>
-        </p:style>
-      </p:cxnSp>
-      <p:cxnSp>
-        <p:nvCxnSpPr>
-          <p:cNvPr id="12" name="Egyenes összekötő nyíllal 11"/>
-          <p:cNvCxnSpPr/>
-          <p:nvPr/>
-        </p:nvCxnSpPr>
-        <p:spPr>
-          <a:xfrm flipH="1">
-            <a:off x="3072757" y="4178963"/>
-            <a:ext cx="1278780" cy="646733"/>
-          </a:xfrm>
-          <a:prstGeom prst="straightConnector1">
-            <a:avLst/>
-          </a:prstGeom>
-          <a:ln w="38100">
-            <a:solidFill>
-              <a:schemeClr val="accent1">
-                <a:lumMod val="20000"/>
-                <a:lumOff val="80000"/>
-              </a:schemeClr>
-            </a:solidFill>
-            <a:tailEnd type="triangle"/>
-          </a:ln>
-        </p:spPr>
-        <p:style>
-          <a:lnRef idx="1">
-            <a:schemeClr val="accent1"/>
-          </a:lnRef>
-          <a:fillRef idx="0">
-            <a:schemeClr val="accent1"/>
-          </a:fillRef>
-          <a:effectRef idx="0">
-            <a:schemeClr val="accent1"/>
-          </a:effectRef>
-          <a:fontRef idx="minor">
-            <a:schemeClr val="tx1"/>
-          </a:fontRef>
-        </p:style>
-      </p:cxnSp>
-      <p:cxnSp>
-        <p:nvCxnSpPr>
-          <p:cNvPr id="13" name="Egyenes összekötő nyíllal 12"/>
-          <p:cNvCxnSpPr>
-            <a:stCxn id="3" idx="3"/>
-          </p:cNvCxnSpPr>
-          <p:nvPr/>
-        </p:nvCxnSpPr>
-        <p:spPr>
-          <a:xfrm>
-            <a:off x="5630386" y="4074620"/>
-            <a:ext cx="2059462" cy="788422"/>
-          </a:xfrm>
-          <a:prstGeom prst="straightConnector1">
-            <a:avLst/>
-          </a:prstGeom>
-          <a:ln w="38100">
-            <a:solidFill>
-              <a:schemeClr val="accent1">
-                <a:lumMod val="20000"/>
-                <a:lumOff val="80000"/>
-              </a:schemeClr>
-            </a:solidFill>
-            <a:tailEnd type="triangle"/>
-          </a:ln>
-        </p:spPr>
-        <p:style>
-          <a:lnRef idx="1">
-            <a:schemeClr val="accent1"/>
-          </a:lnRef>
-          <a:fillRef idx="0">
-            <a:schemeClr val="accent1"/>
-          </a:fillRef>
-          <a:effectRef idx="0">
-            <a:schemeClr val="accent1"/>
-          </a:effectRef>
-          <a:fontRef idx="minor">
-            <a:schemeClr val="tx1"/>
-          </a:fontRef>
-        </p:style>
-      </p:cxnSp>
-      <p:cxnSp>
-        <p:nvCxnSpPr>
-          <p:cNvPr id="16" name="Egyenes összekötő nyíllal 15"/>
-          <p:cNvCxnSpPr/>
-          <p:nvPr/>
-        </p:nvCxnSpPr>
-        <p:spPr>
-          <a:xfrm>
-            <a:off x="5630386" y="4092194"/>
-            <a:ext cx="1640116" cy="701236"/>
-          </a:xfrm>
-          <a:prstGeom prst="straightConnector1">
-            <a:avLst/>
-          </a:prstGeom>
-          <a:ln w="38100">
-            <a:solidFill>
-              <a:schemeClr val="accent1">
-                <a:lumMod val="20000"/>
-                <a:lumOff val="80000"/>
-              </a:schemeClr>
-            </a:solidFill>
-            <a:tailEnd type="triangle"/>
-          </a:ln>
-        </p:spPr>
-        <p:style>
-          <a:lnRef idx="1">
-            <a:schemeClr val="accent1"/>
-          </a:lnRef>
-          <a:fillRef idx="0">
-            <a:schemeClr val="accent1"/>
-          </a:fillRef>
-          <a:effectRef idx="0">
-            <a:schemeClr val="accent1"/>
-          </a:effectRef>
-          <a:fontRef idx="minor">
-            <a:schemeClr val="tx1"/>
-          </a:fontRef>
-        </p:style>
-      </p:cxnSp>
-      <p:cxnSp>
-        <p:nvCxnSpPr>
-          <p:cNvPr id="17" name="Egyenes összekötő nyíllal 16"/>
-          <p:cNvCxnSpPr>
-            <a:stCxn id="3" idx="3"/>
-          </p:cNvCxnSpPr>
-          <p:nvPr/>
-        </p:nvCxnSpPr>
-        <p:spPr>
-          <a:xfrm>
-            <a:off x="5630386" y="4074620"/>
-            <a:ext cx="4267971" cy="748661"/>
-          </a:xfrm>
-          <a:prstGeom prst="straightConnector1">
-            <a:avLst/>
-          </a:prstGeom>
-          <a:ln w="38100">
-            <a:solidFill>
-              <a:schemeClr val="accent1">
-                <a:lumMod val="20000"/>
-                <a:lumOff val="80000"/>
-              </a:schemeClr>
-            </a:solidFill>
-            <a:tailEnd type="triangle"/>
-          </a:ln>
-        </p:spPr>
-        <p:style>
-          <a:lnRef idx="1">
-            <a:schemeClr val="accent1"/>
-          </a:lnRef>
-          <a:fillRef idx="0">
-            <a:schemeClr val="accent1"/>
-          </a:fillRef>
-          <a:effectRef idx="0">
-            <a:schemeClr val="accent1"/>
-          </a:effectRef>
-          <a:fontRef idx="minor">
-            <a:schemeClr val="tx1"/>
-          </a:fontRef>
-        </p:style>
-      </p:cxnSp>
-      <p:cxnSp>
-        <p:nvCxnSpPr>
-          <p:cNvPr id="18" name="Egyenes összekötő nyíllal 17"/>
-          <p:cNvCxnSpPr>
-            <a:stCxn id="3" idx="3"/>
-          </p:cNvCxnSpPr>
-          <p:nvPr/>
-        </p:nvCxnSpPr>
-        <p:spPr>
-          <a:xfrm>
-            <a:off x="5630386" y="4074620"/>
-            <a:ext cx="3135930" cy="788422"/>
-          </a:xfrm>
-          <a:prstGeom prst="straightConnector1">
-            <a:avLst/>
-          </a:prstGeom>
-          <a:ln w="38100">
-            <a:solidFill>
-              <a:schemeClr val="accent1">
-                <a:lumMod val="20000"/>
-                <a:lumOff val="80000"/>
-              </a:schemeClr>
-            </a:solidFill>
-            <a:tailEnd type="triangle"/>
-          </a:ln>
-        </p:spPr>
-        <p:style>
-          <a:lnRef idx="1">
-            <a:schemeClr val="accent1"/>
-          </a:lnRef>
-          <a:fillRef idx="0">
-            <a:schemeClr val="accent1"/>
-          </a:fillRef>
-          <a:effectRef idx="0">
-            <a:schemeClr val="accent1"/>
-          </a:effectRef>
-          <a:fontRef idx="minor">
-            <a:schemeClr val="tx1"/>
-          </a:fontRef>
-        </p:style>
-      </p:cxnSp>
     </p:spTree>
     <p:extLst>
       <p:ext uri="{BB962C8B-B14F-4D97-AF65-F5344CB8AC3E}">
-        <p14:creationId xmlns:p14="http://schemas.microsoft.com/office/powerpoint/2010/main" val="3099117453"/>
+        <p14:creationId xmlns:p14="http://schemas.microsoft.com/office/powerpoint/2010/main" val="2987635827"/>
       </p:ext>
     </p:extLst>
   </p:cSld>
@@ -12679,7 +11018,13 @@
       </p:grpSpPr>
       <p:sp>
         <p:nvSpPr>
-          <p:cNvPr id="2" name="Cím 1"/>
+          <p:cNvPr id="2" name="Cím 1">
+            <a:extLst>
+              <a:ext uri="{FF2B5EF4-FFF2-40B4-BE49-F238E27FC236}">
+                <a16:creationId xmlns:a16="http://schemas.microsoft.com/office/drawing/2014/main" id="{DC86E5F2-99BC-4654-ADE2-BBF0AE2C934B}"/>
+              </a:ext>
+            </a:extLst>
+          </p:cNvPr>
           <p:cNvSpPr>
             <a:spLocks noGrp="1"/>
           </p:cNvSpPr>
@@ -12692,16 +11037,19 @@
           <a:bodyPr/>
           <a:lstStyle/>
           <a:p>
-            <a:r>
-              <a:rPr lang="hu-HU" dirty="0"/>
-              <a:t>Fogalmak: Rekord</a:t>
-            </a:r>
+            <a:endParaRPr lang="hu-HU" dirty="0"/>
           </a:p>
         </p:txBody>
       </p:sp>
       <p:sp>
         <p:nvSpPr>
-          <p:cNvPr id="4" name="Tartalom helye 3"/>
+          <p:cNvPr id="3" name="Tartalom helye 2">
+            <a:extLst>
+              <a:ext uri="{FF2B5EF4-FFF2-40B4-BE49-F238E27FC236}">
+                <a16:creationId xmlns:a16="http://schemas.microsoft.com/office/drawing/2014/main" id="{5583E85D-3871-4030-9202-495FD50A42BA}"/>
+              </a:ext>
+            </a:extLst>
+          </p:cNvPr>
           <p:cNvSpPr>
             <a:spLocks noGrp="1"/>
           </p:cNvSpPr>
@@ -12709,1779 +11057,33 @@
             <p:ph idx="1"/>
           </p:nvPr>
         </p:nvSpPr>
-        <p:spPr>
-          <a:xfrm>
-            <a:off x="818712" y="2222288"/>
-            <a:ext cx="10554574" cy="2083012"/>
-          </a:xfrm>
-        </p:spPr>
+        <p:spPr/>
         <p:txBody>
-          <a:bodyPr/>
+          <a:bodyPr>
+            <a:normAutofit/>
+          </a:bodyPr>
           <a:lstStyle/>
           <a:p>
-            <a:pPr marL="0" indent="0">
+            <a:pPr marL="0" indent="0" algn="ctr">
               <a:buNone/>
             </a:pPr>
             <a:r>
-              <a:rPr lang="hu-HU" dirty="0"/>
-              <a:t>A </a:t>
-            </a:r>
-            <a:r>
-              <a:rPr lang="hu-HU" b="1" i="1" dirty="0">
-                <a:solidFill>
-                  <a:schemeClr val="accent1"/>
-                </a:solidFill>
-              </a:rPr>
-              <a:t>rekord</a:t>
-            </a:r>
-            <a:r>
-              <a:rPr lang="hu-HU" dirty="0"/>
-              <a:t> a </a:t>
-            </a:r>
-            <a:r>
-              <a:rPr lang="hu-HU" b="1" i="1" dirty="0">
-                <a:solidFill>
-                  <a:schemeClr val="accent1"/>
-                </a:solidFill>
-              </a:rPr>
-              <a:t>tábla</a:t>
-            </a:r>
-            <a:r>
-              <a:rPr lang="hu-HU" dirty="0"/>
-              <a:t> egy sora, amely nem a fejlécsor. </a:t>
-            </a:r>
-          </a:p>
-          <a:p>
-            <a:pPr marL="0" indent="0">
-              <a:buNone/>
-            </a:pPr>
-            <a:r>
-              <a:rPr lang="hu-HU" sz="2000" dirty="0"/>
-              <a:t>Lényegében ezek a tárolt adatok</a:t>
+              <a:rPr lang="hu-HU" sz="7200" dirty="0"/>
+              <a:t>Köszönöm a figyelmet!</a:t>
             </a:r>
           </a:p>
         </p:txBody>
       </p:sp>
-      <p:graphicFrame>
-        <p:nvGraphicFramePr>
-          <p:cNvPr id="5" name="Táblázat 4"/>
-          <p:cNvGraphicFramePr>
-            <a:graphicFrameLocks noGrp="1"/>
-          </p:cNvGraphicFramePr>
-          <p:nvPr>
-            <p:extLst>
-              <p:ext uri="{D42A27DB-BD31-4B8C-83A1-F6EECF244321}">
-                <p14:modId xmlns:p14="http://schemas.microsoft.com/office/powerpoint/2010/main" val="2449572740"/>
-              </p:ext>
-            </p:extLst>
-          </p:nvPr>
-        </p:nvGraphicFramePr>
-        <p:xfrm>
-          <a:off x="910330" y="4705562"/>
-          <a:ext cx="2780030" cy="1483360"/>
-        </p:xfrm>
-        <a:graphic>
-          <a:graphicData uri="http://schemas.openxmlformats.org/drawingml/2006/table">
-            <a:tbl>
-              <a:tblPr firstRow="1" bandRow="1">
-                <a:tableStyleId>{5C22544A-7EE6-4342-B048-85BDC9FD1C3A}</a:tableStyleId>
-              </a:tblPr>
-              <a:tblGrid>
-                <a:gridCol w="447930">
-                  <a:extLst>
-                    <a:ext uri="{9D8B030D-6E8A-4147-A177-3AD203B41FA5}">
-                      <a16:colId xmlns:a16="http://schemas.microsoft.com/office/drawing/2014/main" val="1373194223"/>
-                    </a:ext>
-                  </a:extLst>
-                </a:gridCol>
-                <a:gridCol w="914780">
-                  <a:extLst>
-                    <a:ext uri="{9D8B030D-6E8A-4147-A177-3AD203B41FA5}">
-                      <a16:colId xmlns:a16="http://schemas.microsoft.com/office/drawing/2014/main" val="2417919438"/>
-                    </a:ext>
-                  </a:extLst>
-                </a:gridCol>
-                <a:gridCol w="1417320">
-                  <a:extLst>
-                    <a:ext uri="{9D8B030D-6E8A-4147-A177-3AD203B41FA5}">
-                      <a16:colId xmlns:a16="http://schemas.microsoft.com/office/drawing/2014/main" val="2052402733"/>
-                    </a:ext>
-                  </a:extLst>
-                </a:gridCol>
-              </a:tblGrid>
-              <a:tr h="370840">
-                <a:tc>
-                  <a:txBody>
-                    <a:bodyPr/>
-                    <a:lstStyle/>
-                    <a:p>
-                      <a:r>
-                        <a:rPr lang="hu-HU" dirty="0" err="1"/>
-                        <a:t>id</a:t>
-                      </a:r>
-                      <a:endParaRPr lang="hu-HU" dirty="0"/>
-                    </a:p>
-                  </a:txBody>
-                  <a:tcPr/>
-                </a:tc>
-                <a:tc>
-                  <a:txBody>
-                    <a:bodyPr/>
-                    <a:lstStyle/>
-                    <a:p>
-                      <a:r>
-                        <a:rPr lang="hu-HU" dirty="0" err="1"/>
-                        <a:t>nev</a:t>
-                      </a:r>
-                      <a:endParaRPr lang="hu-HU" dirty="0"/>
-                    </a:p>
-                  </a:txBody>
-                  <a:tcPr/>
-                </a:tc>
-                <a:tc>
-                  <a:txBody>
-                    <a:bodyPr/>
-                    <a:lstStyle/>
-                    <a:p>
-                      <a:r>
-                        <a:rPr lang="hu-HU" dirty="0" err="1"/>
-                        <a:t>magassag</a:t>
-                      </a:r>
-                      <a:endParaRPr lang="hu-HU" dirty="0"/>
-                    </a:p>
-                  </a:txBody>
-                  <a:tcPr/>
-                </a:tc>
-                <a:extLst>
-                  <a:ext uri="{0D108BD9-81ED-4DB2-BD59-A6C34878D82A}">
-                    <a16:rowId xmlns:a16="http://schemas.microsoft.com/office/drawing/2014/main" val="3996322335"/>
-                  </a:ext>
-                </a:extLst>
-              </a:tr>
-              <a:tr h="370840">
-                <a:tc>
-                  <a:txBody>
-                    <a:bodyPr/>
-                    <a:lstStyle/>
-                    <a:p>
-                      <a:r>
-                        <a:rPr lang="hu-HU" dirty="0"/>
-                        <a:t>1</a:t>
-                      </a:r>
-                    </a:p>
-                  </a:txBody>
-                  <a:tcPr/>
-                </a:tc>
-                <a:tc>
-                  <a:txBody>
-                    <a:bodyPr/>
-                    <a:lstStyle/>
-                    <a:p>
-                      <a:r>
-                        <a:rPr lang="hu-HU" dirty="0"/>
-                        <a:t>Jóska</a:t>
-                      </a:r>
-                    </a:p>
-                  </a:txBody>
-                  <a:tcPr/>
-                </a:tc>
-                <a:tc>
-                  <a:txBody>
-                    <a:bodyPr/>
-                    <a:lstStyle/>
-                    <a:p>
-                      <a:r>
-                        <a:rPr lang="hu-HU" dirty="0"/>
-                        <a:t>156</a:t>
-                      </a:r>
-                    </a:p>
-                  </a:txBody>
-                  <a:tcPr/>
-                </a:tc>
-                <a:extLst>
-                  <a:ext uri="{0D108BD9-81ED-4DB2-BD59-A6C34878D82A}">
-                    <a16:rowId xmlns:a16="http://schemas.microsoft.com/office/drawing/2014/main" val="760060688"/>
-                  </a:ext>
-                </a:extLst>
-              </a:tr>
-              <a:tr h="370840">
-                <a:tc>
-                  <a:txBody>
-                    <a:bodyPr/>
-                    <a:lstStyle/>
-                    <a:p>
-                      <a:r>
-                        <a:rPr lang="hu-HU" dirty="0"/>
-                        <a:t>2</a:t>
-                      </a:r>
-                    </a:p>
-                  </a:txBody>
-                  <a:tcPr/>
-                </a:tc>
-                <a:tc>
-                  <a:txBody>
-                    <a:bodyPr/>
-                    <a:lstStyle/>
-                    <a:p>
-                      <a:r>
-                        <a:rPr lang="hu-HU" dirty="0"/>
-                        <a:t>Pista</a:t>
-                      </a:r>
-                    </a:p>
-                  </a:txBody>
-                  <a:tcPr/>
-                </a:tc>
-                <a:tc>
-                  <a:txBody>
-                    <a:bodyPr/>
-                    <a:lstStyle/>
-                    <a:p>
-                      <a:r>
-                        <a:rPr lang="hu-HU" dirty="0"/>
-                        <a:t>176</a:t>
-                      </a:r>
-                    </a:p>
-                  </a:txBody>
-                  <a:tcPr/>
-                </a:tc>
-                <a:extLst>
-                  <a:ext uri="{0D108BD9-81ED-4DB2-BD59-A6C34878D82A}">
-                    <a16:rowId xmlns:a16="http://schemas.microsoft.com/office/drawing/2014/main" val="658701503"/>
-                  </a:ext>
-                </a:extLst>
-              </a:tr>
-              <a:tr h="370840">
-                <a:tc>
-                  <a:txBody>
-                    <a:bodyPr/>
-                    <a:lstStyle/>
-                    <a:p>
-                      <a:r>
-                        <a:rPr lang="hu-HU" dirty="0"/>
-                        <a:t>3</a:t>
-                      </a:r>
-                    </a:p>
-                  </a:txBody>
-                  <a:tcPr/>
-                </a:tc>
-                <a:tc>
-                  <a:txBody>
-                    <a:bodyPr/>
-                    <a:lstStyle/>
-                    <a:p>
-                      <a:r>
-                        <a:rPr lang="hu-HU" dirty="0"/>
-                        <a:t>Marcsi</a:t>
-                      </a:r>
-                    </a:p>
-                  </a:txBody>
-                  <a:tcPr/>
-                </a:tc>
-                <a:tc>
-                  <a:txBody>
-                    <a:bodyPr/>
-                    <a:lstStyle/>
-                    <a:p>
-                      <a:r>
-                        <a:rPr lang="hu-HU" dirty="0"/>
-                        <a:t>196</a:t>
-                      </a:r>
-                    </a:p>
-                  </a:txBody>
-                  <a:tcPr/>
-                </a:tc>
-                <a:extLst>
-                  <a:ext uri="{0D108BD9-81ED-4DB2-BD59-A6C34878D82A}">
-                    <a16:rowId xmlns:a16="http://schemas.microsoft.com/office/drawing/2014/main" val="1435729292"/>
-                  </a:ext>
-                </a:extLst>
-              </a:tr>
-            </a:tbl>
-          </a:graphicData>
-        </a:graphic>
-      </p:graphicFrame>
-      <p:graphicFrame>
-        <p:nvGraphicFramePr>
-          <p:cNvPr id="6" name="Táblázat 5"/>
-          <p:cNvGraphicFramePr>
-            <a:graphicFrameLocks noGrp="1"/>
-          </p:cNvGraphicFramePr>
-          <p:nvPr>
-            <p:extLst>
-              <p:ext uri="{D42A27DB-BD31-4B8C-83A1-F6EECF244321}">
-                <p14:modId xmlns:p14="http://schemas.microsoft.com/office/powerpoint/2010/main" val="975474761"/>
-              </p:ext>
-            </p:extLst>
-          </p:nvPr>
-        </p:nvGraphicFramePr>
-        <p:xfrm>
-          <a:off x="6981967" y="4710642"/>
-          <a:ext cx="3568699" cy="1478280"/>
-        </p:xfrm>
-        <a:graphic>
-          <a:graphicData uri="http://schemas.openxmlformats.org/drawingml/2006/table">
-            <a:tbl>
-              <a:tblPr firstRow="1" bandRow="1">
-                <a:tableStyleId>{5C22544A-7EE6-4342-B048-85BDC9FD1C3A}</a:tableStyleId>
-              </a:tblPr>
-              <a:tblGrid>
-                <a:gridCol w="436901">
-                  <a:extLst>
-                    <a:ext uri="{9D8B030D-6E8A-4147-A177-3AD203B41FA5}">
-                      <a16:colId xmlns:a16="http://schemas.microsoft.com/office/drawing/2014/main" val="3130221981"/>
-                    </a:ext>
-                  </a:extLst>
-                </a:gridCol>
-                <a:gridCol w="847722">
-                  <a:extLst>
-                    <a:ext uri="{9D8B030D-6E8A-4147-A177-3AD203B41FA5}">
-                      <a16:colId xmlns:a16="http://schemas.microsoft.com/office/drawing/2014/main" val="509116263"/>
-                    </a:ext>
-                  </a:extLst>
-                </a:gridCol>
-                <a:gridCol w="1189455">
-                  <a:extLst>
-                    <a:ext uri="{9D8B030D-6E8A-4147-A177-3AD203B41FA5}">
-                      <a16:colId xmlns:a16="http://schemas.microsoft.com/office/drawing/2014/main" val="1027714813"/>
-                    </a:ext>
-                  </a:extLst>
-                </a:gridCol>
-                <a:gridCol w="1094621">
-                  <a:extLst>
-                    <a:ext uri="{9D8B030D-6E8A-4147-A177-3AD203B41FA5}">
-                      <a16:colId xmlns:a16="http://schemas.microsoft.com/office/drawing/2014/main" val="773983924"/>
-                    </a:ext>
-                  </a:extLst>
-                </a:gridCol>
-              </a:tblGrid>
-              <a:tr h="370840">
-                <a:tc>
-                  <a:txBody>
-                    <a:bodyPr/>
-                    <a:lstStyle/>
-                    <a:p>
-                      <a:r>
-                        <a:rPr lang="hu-HU" dirty="0" err="1"/>
-                        <a:t>id</a:t>
-                      </a:r>
-                      <a:endParaRPr lang="hu-HU" dirty="0"/>
-                    </a:p>
-                  </a:txBody>
-                  <a:tcPr/>
-                </a:tc>
-                <a:tc>
-                  <a:txBody>
-                    <a:bodyPr/>
-                    <a:lstStyle/>
-                    <a:p>
-                      <a:r>
-                        <a:rPr lang="hu-HU" dirty="0" err="1"/>
-                        <a:t>nev</a:t>
-                      </a:r>
-                      <a:endParaRPr lang="hu-HU" dirty="0"/>
-                    </a:p>
-                  </a:txBody>
-                  <a:tcPr/>
-                </a:tc>
-                <a:tc>
-                  <a:txBody>
-                    <a:bodyPr/>
-                    <a:lstStyle/>
-                    <a:p>
-                      <a:r>
-                        <a:rPr lang="hu-HU" dirty="0" err="1"/>
-                        <a:t>felelosid</a:t>
-                      </a:r>
-                      <a:endParaRPr lang="hu-HU" dirty="0"/>
-                    </a:p>
-                  </a:txBody>
-                  <a:tcPr/>
-                </a:tc>
-                <a:tc>
-                  <a:txBody>
-                    <a:bodyPr/>
-                    <a:lstStyle/>
-                    <a:p>
-                      <a:r>
-                        <a:rPr lang="hu-HU" dirty="0" err="1"/>
-                        <a:t>ferohely</a:t>
-                      </a:r>
-                      <a:endParaRPr lang="hu-HU" dirty="0"/>
-                    </a:p>
-                  </a:txBody>
-                  <a:tcPr/>
-                </a:tc>
-                <a:extLst>
-                  <a:ext uri="{0D108BD9-81ED-4DB2-BD59-A6C34878D82A}">
-                    <a16:rowId xmlns:a16="http://schemas.microsoft.com/office/drawing/2014/main" val="2075536770"/>
-                  </a:ext>
-                </a:extLst>
-              </a:tr>
-              <a:tr h="359837">
-                <a:tc>
-                  <a:txBody>
-                    <a:bodyPr/>
-                    <a:lstStyle/>
-                    <a:p>
-                      <a:r>
-                        <a:rPr lang="hu-HU" dirty="0"/>
-                        <a:t>1</a:t>
-                      </a:r>
-                    </a:p>
-                  </a:txBody>
-                  <a:tcPr/>
-                </a:tc>
-                <a:tc>
-                  <a:txBody>
-                    <a:bodyPr/>
-                    <a:lstStyle/>
-                    <a:p>
-                      <a:r>
-                        <a:rPr lang="hu-HU" dirty="0"/>
-                        <a:t>B1</a:t>
-                      </a:r>
-                    </a:p>
-                  </a:txBody>
-                  <a:tcPr/>
-                </a:tc>
-                <a:tc>
-                  <a:txBody>
-                    <a:bodyPr/>
-                    <a:lstStyle/>
-                    <a:p>
-                      <a:r>
-                        <a:rPr lang="hu-HU" dirty="0"/>
-                        <a:t>2</a:t>
-                      </a:r>
-                    </a:p>
-                  </a:txBody>
-                  <a:tcPr/>
-                </a:tc>
-                <a:tc>
-                  <a:txBody>
-                    <a:bodyPr/>
-                    <a:lstStyle/>
-                    <a:p>
-                      <a:r>
-                        <a:rPr lang="hu-HU" dirty="0"/>
-                        <a:t>16</a:t>
-                      </a:r>
-                    </a:p>
-                  </a:txBody>
-                  <a:tcPr/>
-                </a:tc>
-                <a:extLst>
-                  <a:ext uri="{0D108BD9-81ED-4DB2-BD59-A6C34878D82A}">
-                    <a16:rowId xmlns:a16="http://schemas.microsoft.com/office/drawing/2014/main" val="3531612525"/>
-                  </a:ext>
-                </a:extLst>
-              </a:tr>
-              <a:tr h="370840">
-                <a:tc>
-                  <a:txBody>
-                    <a:bodyPr/>
-                    <a:lstStyle/>
-                    <a:p>
-                      <a:r>
-                        <a:rPr lang="hu-HU" dirty="0"/>
-                        <a:t>2</a:t>
-                      </a:r>
-                    </a:p>
-                  </a:txBody>
-                  <a:tcPr/>
-                </a:tc>
-                <a:tc>
-                  <a:txBody>
-                    <a:bodyPr/>
-                    <a:lstStyle/>
-                    <a:p>
-                      <a:r>
-                        <a:rPr lang="hu-HU" dirty="0"/>
-                        <a:t>A112</a:t>
-                      </a:r>
-                    </a:p>
-                  </a:txBody>
-                  <a:tcPr/>
-                </a:tc>
-                <a:tc>
-                  <a:txBody>
-                    <a:bodyPr/>
-                    <a:lstStyle/>
-                    <a:p>
-                      <a:r>
-                        <a:rPr lang="hu-HU" dirty="0"/>
-                        <a:t>3</a:t>
-                      </a:r>
-                    </a:p>
-                  </a:txBody>
-                  <a:tcPr/>
-                </a:tc>
-                <a:tc>
-                  <a:txBody>
-                    <a:bodyPr/>
-                    <a:lstStyle/>
-                    <a:p>
-                      <a:r>
-                        <a:rPr lang="hu-HU" dirty="0"/>
-                        <a:t>400</a:t>
-                      </a:r>
-                    </a:p>
-                  </a:txBody>
-                  <a:tcPr/>
-                </a:tc>
-                <a:extLst>
-                  <a:ext uri="{0D108BD9-81ED-4DB2-BD59-A6C34878D82A}">
-                    <a16:rowId xmlns:a16="http://schemas.microsoft.com/office/drawing/2014/main" val="2596275152"/>
-                  </a:ext>
-                </a:extLst>
-              </a:tr>
-              <a:tr h="370840">
-                <a:tc>
-                  <a:txBody>
-                    <a:bodyPr/>
-                    <a:lstStyle/>
-                    <a:p>
-                      <a:r>
-                        <a:rPr lang="hu-HU" dirty="0"/>
-                        <a:t>3</a:t>
-                      </a:r>
-                    </a:p>
-                  </a:txBody>
-                  <a:tcPr/>
-                </a:tc>
-                <a:tc>
-                  <a:txBody>
-                    <a:bodyPr/>
-                    <a:lstStyle/>
-                    <a:p>
-                      <a:r>
-                        <a:rPr lang="hu-HU" dirty="0"/>
-                        <a:t>34</a:t>
-                      </a:r>
-                    </a:p>
-                  </a:txBody>
-                  <a:tcPr/>
-                </a:tc>
-                <a:tc>
-                  <a:txBody>
-                    <a:bodyPr/>
-                    <a:lstStyle/>
-                    <a:p>
-                      <a:r>
-                        <a:rPr lang="hu-HU" dirty="0"/>
-                        <a:t>3</a:t>
-                      </a:r>
-                    </a:p>
-                  </a:txBody>
-                  <a:tcPr/>
-                </a:tc>
-                <a:tc>
-                  <a:txBody>
-                    <a:bodyPr/>
-                    <a:lstStyle/>
-                    <a:p>
-                      <a:r>
-                        <a:rPr lang="hu-HU" dirty="0"/>
-                        <a:t>35</a:t>
-                      </a:r>
-                    </a:p>
-                  </a:txBody>
-                  <a:tcPr/>
-                </a:tc>
-                <a:extLst>
-                  <a:ext uri="{0D108BD9-81ED-4DB2-BD59-A6C34878D82A}">
-                    <a16:rowId xmlns:a16="http://schemas.microsoft.com/office/drawing/2014/main" val="2573183061"/>
-                  </a:ext>
-                </a:extLst>
-              </a:tr>
-            </a:tbl>
-          </a:graphicData>
-        </a:graphic>
-      </p:graphicFrame>
-      <p:sp>
-        <p:nvSpPr>
-          <p:cNvPr id="7" name="Szövegdoboz 6"/>
-          <p:cNvSpPr txBox="1"/>
-          <p:nvPr/>
-        </p:nvSpPr>
-        <p:spPr>
-          <a:xfrm>
-            <a:off x="810000" y="4336230"/>
-            <a:ext cx="1093569" cy="369332"/>
-          </a:xfrm>
-          <a:prstGeom prst="rect">
-            <a:avLst/>
-          </a:prstGeom>
-          <a:noFill/>
-        </p:spPr>
-        <p:txBody>
-          <a:bodyPr wrap="none" rtlCol="0">
-            <a:spAutoFit/>
-          </a:bodyPr>
-          <a:lstStyle/>
-          <a:p>
-            <a:r>
-              <a:rPr lang="hu-HU" b="1" dirty="0" err="1"/>
-              <a:t>szemely</a:t>
-            </a:r>
-            <a:endParaRPr lang="hu-HU" b="1" dirty="0"/>
-          </a:p>
-        </p:txBody>
-      </p:sp>
-      <p:sp>
-        <p:nvSpPr>
-          <p:cNvPr id="8" name="Szövegdoboz 7"/>
-          <p:cNvSpPr txBox="1"/>
-          <p:nvPr/>
-        </p:nvSpPr>
-        <p:spPr>
-          <a:xfrm>
-            <a:off x="6851157" y="4341310"/>
-            <a:ext cx="838691" cy="369332"/>
-          </a:xfrm>
-          <a:prstGeom prst="rect">
-            <a:avLst/>
-          </a:prstGeom>
-          <a:noFill/>
-        </p:spPr>
-        <p:txBody>
-          <a:bodyPr wrap="none" rtlCol="0">
-            <a:spAutoFit/>
-          </a:bodyPr>
-          <a:lstStyle/>
-          <a:p>
-            <a:r>
-              <a:rPr lang="hu-HU" b="1" dirty="0"/>
-              <a:t>terem</a:t>
-            </a:r>
-          </a:p>
-        </p:txBody>
-      </p:sp>
-      <p:sp>
-        <p:nvSpPr>
-          <p:cNvPr id="9" name="Szövegdoboz 8"/>
-          <p:cNvSpPr txBox="1"/>
-          <p:nvPr/>
-        </p:nvSpPr>
-        <p:spPr>
-          <a:xfrm>
-            <a:off x="4403189" y="5012188"/>
-            <a:ext cx="1412566" cy="523220"/>
-          </a:xfrm>
-          <a:prstGeom prst="rect">
-            <a:avLst/>
-          </a:prstGeom>
-          <a:noFill/>
-        </p:spPr>
-        <p:txBody>
-          <a:bodyPr wrap="none" rtlCol="0">
-            <a:spAutoFit/>
-          </a:bodyPr>
-          <a:lstStyle/>
-          <a:p>
-            <a:r>
-              <a:rPr lang="hu-HU" sz="2800" b="1" dirty="0"/>
-              <a:t>Rekord</a:t>
-            </a:r>
-            <a:endParaRPr lang="hu-HU" b="1" dirty="0"/>
-          </a:p>
-        </p:txBody>
-      </p:sp>
-      <p:cxnSp>
-        <p:nvCxnSpPr>
-          <p:cNvPr id="10" name="Egyenes összekötő nyíllal 9"/>
-          <p:cNvCxnSpPr>
-            <a:stCxn id="9" idx="1"/>
-          </p:cNvCxnSpPr>
-          <p:nvPr/>
-        </p:nvCxnSpPr>
-        <p:spPr>
-          <a:xfrm flipH="1">
-            <a:off x="3726347" y="5273798"/>
-            <a:ext cx="676842" cy="743350"/>
-          </a:xfrm>
-          <a:prstGeom prst="straightConnector1">
-            <a:avLst/>
-          </a:prstGeom>
-          <a:ln w="38100">
-            <a:solidFill>
-              <a:schemeClr val="accent1">
-                <a:lumMod val="20000"/>
-                <a:lumOff val="80000"/>
-              </a:schemeClr>
-            </a:solidFill>
-            <a:tailEnd type="triangle"/>
-          </a:ln>
-        </p:spPr>
-        <p:style>
-          <a:lnRef idx="1">
-            <a:schemeClr val="accent1"/>
-          </a:lnRef>
-          <a:fillRef idx="0">
-            <a:schemeClr val="accent1"/>
-          </a:fillRef>
-          <a:effectRef idx="0">
-            <a:schemeClr val="accent1"/>
-          </a:effectRef>
-          <a:fontRef idx="minor">
-            <a:schemeClr val="tx1"/>
-          </a:fontRef>
-        </p:style>
-      </p:cxnSp>
-      <p:cxnSp>
-        <p:nvCxnSpPr>
-          <p:cNvPr id="11" name="Egyenes összekötő nyíllal 10"/>
-          <p:cNvCxnSpPr>
-            <a:stCxn id="9" idx="1"/>
-          </p:cNvCxnSpPr>
-          <p:nvPr/>
-        </p:nvCxnSpPr>
-        <p:spPr>
-          <a:xfrm flipH="1">
-            <a:off x="3690360" y="5273798"/>
-            <a:ext cx="712829" cy="367850"/>
-          </a:xfrm>
-          <a:prstGeom prst="straightConnector1">
-            <a:avLst/>
-          </a:prstGeom>
-          <a:ln w="38100">
-            <a:solidFill>
-              <a:schemeClr val="accent1">
-                <a:lumMod val="20000"/>
-                <a:lumOff val="80000"/>
-              </a:schemeClr>
-            </a:solidFill>
-            <a:tailEnd type="triangle"/>
-          </a:ln>
-        </p:spPr>
-        <p:style>
-          <a:lnRef idx="1">
-            <a:schemeClr val="accent1"/>
-          </a:lnRef>
-          <a:fillRef idx="0">
-            <a:schemeClr val="accent1"/>
-          </a:fillRef>
-          <a:effectRef idx="0">
-            <a:schemeClr val="accent1"/>
-          </a:effectRef>
-          <a:fontRef idx="minor">
-            <a:schemeClr val="tx1"/>
-          </a:fontRef>
-        </p:style>
-      </p:cxnSp>
-      <p:cxnSp>
-        <p:nvCxnSpPr>
-          <p:cNvPr id="12" name="Egyenes összekötő nyíllal 11"/>
-          <p:cNvCxnSpPr>
-            <a:stCxn id="9" idx="1"/>
-          </p:cNvCxnSpPr>
-          <p:nvPr/>
-        </p:nvCxnSpPr>
-        <p:spPr>
-          <a:xfrm flipH="1">
-            <a:off x="3690360" y="5273798"/>
-            <a:ext cx="712829" cy="0"/>
-          </a:xfrm>
-          <a:prstGeom prst="straightConnector1">
-            <a:avLst/>
-          </a:prstGeom>
-          <a:ln w="38100">
-            <a:solidFill>
-              <a:schemeClr val="accent1">
-                <a:lumMod val="20000"/>
-                <a:lumOff val="80000"/>
-              </a:schemeClr>
-            </a:solidFill>
-            <a:tailEnd type="triangle"/>
-          </a:ln>
-        </p:spPr>
-        <p:style>
-          <a:lnRef idx="1">
-            <a:schemeClr val="accent1"/>
-          </a:lnRef>
-          <a:fillRef idx="0">
-            <a:schemeClr val="accent1"/>
-          </a:fillRef>
-          <a:effectRef idx="0">
-            <a:schemeClr val="accent1"/>
-          </a:effectRef>
-          <a:fontRef idx="minor">
-            <a:schemeClr val="tx1"/>
-          </a:fontRef>
-        </p:style>
-      </p:cxnSp>
-      <p:cxnSp>
-        <p:nvCxnSpPr>
-          <p:cNvPr id="13" name="Egyenes összekötő nyíllal 12"/>
-          <p:cNvCxnSpPr>
-            <a:stCxn id="9" idx="3"/>
-          </p:cNvCxnSpPr>
-          <p:nvPr/>
-        </p:nvCxnSpPr>
-        <p:spPr>
-          <a:xfrm>
-            <a:off x="5815755" y="5273798"/>
-            <a:ext cx="1166212" cy="736807"/>
-          </a:xfrm>
-          <a:prstGeom prst="straightConnector1">
-            <a:avLst/>
-          </a:prstGeom>
-          <a:ln w="38100">
-            <a:solidFill>
-              <a:schemeClr val="accent1">
-                <a:lumMod val="20000"/>
-                <a:lumOff val="80000"/>
-              </a:schemeClr>
-            </a:solidFill>
-            <a:tailEnd type="triangle"/>
-          </a:ln>
-        </p:spPr>
-        <p:style>
-          <a:lnRef idx="1">
-            <a:schemeClr val="accent1"/>
-          </a:lnRef>
-          <a:fillRef idx="0">
-            <a:schemeClr val="accent1"/>
-          </a:fillRef>
-          <a:effectRef idx="0">
-            <a:schemeClr val="accent1"/>
-          </a:effectRef>
-          <a:fontRef idx="minor">
-            <a:schemeClr val="tx1"/>
-          </a:fontRef>
-        </p:style>
-      </p:cxnSp>
-      <p:cxnSp>
-        <p:nvCxnSpPr>
-          <p:cNvPr id="15" name="Egyenes összekötő nyíllal 14"/>
-          <p:cNvCxnSpPr>
-            <a:stCxn id="9" idx="3"/>
-          </p:cNvCxnSpPr>
-          <p:nvPr/>
-        </p:nvCxnSpPr>
-        <p:spPr>
-          <a:xfrm>
-            <a:off x="5815755" y="5273798"/>
-            <a:ext cx="1166212" cy="0"/>
-          </a:xfrm>
-          <a:prstGeom prst="straightConnector1">
-            <a:avLst/>
-          </a:prstGeom>
-          <a:ln w="38100">
-            <a:solidFill>
-              <a:schemeClr val="accent1">
-                <a:lumMod val="20000"/>
-                <a:lumOff val="80000"/>
-              </a:schemeClr>
-            </a:solidFill>
-            <a:tailEnd type="triangle"/>
-          </a:ln>
-        </p:spPr>
-        <p:style>
-          <a:lnRef idx="1">
-            <a:schemeClr val="accent1"/>
-          </a:lnRef>
-          <a:fillRef idx="0">
-            <a:schemeClr val="accent1"/>
-          </a:fillRef>
-          <a:effectRef idx="0">
-            <a:schemeClr val="accent1"/>
-          </a:effectRef>
-          <a:fontRef idx="minor">
-            <a:schemeClr val="tx1"/>
-          </a:fontRef>
-        </p:style>
-      </p:cxnSp>
-      <p:cxnSp>
-        <p:nvCxnSpPr>
-          <p:cNvPr id="16" name="Egyenes összekötő nyíllal 15"/>
-          <p:cNvCxnSpPr>
-            <a:stCxn id="9" idx="3"/>
-          </p:cNvCxnSpPr>
-          <p:nvPr/>
-        </p:nvCxnSpPr>
-        <p:spPr>
-          <a:xfrm>
-            <a:off x="5815755" y="5273798"/>
-            <a:ext cx="1166212" cy="367850"/>
-          </a:xfrm>
-          <a:prstGeom prst="straightConnector1">
-            <a:avLst/>
-          </a:prstGeom>
-          <a:ln w="38100">
-            <a:solidFill>
-              <a:schemeClr val="accent1">
-                <a:lumMod val="20000"/>
-                <a:lumOff val="80000"/>
-              </a:schemeClr>
-            </a:solidFill>
-            <a:tailEnd type="triangle"/>
-          </a:ln>
-        </p:spPr>
-        <p:style>
-          <a:lnRef idx="1">
-            <a:schemeClr val="accent1"/>
-          </a:lnRef>
-          <a:fillRef idx="0">
-            <a:schemeClr val="accent1"/>
-          </a:fillRef>
-          <a:effectRef idx="0">
-            <a:schemeClr val="accent1"/>
-          </a:effectRef>
-          <a:fontRef idx="minor">
-            <a:schemeClr val="tx1"/>
-          </a:fontRef>
-        </p:style>
-      </p:cxnSp>
     </p:spTree>
     <p:extLst>
       <p:ext uri="{BB962C8B-B14F-4D97-AF65-F5344CB8AC3E}">
-        <p14:creationId xmlns:p14="http://schemas.microsoft.com/office/powerpoint/2010/main" val="743291452"/>
+        <p14:creationId xmlns:p14="http://schemas.microsoft.com/office/powerpoint/2010/main" val="2720775216"/>
       </p:ext>
     </p:extLst>
   </p:cSld>
   <p:clrMapOvr>
     <a:masterClrMapping/>
   </p:clrMapOvr>
-  <p:transition spd="slow">
-    <p:push dir="u"/>
-  </p:transition>
-</p:sld>
-</file>
-
-<file path=ppt/slides/slide9.xml><?xml version="1.0" encoding="utf-8"?>
-<p:sld xmlns:a="http://schemas.openxmlformats.org/drawingml/2006/main" xmlns:r="http://schemas.openxmlformats.org/officeDocument/2006/relationships" xmlns:p="http://schemas.openxmlformats.org/presentationml/2006/main">
-  <p:cSld>
-    <p:spTree>
-      <p:nvGrpSpPr>
-        <p:cNvPr id="1" name=""/>
-        <p:cNvGrpSpPr/>
-        <p:nvPr/>
-      </p:nvGrpSpPr>
-      <p:grpSpPr>
-        <a:xfrm>
-          <a:off x="0" y="0"/>
-          <a:ext cx="0" cy="0"/>
-          <a:chOff x="0" y="0"/>
-          <a:chExt cx="0" cy="0"/>
-        </a:xfrm>
-      </p:grpSpPr>
-      <p:sp>
-        <p:nvSpPr>
-          <p:cNvPr id="2" name="Cím 1"/>
-          <p:cNvSpPr>
-            <a:spLocks noGrp="1"/>
-          </p:cNvSpPr>
-          <p:nvPr>
-            <p:ph type="title"/>
-          </p:nvPr>
-        </p:nvSpPr>
-        <p:spPr/>
-        <p:txBody>
-          <a:bodyPr/>
-          <a:lstStyle/>
-          <a:p>
-            <a:r>
-              <a:rPr lang="hu-HU" dirty="0"/>
-              <a:t>Fogalmak: Kulcs</a:t>
-            </a:r>
-          </a:p>
-        </p:txBody>
-      </p:sp>
-      <p:sp>
-        <p:nvSpPr>
-          <p:cNvPr id="4" name="Tartalom helye 3"/>
-          <p:cNvSpPr>
-            <a:spLocks noGrp="1"/>
-          </p:cNvSpPr>
-          <p:nvPr>
-            <p:ph idx="1"/>
-          </p:nvPr>
-        </p:nvSpPr>
-        <p:spPr>
-          <a:xfrm>
-            <a:off x="818712" y="2222287"/>
-            <a:ext cx="10554574" cy="2107775"/>
-          </a:xfrm>
-        </p:spPr>
-        <p:txBody>
-          <a:bodyPr/>
-          <a:lstStyle/>
-          <a:p>
-            <a:pPr marL="0" indent="0">
-              <a:buNone/>
-            </a:pPr>
-            <a:r>
-              <a:rPr lang="hu-HU" dirty="0"/>
-              <a:t>A </a:t>
-            </a:r>
-            <a:r>
-              <a:rPr lang="hu-HU" b="1" i="1" dirty="0">
-                <a:solidFill>
-                  <a:schemeClr val="accent1"/>
-                </a:solidFill>
-              </a:rPr>
-              <a:t>kulcs</a:t>
-            </a:r>
-            <a:r>
-              <a:rPr lang="hu-HU" dirty="0"/>
-              <a:t> egy olyan </a:t>
-            </a:r>
-            <a:r>
-              <a:rPr lang="hu-HU" b="1" i="1" dirty="0">
-                <a:solidFill>
-                  <a:schemeClr val="accent1"/>
-                </a:solidFill>
-              </a:rPr>
-              <a:t>mező</a:t>
-            </a:r>
-            <a:r>
-              <a:rPr lang="hu-HU" dirty="0"/>
-              <a:t> (vagy több mező együtt), amely azonosít egy </a:t>
-            </a:r>
-            <a:r>
-              <a:rPr lang="hu-HU" b="1" i="1" dirty="0">
-                <a:solidFill>
-                  <a:schemeClr val="accent1"/>
-                </a:solidFill>
-              </a:rPr>
-              <a:t>rekordot</a:t>
-            </a:r>
-            <a:r>
-              <a:rPr lang="hu-HU" dirty="0"/>
-              <a:t>. Több fajtája is van, mi kettőt, az </a:t>
-            </a:r>
-            <a:r>
-              <a:rPr lang="hu-HU" b="1" i="1" dirty="0">
-                <a:solidFill>
-                  <a:schemeClr val="accent1"/>
-                </a:solidFill>
-              </a:rPr>
-              <a:t>elsődlegest</a:t>
-            </a:r>
-            <a:r>
-              <a:rPr lang="hu-HU" dirty="0"/>
-              <a:t>, és az </a:t>
-            </a:r>
-            <a:r>
-              <a:rPr lang="hu-HU" b="1" i="1" dirty="0">
-                <a:solidFill>
-                  <a:schemeClr val="accent1"/>
-                </a:solidFill>
-              </a:rPr>
-              <a:t>idegent</a:t>
-            </a:r>
-            <a:r>
-              <a:rPr lang="hu-HU" dirty="0"/>
-              <a:t> fogjuk megismerni.</a:t>
-            </a:r>
-          </a:p>
-        </p:txBody>
-      </p:sp>
-      <p:graphicFrame>
-        <p:nvGraphicFramePr>
-          <p:cNvPr id="5" name="Táblázat 4"/>
-          <p:cNvGraphicFramePr>
-            <a:graphicFrameLocks noGrp="1"/>
-          </p:cNvGraphicFramePr>
-          <p:nvPr>
-            <p:extLst>
-              <p:ext uri="{D42A27DB-BD31-4B8C-83A1-F6EECF244321}">
-                <p14:modId xmlns:p14="http://schemas.microsoft.com/office/powerpoint/2010/main" val="735936335"/>
-              </p:ext>
-            </p:extLst>
-          </p:nvPr>
-        </p:nvGraphicFramePr>
-        <p:xfrm>
-          <a:off x="910330" y="4705562"/>
-          <a:ext cx="2780030" cy="1483360"/>
-        </p:xfrm>
-        <a:graphic>
-          <a:graphicData uri="http://schemas.openxmlformats.org/drawingml/2006/table">
-            <a:tbl>
-              <a:tblPr firstRow="1" bandRow="1">
-                <a:tableStyleId>{5C22544A-7EE6-4342-B048-85BDC9FD1C3A}</a:tableStyleId>
-              </a:tblPr>
-              <a:tblGrid>
-                <a:gridCol w="447930">
-                  <a:extLst>
-                    <a:ext uri="{9D8B030D-6E8A-4147-A177-3AD203B41FA5}">
-                      <a16:colId xmlns:a16="http://schemas.microsoft.com/office/drawing/2014/main" val="1373194223"/>
-                    </a:ext>
-                  </a:extLst>
-                </a:gridCol>
-                <a:gridCol w="914780">
-                  <a:extLst>
-                    <a:ext uri="{9D8B030D-6E8A-4147-A177-3AD203B41FA5}">
-                      <a16:colId xmlns:a16="http://schemas.microsoft.com/office/drawing/2014/main" val="2417919438"/>
-                    </a:ext>
-                  </a:extLst>
-                </a:gridCol>
-                <a:gridCol w="1417320">
-                  <a:extLst>
-                    <a:ext uri="{9D8B030D-6E8A-4147-A177-3AD203B41FA5}">
-                      <a16:colId xmlns:a16="http://schemas.microsoft.com/office/drawing/2014/main" val="2052402733"/>
-                    </a:ext>
-                  </a:extLst>
-                </a:gridCol>
-              </a:tblGrid>
-              <a:tr h="370840">
-                <a:tc>
-                  <a:txBody>
-                    <a:bodyPr/>
-                    <a:lstStyle/>
-                    <a:p>
-                      <a:r>
-                        <a:rPr lang="hu-HU" dirty="0" err="1"/>
-                        <a:t>id</a:t>
-                      </a:r>
-                      <a:endParaRPr lang="hu-HU" dirty="0"/>
-                    </a:p>
-                  </a:txBody>
-                  <a:tcPr/>
-                </a:tc>
-                <a:tc>
-                  <a:txBody>
-                    <a:bodyPr/>
-                    <a:lstStyle/>
-                    <a:p>
-                      <a:r>
-                        <a:rPr lang="hu-HU" dirty="0" err="1"/>
-                        <a:t>nev</a:t>
-                      </a:r>
-                      <a:endParaRPr lang="hu-HU" dirty="0"/>
-                    </a:p>
-                  </a:txBody>
-                  <a:tcPr/>
-                </a:tc>
-                <a:tc>
-                  <a:txBody>
-                    <a:bodyPr/>
-                    <a:lstStyle/>
-                    <a:p>
-                      <a:r>
-                        <a:rPr lang="hu-HU" dirty="0" err="1"/>
-                        <a:t>magassag</a:t>
-                      </a:r>
-                      <a:endParaRPr lang="hu-HU" dirty="0"/>
-                    </a:p>
-                  </a:txBody>
-                  <a:tcPr/>
-                </a:tc>
-                <a:extLst>
-                  <a:ext uri="{0D108BD9-81ED-4DB2-BD59-A6C34878D82A}">
-                    <a16:rowId xmlns:a16="http://schemas.microsoft.com/office/drawing/2014/main" val="3996322335"/>
-                  </a:ext>
-                </a:extLst>
-              </a:tr>
-              <a:tr h="370840">
-                <a:tc>
-                  <a:txBody>
-                    <a:bodyPr/>
-                    <a:lstStyle/>
-                    <a:p>
-                      <a:r>
-                        <a:rPr lang="hu-HU" dirty="0"/>
-                        <a:t>1</a:t>
-                      </a:r>
-                    </a:p>
-                  </a:txBody>
-                  <a:tcPr/>
-                </a:tc>
-                <a:tc>
-                  <a:txBody>
-                    <a:bodyPr/>
-                    <a:lstStyle/>
-                    <a:p>
-                      <a:r>
-                        <a:rPr lang="hu-HU" dirty="0"/>
-                        <a:t>Jóska</a:t>
-                      </a:r>
-                    </a:p>
-                  </a:txBody>
-                  <a:tcPr/>
-                </a:tc>
-                <a:tc>
-                  <a:txBody>
-                    <a:bodyPr/>
-                    <a:lstStyle/>
-                    <a:p>
-                      <a:r>
-                        <a:rPr lang="hu-HU" dirty="0"/>
-                        <a:t>156</a:t>
-                      </a:r>
-                    </a:p>
-                  </a:txBody>
-                  <a:tcPr/>
-                </a:tc>
-                <a:extLst>
-                  <a:ext uri="{0D108BD9-81ED-4DB2-BD59-A6C34878D82A}">
-                    <a16:rowId xmlns:a16="http://schemas.microsoft.com/office/drawing/2014/main" val="760060688"/>
-                  </a:ext>
-                </a:extLst>
-              </a:tr>
-              <a:tr h="370840">
-                <a:tc>
-                  <a:txBody>
-                    <a:bodyPr/>
-                    <a:lstStyle/>
-                    <a:p>
-                      <a:r>
-                        <a:rPr lang="hu-HU" dirty="0"/>
-                        <a:t>2</a:t>
-                      </a:r>
-                    </a:p>
-                  </a:txBody>
-                  <a:tcPr/>
-                </a:tc>
-                <a:tc>
-                  <a:txBody>
-                    <a:bodyPr/>
-                    <a:lstStyle/>
-                    <a:p>
-                      <a:r>
-                        <a:rPr lang="hu-HU" dirty="0"/>
-                        <a:t>Pista</a:t>
-                      </a:r>
-                    </a:p>
-                  </a:txBody>
-                  <a:tcPr/>
-                </a:tc>
-                <a:tc>
-                  <a:txBody>
-                    <a:bodyPr/>
-                    <a:lstStyle/>
-                    <a:p>
-                      <a:r>
-                        <a:rPr lang="hu-HU" dirty="0"/>
-                        <a:t>176</a:t>
-                      </a:r>
-                    </a:p>
-                  </a:txBody>
-                  <a:tcPr/>
-                </a:tc>
-                <a:extLst>
-                  <a:ext uri="{0D108BD9-81ED-4DB2-BD59-A6C34878D82A}">
-                    <a16:rowId xmlns:a16="http://schemas.microsoft.com/office/drawing/2014/main" val="658701503"/>
-                  </a:ext>
-                </a:extLst>
-              </a:tr>
-              <a:tr h="370840">
-                <a:tc>
-                  <a:txBody>
-                    <a:bodyPr/>
-                    <a:lstStyle/>
-                    <a:p>
-                      <a:r>
-                        <a:rPr lang="hu-HU" dirty="0"/>
-                        <a:t>3</a:t>
-                      </a:r>
-                    </a:p>
-                  </a:txBody>
-                  <a:tcPr/>
-                </a:tc>
-                <a:tc>
-                  <a:txBody>
-                    <a:bodyPr/>
-                    <a:lstStyle/>
-                    <a:p>
-                      <a:r>
-                        <a:rPr lang="hu-HU" dirty="0"/>
-                        <a:t>Marcsi</a:t>
-                      </a:r>
-                    </a:p>
-                  </a:txBody>
-                  <a:tcPr/>
-                </a:tc>
-                <a:tc>
-                  <a:txBody>
-                    <a:bodyPr/>
-                    <a:lstStyle/>
-                    <a:p>
-                      <a:r>
-                        <a:rPr lang="hu-HU" dirty="0"/>
-                        <a:t>196</a:t>
-                      </a:r>
-                    </a:p>
-                  </a:txBody>
-                  <a:tcPr/>
-                </a:tc>
-                <a:extLst>
-                  <a:ext uri="{0D108BD9-81ED-4DB2-BD59-A6C34878D82A}">
-                    <a16:rowId xmlns:a16="http://schemas.microsoft.com/office/drawing/2014/main" val="1435729292"/>
-                  </a:ext>
-                </a:extLst>
-              </a:tr>
-            </a:tbl>
-          </a:graphicData>
-        </a:graphic>
-      </p:graphicFrame>
-      <p:graphicFrame>
-        <p:nvGraphicFramePr>
-          <p:cNvPr id="6" name="Táblázat 5"/>
-          <p:cNvGraphicFramePr>
-            <a:graphicFrameLocks noGrp="1"/>
-          </p:cNvGraphicFramePr>
-          <p:nvPr>
-            <p:extLst>
-              <p:ext uri="{D42A27DB-BD31-4B8C-83A1-F6EECF244321}">
-                <p14:modId xmlns:p14="http://schemas.microsoft.com/office/powerpoint/2010/main" val="1575018175"/>
-              </p:ext>
-            </p:extLst>
-          </p:nvPr>
-        </p:nvGraphicFramePr>
-        <p:xfrm>
-          <a:off x="6981967" y="4710642"/>
-          <a:ext cx="3568699" cy="1478280"/>
-        </p:xfrm>
-        <a:graphic>
-          <a:graphicData uri="http://schemas.openxmlformats.org/drawingml/2006/table">
-            <a:tbl>
-              <a:tblPr firstRow="1" bandRow="1">
-                <a:tableStyleId>{5C22544A-7EE6-4342-B048-85BDC9FD1C3A}</a:tableStyleId>
-              </a:tblPr>
-              <a:tblGrid>
-                <a:gridCol w="436901">
-                  <a:extLst>
-                    <a:ext uri="{9D8B030D-6E8A-4147-A177-3AD203B41FA5}">
-                      <a16:colId xmlns:a16="http://schemas.microsoft.com/office/drawing/2014/main" val="3130221981"/>
-                    </a:ext>
-                  </a:extLst>
-                </a:gridCol>
-                <a:gridCol w="847722">
-                  <a:extLst>
-                    <a:ext uri="{9D8B030D-6E8A-4147-A177-3AD203B41FA5}">
-                      <a16:colId xmlns:a16="http://schemas.microsoft.com/office/drawing/2014/main" val="509116263"/>
-                    </a:ext>
-                  </a:extLst>
-                </a:gridCol>
-                <a:gridCol w="1189455">
-                  <a:extLst>
-                    <a:ext uri="{9D8B030D-6E8A-4147-A177-3AD203B41FA5}">
-                      <a16:colId xmlns:a16="http://schemas.microsoft.com/office/drawing/2014/main" val="1027714813"/>
-                    </a:ext>
-                  </a:extLst>
-                </a:gridCol>
-                <a:gridCol w="1094621">
-                  <a:extLst>
-                    <a:ext uri="{9D8B030D-6E8A-4147-A177-3AD203B41FA5}">
-                      <a16:colId xmlns:a16="http://schemas.microsoft.com/office/drawing/2014/main" val="773983924"/>
-                    </a:ext>
-                  </a:extLst>
-                </a:gridCol>
-              </a:tblGrid>
-              <a:tr h="370840">
-                <a:tc>
-                  <a:txBody>
-                    <a:bodyPr/>
-                    <a:lstStyle/>
-                    <a:p>
-                      <a:r>
-                        <a:rPr lang="hu-HU" dirty="0" err="1"/>
-                        <a:t>id</a:t>
-                      </a:r>
-                      <a:endParaRPr lang="hu-HU" dirty="0"/>
-                    </a:p>
-                  </a:txBody>
-                  <a:tcPr/>
-                </a:tc>
-                <a:tc>
-                  <a:txBody>
-                    <a:bodyPr/>
-                    <a:lstStyle/>
-                    <a:p>
-                      <a:r>
-                        <a:rPr lang="hu-HU" dirty="0" err="1"/>
-                        <a:t>nev</a:t>
-                      </a:r>
-                      <a:endParaRPr lang="hu-HU" dirty="0"/>
-                    </a:p>
-                  </a:txBody>
-                  <a:tcPr/>
-                </a:tc>
-                <a:tc>
-                  <a:txBody>
-                    <a:bodyPr/>
-                    <a:lstStyle/>
-                    <a:p>
-                      <a:r>
-                        <a:rPr lang="hu-HU" dirty="0" err="1"/>
-                        <a:t>felelosid</a:t>
-                      </a:r>
-                      <a:endParaRPr lang="hu-HU" dirty="0"/>
-                    </a:p>
-                  </a:txBody>
-                  <a:tcPr/>
-                </a:tc>
-                <a:tc>
-                  <a:txBody>
-                    <a:bodyPr/>
-                    <a:lstStyle/>
-                    <a:p>
-                      <a:r>
-                        <a:rPr lang="hu-HU" dirty="0" err="1"/>
-                        <a:t>ferohely</a:t>
-                      </a:r>
-                      <a:endParaRPr lang="hu-HU" dirty="0"/>
-                    </a:p>
-                  </a:txBody>
-                  <a:tcPr/>
-                </a:tc>
-                <a:extLst>
-                  <a:ext uri="{0D108BD9-81ED-4DB2-BD59-A6C34878D82A}">
-                    <a16:rowId xmlns:a16="http://schemas.microsoft.com/office/drawing/2014/main" val="2075536770"/>
-                  </a:ext>
-                </a:extLst>
-              </a:tr>
-              <a:tr h="359837">
-                <a:tc>
-                  <a:txBody>
-                    <a:bodyPr/>
-                    <a:lstStyle/>
-                    <a:p>
-                      <a:r>
-                        <a:rPr lang="hu-HU" dirty="0"/>
-                        <a:t>1</a:t>
-                      </a:r>
-                    </a:p>
-                  </a:txBody>
-                  <a:tcPr/>
-                </a:tc>
-                <a:tc>
-                  <a:txBody>
-                    <a:bodyPr/>
-                    <a:lstStyle/>
-                    <a:p>
-                      <a:r>
-                        <a:rPr lang="hu-HU" dirty="0"/>
-                        <a:t>B1</a:t>
-                      </a:r>
-                    </a:p>
-                  </a:txBody>
-                  <a:tcPr/>
-                </a:tc>
-                <a:tc>
-                  <a:txBody>
-                    <a:bodyPr/>
-                    <a:lstStyle/>
-                    <a:p>
-                      <a:r>
-                        <a:rPr lang="hu-HU" dirty="0"/>
-                        <a:t>2</a:t>
-                      </a:r>
-                    </a:p>
-                  </a:txBody>
-                  <a:tcPr/>
-                </a:tc>
-                <a:tc>
-                  <a:txBody>
-                    <a:bodyPr/>
-                    <a:lstStyle/>
-                    <a:p>
-                      <a:r>
-                        <a:rPr lang="hu-HU" dirty="0"/>
-                        <a:t>16</a:t>
-                      </a:r>
-                    </a:p>
-                  </a:txBody>
-                  <a:tcPr/>
-                </a:tc>
-                <a:extLst>
-                  <a:ext uri="{0D108BD9-81ED-4DB2-BD59-A6C34878D82A}">
-                    <a16:rowId xmlns:a16="http://schemas.microsoft.com/office/drawing/2014/main" val="3531612525"/>
-                  </a:ext>
-                </a:extLst>
-              </a:tr>
-              <a:tr h="370840">
-                <a:tc>
-                  <a:txBody>
-                    <a:bodyPr/>
-                    <a:lstStyle/>
-                    <a:p>
-                      <a:r>
-                        <a:rPr lang="hu-HU" dirty="0"/>
-                        <a:t>2</a:t>
-                      </a:r>
-                    </a:p>
-                  </a:txBody>
-                  <a:tcPr/>
-                </a:tc>
-                <a:tc>
-                  <a:txBody>
-                    <a:bodyPr/>
-                    <a:lstStyle/>
-                    <a:p>
-                      <a:r>
-                        <a:rPr lang="hu-HU" dirty="0"/>
-                        <a:t>A112</a:t>
-                      </a:r>
-                    </a:p>
-                  </a:txBody>
-                  <a:tcPr/>
-                </a:tc>
-                <a:tc>
-                  <a:txBody>
-                    <a:bodyPr/>
-                    <a:lstStyle/>
-                    <a:p>
-                      <a:r>
-                        <a:rPr lang="hu-HU" dirty="0"/>
-                        <a:t>3</a:t>
-                      </a:r>
-                    </a:p>
-                  </a:txBody>
-                  <a:tcPr/>
-                </a:tc>
-                <a:tc>
-                  <a:txBody>
-                    <a:bodyPr/>
-                    <a:lstStyle/>
-                    <a:p>
-                      <a:r>
-                        <a:rPr lang="hu-HU" dirty="0"/>
-                        <a:t>400</a:t>
-                      </a:r>
-                    </a:p>
-                  </a:txBody>
-                  <a:tcPr/>
-                </a:tc>
-                <a:extLst>
-                  <a:ext uri="{0D108BD9-81ED-4DB2-BD59-A6C34878D82A}">
-                    <a16:rowId xmlns:a16="http://schemas.microsoft.com/office/drawing/2014/main" val="2596275152"/>
-                  </a:ext>
-                </a:extLst>
-              </a:tr>
-              <a:tr h="370840">
-                <a:tc>
-                  <a:txBody>
-                    <a:bodyPr/>
-                    <a:lstStyle/>
-                    <a:p>
-                      <a:r>
-                        <a:rPr lang="hu-HU" dirty="0"/>
-                        <a:t>3</a:t>
-                      </a:r>
-                    </a:p>
-                  </a:txBody>
-                  <a:tcPr/>
-                </a:tc>
-                <a:tc>
-                  <a:txBody>
-                    <a:bodyPr/>
-                    <a:lstStyle/>
-                    <a:p>
-                      <a:r>
-                        <a:rPr lang="hu-HU" dirty="0"/>
-                        <a:t>34</a:t>
-                      </a:r>
-                    </a:p>
-                  </a:txBody>
-                  <a:tcPr/>
-                </a:tc>
-                <a:tc>
-                  <a:txBody>
-                    <a:bodyPr/>
-                    <a:lstStyle/>
-                    <a:p>
-                      <a:r>
-                        <a:rPr lang="hu-HU" dirty="0"/>
-                        <a:t>3</a:t>
-                      </a:r>
-                    </a:p>
-                  </a:txBody>
-                  <a:tcPr/>
-                </a:tc>
-                <a:tc>
-                  <a:txBody>
-                    <a:bodyPr/>
-                    <a:lstStyle/>
-                    <a:p>
-                      <a:r>
-                        <a:rPr lang="hu-HU" dirty="0"/>
-                        <a:t>35</a:t>
-                      </a:r>
-                    </a:p>
-                  </a:txBody>
-                  <a:tcPr/>
-                </a:tc>
-                <a:extLst>
-                  <a:ext uri="{0D108BD9-81ED-4DB2-BD59-A6C34878D82A}">
-                    <a16:rowId xmlns:a16="http://schemas.microsoft.com/office/drawing/2014/main" val="2573183061"/>
-                  </a:ext>
-                </a:extLst>
-              </a:tr>
-            </a:tbl>
-          </a:graphicData>
-        </a:graphic>
-      </p:graphicFrame>
-      <p:sp>
-        <p:nvSpPr>
-          <p:cNvPr id="7" name="Szövegdoboz 6"/>
-          <p:cNvSpPr txBox="1"/>
-          <p:nvPr/>
-        </p:nvSpPr>
-        <p:spPr>
-          <a:xfrm>
-            <a:off x="810000" y="4336230"/>
-            <a:ext cx="1093569" cy="369332"/>
-          </a:xfrm>
-          <a:prstGeom prst="rect">
-            <a:avLst/>
-          </a:prstGeom>
-          <a:noFill/>
-        </p:spPr>
-        <p:txBody>
-          <a:bodyPr wrap="none" rtlCol="0">
-            <a:spAutoFit/>
-          </a:bodyPr>
-          <a:lstStyle/>
-          <a:p>
-            <a:r>
-              <a:rPr lang="hu-HU" b="1" dirty="0" err="1"/>
-              <a:t>szemely</a:t>
-            </a:r>
-            <a:endParaRPr lang="hu-HU" b="1" dirty="0"/>
-          </a:p>
-        </p:txBody>
-      </p:sp>
-      <p:sp>
-        <p:nvSpPr>
-          <p:cNvPr id="8" name="Szövegdoboz 7"/>
-          <p:cNvSpPr txBox="1"/>
-          <p:nvPr/>
-        </p:nvSpPr>
-        <p:spPr>
-          <a:xfrm>
-            <a:off x="6851157" y="4341310"/>
-            <a:ext cx="838691" cy="369332"/>
-          </a:xfrm>
-          <a:prstGeom prst="rect">
-            <a:avLst/>
-          </a:prstGeom>
-          <a:noFill/>
-        </p:spPr>
-        <p:txBody>
-          <a:bodyPr wrap="none" rtlCol="0">
-            <a:spAutoFit/>
-          </a:bodyPr>
-          <a:lstStyle/>
-          <a:p>
-            <a:r>
-              <a:rPr lang="hu-HU" b="1" dirty="0"/>
-              <a:t>terem</a:t>
-            </a:r>
-          </a:p>
-        </p:txBody>
-      </p:sp>
-      <p:sp>
-        <p:nvSpPr>
-          <p:cNvPr id="3" name="Téglalap 2"/>
-          <p:cNvSpPr/>
-          <p:nvPr/>
-        </p:nvSpPr>
-        <p:spPr>
-          <a:xfrm>
-            <a:off x="818712" y="4648860"/>
-            <a:ext cx="686531" cy="1596764"/>
-          </a:xfrm>
-          <a:prstGeom prst="rect">
-            <a:avLst/>
-          </a:prstGeom>
-          <a:noFill/>
-          <a:ln w="38100">
-            <a:solidFill>
-              <a:schemeClr val="accent4">
-                <a:lumMod val="75000"/>
-              </a:schemeClr>
-            </a:solidFill>
-          </a:ln>
-        </p:spPr>
-        <p:style>
-          <a:lnRef idx="2">
-            <a:schemeClr val="accent1">
-              <a:shade val="50000"/>
-            </a:schemeClr>
-          </a:lnRef>
-          <a:fillRef idx="1">
-            <a:schemeClr val="accent1"/>
-          </a:fillRef>
-          <a:effectRef idx="0">
-            <a:schemeClr val="accent1"/>
-          </a:effectRef>
-          <a:fontRef idx="minor">
-            <a:schemeClr val="lt1"/>
-          </a:fontRef>
-        </p:style>
-        <p:txBody>
-          <a:bodyPr rtlCol="0" anchor="ctr"/>
-          <a:lstStyle/>
-          <a:p>
-            <a:pPr algn="ctr"/>
-            <a:endParaRPr lang="hu-HU"/>
-          </a:p>
-        </p:txBody>
-      </p:sp>
-      <p:sp>
-        <p:nvSpPr>
-          <p:cNvPr id="16" name="Téglalap 15"/>
-          <p:cNvSpPr/>
-          <p:nvPr/>
-        </p:nvSpPr>
-        <p:spPr>
-          <a:xfrm>
-            <a:off x="6851157" y="4623419"/>
-            <a:ext cx="686531" cy="1596764"/>
-          </a:xfrm>
-          <a:prstGeom prst="rect">
-            <a:avLst/>
-          </a:prstGeom>
-          <a:noFill/>
-          <a:ln w="38100">
-            <a:solidFill>
-              <a:schemeClr val="accent4">
-                <a:lumMod val="75000"/>
-              </a:schemeClr>
-            </a:solidFill>
-          </a:ln>
-        </p:spPr>
-        <p:style>
-          <a:lnRef idx="2">
-            <a:schemeClr val="accent1">
-              <a:shade val="50000"/>
-            </a:schemeClr>
-          </a:lnRef>
-          <a:fillRef idx="1">
-            <a:schemeClr val="accent1"/>
-          </a:fillRef>
-          <a:effectRef idx="0">
-            <a:schemeClr val="accent1"/>
-          </a:effectRef>
-          <a:fontRef idx="minor">
-            <a:schemeClr val="lt1"/>
-          </a:fontRef>
-        </p:style>
-        <p:txBody>
-          <a:bodyPr rtlCol="0" anchor="ctr"/>
-          <a:lstStyle/>
-          <a:p>
-            <a:pPr algn="ctr"/>
-            <a:endParaRPr lang="hu-HU"/>
-          </a:p>
-        </p:txBody>
-      </p:sp>
-    </p:spTree>
-    <p:extLst>
-      <p:ext uri="{BB962C8B-B14F-4D97-AF65-F5344CB8AC3E}">
-        <p14:creationId xmlns:p14="http://schemas.microsoft.com/office/powerpoint/2010/main" val="2002249716"/>
-      </p:ext>
-    </p:extLst>
-  </p:cSld>
-  <p:clrMapOvr>
-    <a:masterClrMapping/>
-  </p:clrMapOvr>
-  <p:transition spd="slow">
-    <p:push dir="u"/>
-  </p:transition>
 </p:sld>
 </file>
 
